--- a/LectureFiles/cshl/2015/RNASeq_Module3_Tutorial.pptx
+++ b/LectureFiles/cshl/2015/RNASeq_Module3_Tutorial.pptx
@@ -5,22 +5,24 @@
     <p:sldMasterId id="2147483648" r:id="rId1"/>
   </p:sldMasterIdLst>
   <p:notesMasterIdLst>
-    <p:notesMasterId r:id="rId12"/>
+    <p:notesMasterId r:id="rId14"/>
   </p:notesMasterIdLst>
   <p:handoutMasterIdLst>
-    <p:handoutMasterId r:id="rId13"/>
+    <p:handoutMasterId r:id="rId15"/>
   </p:handoutMasterIdLst>
   <p:sldIdLst>
     <p:sldId id="341" r:id="rId2"/>
-    <p:sldId id="257" r:id="rId3"/>
-    <p:sldId id="513" r:id="rId4"/>
+    <p:sldId id="513" r:id="rId3"/>
+    <p:sldId id="514" r:id="rId4"/>
     <p:sldId id="515" r:id="rId5"/>
     <p:sldId id="516" r:id="rId6"/>
     <p:sldId id="517" r:id="rId7"/>
     <p:sldId id="518" r:id="rId8"/>
     <p:sldId id="519" r:id="rId9"/>
     <p:sldId id="520" r:id="rId10"/>
-    <p:sldId id="512" r:id="rId11"/>
+    <p:sldId id="521" r:id="rId11"/>
+    <p:sldId id="522" r:id="rId12"/>
+    <p:sldId id="512" r:id="rId13"/>
   </p:sldIdLst>
   <p:sldSz cx="9144000" cy="6858000" type="screen4x3"/>
   <p:notesSz cx="7315200" cy="9601200"/>
@@ -250,12 +252,12 @@
             <a:pPr>
               <a:defRPr/>
             </a:pPr>
-            <a:fld id="{73395C5E-2FC9-C740-A901-10A5857E35C6}" type="datetime1">
+            <a:fld id="{DE9121C1-E2BF-E745-B860-78422DD9843C}" type="datetime1">
               <a:rPr lang="en-US"/>
               <a:pPr>
                 <a:defRPr/>
               </a:pPr>
-              <a:t>11/18/14</a:t>
+              <a:t>11/14/15</a:t>
             </a:fld>
             <a:endParaRPr lang="en-US"/>
           </a:p>
@@ -337,7 +339,7 @@
             <a:pPr>
               <a:defRPr/>
             </a:pPr>
-            <a:fld id="{8F81CEAB-13B6-BE45-9948-E3D2D80A6422}" type="slidenum">
+            <a:fld id="{78E0C042-AF95-A94D-832D-10E1E8C542D1}" type="slidenum">
               <a:rPr lang="en-US"/>
               <a:pPr>
                 <a:defRPr/>
@@ -351,7 +353,7 @@
     </p:spTree>
     <p:extLst>
       <p:ext uri="{BB962C8B-B14F-4D97-AF65-F5344CB8AC3E}">
-        <p14:creationId xmlns:p14="http://schemas.microsoft.com/office/powerpoint/2010/main" val="881769869"/>
+        <p14:creationId xmlns:p14="http://schemas.microsoft.com/office/powerpoint/2010/main" val="3520265413"/>
       </p:ext>
     </p:extLst>
   </p:cSld>
@@ -457,12 +459,12 @@
             <a:pPr>
               <a:defRPr/>
             </a:pPr>
-            <a:fld id="{1409FFA6-43EE-0749-8535-0BA227DA1C3D}" type="datetime1">
+            <a:fld id="{35287995-21E9-BA49-A2F5-7D67D447DBDA}" type="datetime1">
               <a:rPr lang="en-US"/>
               <a:pPr>
                 <a:defRPr/>
               </a:pPr>
-              <a:t>11/18/14</a:t>
+              <a:t>11/14/15</a:t>
             </a:fld>
             <a:endParaRPr lang="en-US"/>
           </a:p>
@@ -646,7 +648,7 @@
             <a:pPr>
               <a:defRPr/>
             </a:pPr>
-            <a:fld id="{5E557AA8-D6B6-6740-A714-64CD6EB636CE}" type="slidenum">
+            <a:fld id="{58FBEE90-0CDA-3447-B595-4F8759630F3A}" type="slidenum">
               <a:rPr lang="en-US"/>
               <a:pPr>
                 <a:defRPr/>
@@ -660,7 +662,7 @@
     </p:spTree>
     <p:extLst>
       <p:ext uri="{BB962C8B-B14F-4D97-AF65-F5344CB8AC3E}">
-        <p14:creationId xmlns:p14="http://schemas.microsoft.com/office/powerpoint/2010/main" val="3561342286"/>
+        <p14:creationId xmlns:p14="http://schemas.microsoft.com/office/powerpoint/2010/main" val="2390151617"/>
       </p:ext>
     </p:extLst>
   </p:cSld>
@@ -809,262 +811,6 @@
       </p:grpSpPr>
       <p:sp>
         <p:nvSpPr>
-          <p:cNvPr id="13313" name="Rectangle 7"/>
-          <p:cNvSpPr>
-            <a:spLocks noGrp="1" noChangeArrowheads="1"/>
-          </p:cNvSpPr>
-          <p:nvPr>
-            <p:ph type="sldNum" sz="quarter" idx="5"/>
-          </p:nvPr>
-        </p:nvSpPr>
-        <p:spPr bwMode="auto">
-          <a:noFill/>
-          <a:extLst>
-            <a:ext uri="{909E8E84-426E-40dd-AFC4-6F175D3DCCD1}">
-              <a14:hiddenFill xmlns:a14="http://schemas.microsoft.com/office/drawing/2010/main">
-                <a:solidFill>
-                  <a:srgbClr val="FFFFFF"/>
-                </a:solidFill>
-              </a14:hiddenFill>
-            </a:ext>
-            <a:ext uri="{91240B29-F687-4f45-9708-019B960494DF}">
-              <a14:hiddenLine xmlns:a14="http://schemas.microsoft.com/office/drawing/2010/main" w="9525">
-                <a:solidFill>
-                  <a:srgbClr val="000000"/>
-                </a:solidFill>
-                <a:miter lim="800000"/>
-                <a:headEnd/>
-                <a:tailEnd/>
-              </a14:hiddenLine>
-            </a:ext>
-          </a:extLst>
-        </p:spPr>
-        <p:txBody>
-          <a:bodyPr/>
-          <a:lstStyle>
-            <a:lvl1pPr eaLnBrk="0" hangingPunct="0">
-              <a:defRPr sz="2400">
-                <a:solidFill>
-                  <a:schemeClr val="tx1"/>
-                </a:solidFill>
-                <a:latin typeface="Arial" charset="0"/>
-                <a:ea typeface="ＭＳ Ｐゴシック" charset="0"/>
-                <a:cs typeface="ＭＳ Ｐゴシック" charset="0"/>
-              </a:defRPr>
-            </a:lvl1pPr>
-            <a:lvl2pPr marL="742950" indent="-285750" eaLnBrk="0" hangingPunct="0">
-              <a:defRPr sz="2400">
-                <a:solidFill>
-                  <a:schemeClr val="tx1"/>
-                </a:solidFill>
-                <a:latin typeface="Arial" charset="0"/>
-                <a:ea typeface="ＭＳ Ｐゴシック" charset="0"/>
-              </a:defRPr>
-            </a:lvl2pPr>
-            <a:lvl3pPr marL="1143000" indent="-228600" eaLnBrk="0" hangingPunct="0">
-              <a:defRPr sz="2400">
-                <a:solidFill>
-                  <a:schemeClr val="tx1"/>
-                </a:solidFill>
-                <a:latin typeface="Arial" charset="0"/>
-                <a:ea typeface="ＭＳ Ｐゴシック" charset="0"/>
-              </a:defRPr>
-            </a:lvl3pPr>
-            <a:lvl4pPr marL="1600200" indent="-228600" eaLnBrk="0" hangingPunct="0">
-              <a:defRPr sz="2400">
-                <a:solidFill>
-                  <a:schemeClr val="tx1"/>
-                </a:solidFill>
-                <a:latin typeface="Arial" charset="0"/>
-                <a:ea typeface="ＭＳ Ｐゴシック" charset="0"/>
-              </a:defRPr>
-            </a:lvl4pPr>
-            <a:lvl5pPr marL="2057400" indent="-228600" eaLnBrk="0" hangingPunct="0">
-              <a:defRPr sz="2400">
-                <a:solidFill>
-                  <a:schemeClr val="tx1"/>
-                </a:solidFill>
-                <a:latin typeface="Arial" charset="0"/>
-                <a:ea typeface="ＭＳ Ｐゴシック" charset="0"/>
-              </a:defRPr>
-            </a:lvl5pPr>
-            <a:lvl6pPr marL="2514600" indent="-228600" eaLnBrk="0" fontAlgn="base" hangingPunct="0">
-              <a:spcBef>
-                <a:spcPct val="0"/>
-              </a:spcBef>
-              <a:spcAft>
-                <a:spcPct val="0"/>
-              </a:spcAft>
-              <a:defRPr sz="2400">
-                <a:solidFill>
-                  <a:schemeClr val="tx1"/>
-                </a:solidFill>
-                <a:latin typeface="Arial" charset="0"/>
-                <a:ea typeface="ＭＳ Ｐゴシック" charset="0"/>
-              </a:defRPr>
-            </a:lvl6pPr>
-            <a:lvl7pPr marL="2971800" indent="-228600" eaLnBrk="0" fontAlgn="base" hangingPunct="0">
-              <a:spcBef>
-                <a:spcPct val="0"/>
-              </a:spcBef>
-              <a:spcAft>
-                <a:spcPct val="0"/>
-              </a:spcAft>
-              <a:defRPr sz="2400">
-                <a:solidFill>
-                  <a:schemeClr val="tx1"/>
-                </a:solidFill>
-                <a:latin typeface="Arial" charset="0"/>
-                <a:ea typeface="ＭＳ Ｐゴシック" charset="0"/>
-              </a:defRPr>
-            </a:lvl7pPr>
-            <a:lvl8pPr marL="3429000" indent="-228600" eaLnBrk="0" fontAlgn="base" hangingPunct="0">
-              <a:spcBef>
-                <a:spcPct val="0"/>
-              </a:spcBef>
-              <a:spcAft>
-                <a:spcPct val="0"/>
-              </a:spcAft>
-              <a:defRPr sz="2400">
-                <a:solidFill>
-                  <a:schemeClr val="tx1"/>
-                </a:solidFill>
-                <a:latin typeface="Arial" charset="0"/>
-                <a:ea typeface="ＭＳ Ｐゴシック" charset="0"/>
-              </a:defRPr>
-            </a:lvl8pPr>
-            <a:lvl9pPr marL="3886200" indent="-228600" eaLnBrk="0" fontAlgn="base" hangingPunct="0">
-              <a:spcBef>
-                <a:spcPct val="0"/>
-              </a:spcBef>
-              <a:spcAft>
-                <a:spcPct val="0"/>
-              </a:spcAft>
-              <a:defRPr sz="2400">
-                <a:solidFill>
-                  <a:schemeClr val="tx1"/>
-                </a:solidFill>
-                <a:latin typeface="Arial" charset="0"/>
-                <a:ea typeface="ＭＳ Ｐゴシック" charset="0"/>
-              </a:defRPr>
-            </a:lvl9pPr>
-          </a:lstStyle>
-          <a:p>
-            <a:pPr eaLnBrk="1" hangingPunct="1"/>
-            <a:fld id="{D924F94F-8486-FD4A-B1DC-4D561309089E}" type="slidenum">
-              <a:rPr lang="en-US" sz="1300">
-                <a:latin typeface="Calibri" charset="0"/>
-              </a:rPr>
-              <a:pPr eaLnBrk="1" hangingPunct="1"/>
-              <a:t>3</a:t>
-            </a:fld>
-            <a:endParaRPr lang="en-US" sz="1300">
-              <a:latin typeface="Calibri" charset="0"/>
-            </a:endParaRPr>
-          </a:p>
-        </p:txBody>
-      </p:sp>
-      <p:sp>
-        <p:nvSpPr>
-          <p:cNvPr id="13314" name="Rectangle 2"/>
-          <p:cNvSpPr>
-            <a:spLocks noGrp="1" noRot="1" noChangeAspect="1" noChangeArrowheads="1" noTextEdit="1"/>
-          </p:cNvSpPr>
-          <p:nvPr>
-            <p:ph type="sldImg"/>
-          </p:nvPr>
-        </p:nvSpPr>
-        <p:spPr bwMode="auto">
-          <a:solidFill>
-            <a:srgbClr val="FFFFFF"/>
-          </a:solidFill>
-          <a:ln>
-            <a:solidFill>
-              <a:srgbClr val="000000"/>
-            </a:solidFill>
-            <a:miter lim="800000"/>
-            <a:headEnd/>
-            <a:tailEnd/>
-          </a:ln>
-          <a:extLst>
-            <a:ext uri="{FAA26D3D-D897-4be2-8F04-BA451C77F1D7}">
-              <ma14:placeholderFlag xmlns:ma14="http://schemas.microsoft.com/office/mac/drawingml/2011/main" val="1"/>
-            </a:ext>
-          </a:extLst>
-        </p:spPr>
-      </p:sp>
-      <p:sp>
-        <p:nvSpPr>
-          <p:cNvPr id="13315" name="Rectangle 3"/>
-          <p:cNvSpPr>
-            <a:spLocks noGrp="1" noChangeArrowheads="1"/>
-          </p:cNvSpPr>
-          <p:nvPr>
-            <p:ph type="body" idx="1"/>
-          </p:nvPr>
-        </p:nvSpPr>
-        <p:spPr bwMode="auto">
-          <a:solidFill>
-            <a:srgbClr val="FFFFFF"/>
-          </a:solidFill>
-          <a:ln>
-            <a:solidFill>
-              <a:srgbClr val="000000"/>
-            </a:solidFill>
-            <a:miter lim="800000"/>
-            <a:headEnd/>
-            <a:tailEnd/>
-          </a:ln>
-          <a:extLst>
-            <a:ext uri="{FAA26D3D-D897-4be2-8F04-BA451C77F1D7}">
-              <ma14:placeholderFlag xmlns:ma14="http://schemas.microsoft.com/office/mac/drawingml/2011/main" val="1"/>
-            </a:ext>
-          </a:extLst>
-        </p:spPr>
-        <p:txBody>
-          <a:bodyPr wrap="square" numCol="1" anchor="t" anchorCtr="0" compatLnSpc="1">
-            <a:prstTxWarp prst="textNoShape">
-              <a:avLst/>
-            </a:prstTxWarp>
-          </a:bodyPr>
-          <a:lstStyle/>
-          <a:p>
-            <a:pPr eaLnBrk="1" hangingPunct="1"/>
-            <a:endParaRPr lang="en-US">
-              <a:latin typeface="Calibri" charset="0"/>
-              <a:ea typeface="ＭＳ Ｐゴシック" charset="0"/>
-              <a:cs typeface="ＭＳ Ｐゴシック" charset="0"/>
-            </a:endParaRPr>
-          </a:p>
-        </p:txBody>
-      </p:sp>
-    </p:spTree>
-  </p:cSld>
-  <p:clrMapOvr>
-    <a:masterClrMapping/>
-  </p:clrMapOvr>
-</p:notes>
-</file>
-
-<file path=ppt/notesSlides/notesSlide2.xml><?xml version="1.0" encoding="utf-8"?>
-<p:notes xmlns:a="http://schemas.openxmlformats.org/drawingml/2006/main" xmlns:r="http://schemas.openxmlformats.org/officeDocument/2006/relationships" xmlns:p="http://schemas.openxmlformats.org/presentationml/2006/main">
-  <p:cSld>
-    <p:spTree>
-      <p:nvGrpSpPr>
-        <p:cNvPr id="1" name=""/>
-        <p:cNvGrpSpPr/>
-        <p:nvPr/>
-      </p:nvGrpSpPr>
-      <p:grpSpPr>
-        <a:xfrm>
-          <a:off x="0" y="0"/>
-          <a:ext cx="0" cy="0"/>
-          <a:chOff x="0" y="0"/>
-          <a:chExt cx="0" cy="0"/>
-        </a:xfrm>
-      </p:grpSpPr>
-      <p:sp>
-        <p:nvSpPr>
           <p:cNvPr id="16385" name="Rectangle 7"/>
           <p:cNvSpPr>
             <a:spLocks noGrp="1" noChangeArrowheads="1"/>
@@ -1207,12 +953,12 @@
           </a:lstStyle>
           <a:p>
             <a:pPr eaLnBrk="1" hangingPunct="1"/>
-            <a:fld id="{1F39B608-01F2-F045-96A3-C8EFC3ACD74C}" type="slidenum">
+            <a:fld id="{EA35BC24-D481-3E4E-87EB-03E08E404FBF}" type="slidenum">
               <a:rPr lang="en-US" sz="1300">
                 <a:latin typeface="Calibri" charset="0"/>
               </a:rPr>
               <a:pPr eaLnBrk="1" hangingPunct="1"/>
-              <a:t>4</a:t>
+              <a:t>3</a:t>
             </a:fld>
             <a:endParaRPr lang="en-US" sz="1300">
               <a:latin typeface="Calibri" charset="0"/>
@@ -1302,263 +1048,7 @@
 </p:notes>
 </file>
 
-<file path=ppt/notesSlides/notesSlide3.xml><?xml version="1.0" encoding="utf-8"?>
-<p:notes xmlns:a="http://schemas.openxmlformats.org/drawingml/2006/main" xmlns:r="http://schemas.openxmlformats.org/officeDocument/2006/relationships" xmlns:p="http://schemas.openxmlformats.org/presentationml/2006/main">
-  <p:cSld>
-    <p:spTree>
-      <p:nvGrpSpPr>
-        <p:cNvPr id="1" name=""/>
-        <p:cNvGrpSpPr/>
-        <p:nvPr/>
-      </p:nvGrpSpPr>
-      <p:grpSpPr>
-        <a:xfrm>
-          <a:off x="0" y="0"/>
-          <a:ext cx="0" cy="0"/>
-          <a:chOff x="0" y="0"/>
-          <a:chExt cx="0" cy="0"/>
-        </a:xfrm>
-      </p:grpSpPr>
-      <p:sp>
-        <p:nvSpPr>
-          <p:cNvPr id="18433" name="Rectangle 7"/>
-          <p:cNvSpPr>
-            <a:spLocks noGrp="1" noChangeArrowheads="1"/>
-          </p:cNvSpPr>
-          <p:nvPr>
-            <p:ph type="sldNum" sz="quarter" idx="5"/>
-          </p:nvPr>
-        </p:nvSpPr>
-        <p:spPr bwMode="auto">
-          <a:noFill/>
-          <a:extLst>
-            <a:ext uri="{909E8E84-426E-40dd-AFC4-6F175D3DCCD1}">
-              <a14:hiddenFill xmlns:a14="http://schemas.microsoft.com/office/drawing/2010/main">
-                <a:solidFill>
-                  <a:srgbClr val="FFFFFF"/>
-                </a:solidFill>
-              </a14:hiddenFill>
-            </a:ext>
-            <a:ext uri="{91240B29-F687-4f45-9708-019B960494DF}">
-              <a14:hiddenLine xmlns:a14="http://schemas.microsoft.com/office/drawing/2010/main" w="9525">
-                <a:solidFill>
-                  <a:srgbClr val="000000"/>
-                </a:solidFill>
-                <a:miter lim="800000"/>
-                <a:headEnd/>
-                <a:tailEnd/>
-              </a14:hiddenLine>
-            </a:ext>
-          </a:extLst>
-        </p:spPr>
-        <p:txBody>
-          <a:bodyPr/>
-          <a:lstStyle>
-            <a:lvl1pPr eaLnBrk="0" hangingPunct="0">
-              <a:defRPr sz="2400">
-                <a:solidFill>
-                  <a:schemeClr val="tx1"/>
-                </a:solidFill>
-                <a:latin typeface="Arial" charset="0"/>
-                <a:ea typeface="ＭＳ Ｐゴシック" charset="0"/>
-                <a:cs typeface="ＭＳ Ｐゴシック" charset="0"/>
-              </a:defRPr>
-            </a:lvl1pPr>
-            <a:lvl2pPr marL="742950" indent="-285750" eaLnBrk="0" hangingPunct="0">
-              <a:defRPr sz="2400">
-                <a:solidFill>
-                  <a:schemeClr val="tx1"/>
-                </a:solidFill>
-                <a:latin typeface="Arial" charset="0"/>
-                <a:ea typeface="ＭＳ Ｐゴシック" charset="0"/>
-              </a:defRPr>
-            </a:lvl2pPr>
-            <a:lvl3pPr marL="1143000" indent="-228600" eaLnBrk="0" hangingPunct="0">
-              <a:defRPr sz="2400">
-                <a:solidFill>
-                  <a:schemeClr val="tx1"/>
-                </a:solidFill>
-                <a:latin typeface="Arial" charset="0"/>
-                <a:ea typeface="ＭＳ Ｐゴシック" charset="0"/>
-              </a:defRPr>
-            </a:lvl3pPr>
-            <a:lvl4pPr marL="1600200" indent="-228600" eaLnBrk="0" hangingPunct="0">
-              <a:defRPr sz="2400">
-                <a:solidFill>
-                  <a:schemeClr val="tx1"/>
-                </a:solidFill>
-                <a:latin typeface="Arial" charset="0"/>
-                <a:ea typeface="ＭＳ Ｐゴシック" charset="0"/>
-              </a:defRPr>
-            </a:lvl4pPr>
-            <a:lvl5pPr marL="2057400" indent="-228600" eaLnBrk="0" hangingPunct="0">
-              <a:defRPr sz="2400">
-                <a:solidFill>
-                  <a:schemeClr val="tx1"/>
-                </a:solidFill>
-                <a:latin typeface="Arial" charset="0"/>
-                <a:ea typeface="ＭＳ Ｐゴシック" charset="0"/>
-              </a:defRPr>
-            </a:lvl5pPr>
-            <a:lvl6pPr marL="2514600" indent="-228600" eaLnBrk="0" fontAlgn="base" hangingPunct="0">
-              <a:spcBef>
-                <a:spcPct val="0"/>
-              </a:spcBef>
-              <a:spcAft>
-                <a:spcPct val="0"/>
-              </a:spcAft>
-              <a:defRPr sz="2400">
-                <a:solidFill>
-                  <a:schemeClr val="tx1"/>
-                </a:solidFill>
-                <a:latin typeface="Arial" charset="0"/>
-                <a:ea typeface="ＭＳ Ｐゴシック" charset="0"/>
-              </a:defRPr>
-            </a:lvl6pPr>
-            <a:lvl7pPr marL="2971800" indent="-228600" eaLnBrk="0" fontAlgn="base" hangingPunct="0">
-              <a:spcBef>
-                <a:spcPct val="0"/>
-              </a:spcBef>
-              <a:spcAft>
-                <a:spcPct val="0"/>
-              </a:spcAft>
-              <a:defRPr sz="2400">
-                <a:solidFill>
-                  <a:schemeClr val="tx1"/>
-                </a:solidFill>
-                <a:latin typeface="Arial" charset="0"/>
-                <a:ea typeface="ＭＳ Ｐゴシック" charset="0"/>
-              </a:defRPr>
-            </a:lvl7pPr>
-            <a:lvl8pPr marL="3429000" indent="-228600" eaLnBrk="0" fontAlgn="base" hangingPunct="0">
-              <a:spcBef>
-                <a:spcPct val="0"/>
-              </a:spcBef>
-              <a:spcAft>
-                <a:spcPct val="0"/>
-              </a:spcAft>
-              <a:defRPr sz="2400">
-                <a:solidFill>
-                  <a:schemeClr val="tx1"/>
-                </a:solidFill>
-                <a:latin typeface="Arial" charset="0"/>
-                <a:ea typeface="ＭＳ Ｐゴシック" charset="0"/>
-              </a:defRPr>
-            </a:lvl8pPr>
-            <a:lvl9pPr marL="3886200" indent="-228600" eaLnBrk="0" fontAlgn="base" hangingPunct="0">
-              <a:spcBef>
-                <a:spcPct val="0"/>
-              </a:spcBef>
-              <a:spcAft>
-                <a:spcPct val="0"/>
-              </a:spcAft>
-              <a:defRPr sz="2400">
-                <a:solidFill>
-                  <a:schemeClr val="tx1"/>
-                </a:solidFill>
-                <a:latin typeface="Arial" charset="0"/>
-                <a:ea typeface="ＭＳ Ｐゴシック" charset="0"/>
-              </a:defRPr>
-            </a:lvl9pPr>
-          </a:lstStyle>
-          <a:p>
-            <a:pPr eaLnBrk="1" hangingPunct="1"/>
-            <a:fld id="{A707C12B-C7F8-A148-90F7-B89CE4A5E032}" type="slidenum">
-              <a:rPr lang="en-US" sz="1300">
-                <a:latin typeface="Calibri" charset="0"/>
-              </a:rPr>
-              <a:pPr eaLnBrk="1" hangingPunct="1"/>
-              <a:t>5</a:t>
-            </a:fld>
-            <a:endParaRPr lang="en-US" sz="1300">
-              <a:latin typeface="Calibri" charset="0"/>
-            </a:endParaRPr>
-          </a:p>
-        </p:txBody>
-      </p:sp>
-      <p:sp>
-        <p:nvSpPr>
-          <p:cNvPr id="18434" name="Rectangle 2"/>
-          <p:cNvSpPr>
-            <a:spLocks noGrp="1" noRot="1" noChangeAspect="1" noChangeArrowheads="1" noTextEdit="1"/>
-          </p:cNvSpPr>
-          <p:nvPr>
-            <p:ph type="sldImg"/>
-          </p:nvPr>
-        </p:nvSpPr>
-        <p:spPr bwMode="auto">
-          <a:solidFill>
-            <a:srgbClr val="FFFFFF"/>
-          </a:solidFill>
-          <a:ln>
-            <a:solidFill>
-              <a:srgbClr val="000000"/>
-            </a:solidFill>
-            <a:miter lim="800000"/>
-            <a:headEnd/>
-            <a:tailEnd/>
-          </a:ln>
-          <a:extLst>
-            <a:ext uri="{FAA26D3D-D897-4be2-8F04-BA451C77F1D7}">
-              <ma14:placeholderFlag xmlns:ma14="http://schemas.microsoft.com/office/mac/drawingml/2011/main" val="1"/>
-            </a:ext>
-          </a:extLst>
-        </p:spPr>
-      </p:sp>
-      <p:sp>
-        <p:nvSpPr>
-          <p:cNvPr id="18435" name="Rectangle 3"/>
-          <p:cNvSpPr>
-            <a:spLocks noGrp="1" noChangeArrowheads="1"/>
-          </p:cNvSpPr>
-          <p:nvPr>
-            <p:ph type="body" idx="1"/>
-          </p:nvPr>
-        </p:nvSpPr>
-        <p:spPr bwMode="auto">
-          <a:solidFill>
-            <a:srgbClr val="FFFFFF"/>
-          </a:solidFill>
-          <a:ln>
-            <a:solidFill>
-              <a:srgbClr val="000000"/>
-            </a:solidFill>
-            <a:miter lim="800000"/>
-            <a:headEnd/>
-            <a:tailEnd/>
-          </a:ln>
-          <a:extLst>
-            <a:ext uri="{FAA26D3D-D897-4be2-8F04-BA451C77F1D7}">
-              <ma14:placeholderFlag xmlns:ma14="http://schemas.microsoft.com/office/mac/drawingml/2011/main" val="1"/>
-            </a:ext>
-          </a:extLst>
-        </p:spPr>
-        <p:txBody>
-          <a:bodyPr wrap="square" numCol="1" anchor="t" anchorCtr="0" compatLnSpc="1">
-            <a:prstTxWarp prst="textNoShape">
-              <a:avLst/>
-            </a:prstTxWarp>
-          </a:bodyPr>
-          <a:lstStyle/>
-          <a:p>
-            <a:pPr eaLnBrk="1" hangingPunct="1"/>
-            <a:endParaRPr lang="en-US">
-              <a:latin typeface="Calibri" charset="0"/>
-              <a:ea typeface="ＭＳ Ｐゴシック" charset="0"/>
-              <a:cs typeface="ＭＳ Ｐゴシック" charset="0"/>
-            </a:endParaRPr>
-          </a:p>
-        </p:txBody>
-      </p:sp>
-    </p:spTree>
-  </p:cSld>
-  <p:clrMapOvr>
-    <a:masterClrMapping/>
-  </p:clrMapOvr>
-</p:notes>
-</file>
-
-<file path=ppt/notesSlides/notesSlide4.xml><?xml version="1.0" encoding="utf-8"?>
+<file path=ppt/notesSlides/notesSlide2.xml><?xml version="1.0" encoding="utf-8"?>
 <p:notes xmlns:a="http://schemas.openxmlformats.org/drawingml/2006/main" xmlns:r="http://schemas.openxmlformats.org/officeDocument/2006/relationships" xmlns:p="http://schemas.openxmlformats.org/presentationml/2006/main">
   <p:cSld>
     <p:spTree>
@@ -1719,12 +1209,12 @@
           </a:lstStyle>
           <a:p>
             <a:pPr eaLnBrk="1" hangingPunct="1"/>
-            <a:fld id="{67CE1E5D-C0B3-4744-88D8-D81E5041DD69}" type="slidenum">
+            <a:fld id="{F1758CF9-5807-8248-9D3D-E297C55461D4}" type="slidenum">
               <a:rPr lang="en-US" sz="1300">
                 <a:latin typeface="Calibri" charset="0"/>
               </a:rPr>
               <a:pPr eaLnBrk="1" hangingPunct="1"/>
-              <a:t>6</a:t>
+              <a:t>4</a:t>
             </a:fld>
             <a:endParaRPr lang="en-US" sz="1300">
               <a:latin typeface="Calibri" charset="0"/>
@@ -1783,11 +1273,6 @@
             <a:headEnd/>
             <a:tailEnd/>
           </a:ln>
-          <a:extLst>
-            <a:ext uri="{FAA26D3D-D897-4be2-8F04-BA451C77F1D7}">
-              <ma14:placeholderFlag xmlns:ma14="http://schemas.microsoft.com/office/mac/drawingml/2011/main" val="1"/>
-            </a:ext>
-          </a:extLst>
         </p:spPr>
         <p:txBody>
           <a:bodyPr wrap="square" numCol="1" anchor="t" anchorCtr="0" compatLnSpc="1">
@@ -1798,6 +1283,14 @@
           <a:lstStyle/>
           <a:p>
             <a:pPr eaLnBrk="1" hangingPunct="1"/>
+            <a:r>
+              <a:rPr lang="en-US" altLang="ko-KR">
+                <a:latin typeface="Calibri" charset="0"/>
+                <a:ea typeface="ＭＳ Ｐゴシック" charset="0"/>
+                <a:cs typeface="ＭＳ Ｐゴシック" charset="0"/>
+              </a:rPr>
+              <a:t>Consequtive basepairs</a:t>
+            </a:r>
             <a:endParaRPr lang="en-US">
               <a:latin typeface="Calibri" charset="0"/>
               <a:ea typeface="ＭＳ Ｐゴシック" charset="0"/>
@@ -1814,7 +1307,7 @@
 </p:notes>
 </file>
 
-<file path=ppt/notesSlides/notesSlide5.xml><?xml version="1.0" encoding="utf-8"?>
+<file path=ppt/notesSlides/notesSlide3.xml><?xml version="1.0" encoding="utf-8"?>
 <p:notes xmlns:a="http://schemas.openxmlformats.org/drawingml/2006/main" xmlns:r="http://schemas.openxmlformats.org/officeDocument/2006/relationships" xmlns:p="http://schemas.openxmlformats.org/presentationml/2006/main">
   <p:cSld>
     <p:spTree>
@@ -1833,7 +1326,7 @@
       </p:grpSpPr>
       <p:sp>
         <p:nvSpPr>
-          <p:cNvPr id="23553" name="Rectangle 7"/>
+          <p:cNvPr id="22529" name="Rectangle 7"/>
           <p:cNvSpPr>
             <a:spLocks noGrp="1" noChangeArrowheads="1"/>
           </p:cNvSpPr>
@@ -1975,12 +1468,12 @@
           </a:lstStyle>
           <a:p>
             <a:pPr eaLnBrk="1" hangingPunct="1"/>
-            <a:fld id="{184844F5-9029-0D45-8E07-E6B77CE66171}" type="slidenum">
+            <a:fld id="{72DF4BBA-550F-B14D-9056-5F008541DBF8}" type="slidenum">
               <a:rPr lang="en-US" sz="1300">
                 <a:latin typeface="Calibri" charset="0"/>
               </a:rPr>
               <a:pPr eaLnBrk="1" hangingPunct="1"/>
-              <a:t>8</a:t>
+              <a:t>5</a:t>
             </a:fld>
             <a:endParaRPr lang="en-US" sz="1300">
               <a:latin typeface="Calibri" charset="0"/>
@@ -1990,7 +1483,7 @@
       </p:sp>
       <p:sp>
         <p:nvSpPr>
-          <p:cNvPr id="23554" name="Rectangle 2"/>
+          <p:cNvPr id="22530" name="Rectangle 2"/>
           <p:cNvSpPr>
             <a:spLocks noGrp="1" noRot="1" noChangeAspect="1" noChangeArrowheads="1" noTextEdit="1"/>
           </p:cNvSpPr>
@@ -2019,7 +1512,266 @@
       </p:sp>
       <p:sp>
         <p:nvSpPr>
-          <p:cNvPr id="23555" name="Rectangle 3"/>
+          <p:cNvPr id="22531" name="Rectangle 3"/>
+          <p:cNvSpPr>
+            <a:spLocks noGrp="1" noChangeArrowheads="1"/>
+          </p:cNvSpPr>
+          <p:nvPr>
+            <p:ph type="body" idx="1"/>
+          </p:nvPr>
+        </p:nvSpPr>
+        <p:spPr bwMode="auto">
+          <a:solidFill>
+            <a:srgbClr val="FFFFFF"/>
+          </a:solidFill>
+          <a:ln>
+            <a:solidFill>
+              <a:srgbClr val="000000"/>
+            </a:solidFill>
+            <a:miter lim="800000"/>
+            <a:headEnd/>
+            <a:tailEnd/>
+          </a:ln>
+        </p:spPr>
+        <p:txBody>
+          <a:bodyPr wrap="square" numCol="1" anchor="t" anchorCtr="0" compatLnSpc="1">
+            <a:prstTxWarp prst="textNoShape">
+              <a:avLst/>
+            </a:prstTxWarp>
+          </a:bodyPr>
+          <a:lstStyle/>
+          <a:p>
+            <a:pPr eaLnBrk="1" hangingPunct="1"/>
+            <a:r>
+              <a:rPr lang="en-US" altLang="ko-KR">
+                <a:latin typeface="Calibri" charset="0"/>
+                <a:ea typeface="ＭＳ Ｐゴシック" charset="0"/>
+                <a:cs typeface="ＭＳ Ｐゴシック" charset="0"/>
+              </a:rPr>
+              <a:t>Consequtive basepairs</a:t>
+            </a:r>
+            <a:endParaRPr lang="en-US">
+              <a:latin typeface="Calibri" charset="0"/>
+              <a:ea typeface="ＭＳ Ｐゴシック" charset="0"/>
+              <a:cs typeface="ＭＳ Ｐゴシック" charset="0"/>
+            </a:endParaRPr>
+          </a:p>
+        </p:txBody>
+      </p:sp>
+    </p:spTree>
+  </p:cSld>
+  <p:clrMapOvr>
+    <a:masterClrMapping/>
+  </p:clrMapOvr>
+</p:notes>
+</file>
+
+<file path=ppt/notesSlides/notesSlide4.xml><?xml version="1.0" encoding="utf-8"?>
+<p:notes xmlns:a="http://schemas.openxmlformats.org/drawingml/2006/main" xmlns:r="http://schemas.openxmlformats.org/officeDocument/2006/relationships" xmlns:p="http://schemas.openxmlformats.org/presentationml/2006/main">
+  <p:cSld>
+    <p:spTree>
+      <p:nvGrpSpPr>
+        <p:cNvPr id="1" name=""/>
+        <p:cNvGrpSpPr/>
+        <p:nvPr/>
+      </p:nvGrpSpPr>
+      <p:grpSpPr>
+        <a:xfrm>
+          <a:off x="0" y="0"/>
+          <a:ext cx="0" cy="0"/>
+          <a:chOff x="0" y="0"/>
+          <a:chExt cx="0" cy="0"/>
+        </a:xfrm>
+      </p:grpSpPr>
+      <p:sp>
+        <p:nvSpPr>
+          <p:cNvPr id="24577" name="Rectangle 7"/>
+          <p:cNvSpPr>
+            <a:spLocks noGrp="1" noChangeArrowheads="1"/>
+          </p:cNvSpPr>
+          <p:nvPr>
+            <p:ph type="sldNum" sz="quarter" idx="5"/>
+          </p:nvPr>
+        </p:nvSpPr>
+        <p:spPr bwMode="auto">
+          <a:noFill/>
+          <a:extLst>
+            <a:ext uri="{909E8E84-426E-40dd-AFC4-6F175D3DCCD1}">
+              <a14:hiddenFill xmlns:a14="http://schemas.microsoft.com/office/drawing/2010/main">
+                <a:solidFill>
+                  <a:srgbClr val="FFFFFF"/>
+                </a:solidFill>
+              </a14:hiddenFill>
+            </a:ext>
+            <a:ext uri="{91240B29-F687-4f45-9708-019B960494DF}">
+              <a14:hiddenLine xmlns:a14="http://schemas.microsoft.com/office/drawing/2010/main" w="9525">
+                <a:solidFill>
+                  <a:srgbClr val="000000"/>
+                </a:solidFill>
+                <a:miter lim="800000"/>
+                <a:headEnd/>
+                <a:tailEnd/>
+              </a14:hiddenLine>
+            </a:ext>
+          </a:extLst>
+        </p:spPr>
+        <p:txBody>
+          <a:bodyPr/>
+          <a:lstStyle>
+            <a:lvl1pPr eaLnBrk="0" hangingPunct="0">
+              <a:defRPr sz="2400">
+                <a:solidFill>
+                  <a:schemeClr val="tx1"/>
+                </a:solidFill>
+                <a:latin typeface="Arial" charset="0"/>
+                <a:ea typeface="ＭＳ Ｐゴシック" charset="0"/>
+                <a:cs typeface="ＭＳ Ｐゴシック" charset="0"/>
+              </a:defRPr>
+            </a:lvl1pPr>
+            <a:lvl2pPr marL="742950" indent="-285750" eaLnBrk="0" hangingPunct="0">
+              <a:defRPr sz="2400">
+                <a:solidFill>
+                  <a:schemeClr val="tx1"/>
+                </a:solidFill>
+                <a:latin typeface="Arial" charset="0"/>
+                <a:ea typeface="ＭＳ Ｐゴシック" charset="0"/>
+              </a:defRPr>
+            </a:lvl2pPr>
+            <a:lvl3pPr marL="1143000" indent="-228600" eaLnBrk="0" hangingPunct="0">
+              <a:defRPr sz="2400">
+                <a:solidFill>
+                  <a:schemeClr val="tx1"/>
+                </a:solidFill>
+                <a:latin typeface="Arial" charset="0"/>
+                <a:ea typeface="ＭＳ Ｐゴシック" charset="0"/>
+              </a:defRPr>
+            </a:lvl3pPr>
+            <a:lvl4pPr marL="1600200" indent="-228600" eaLnBrk="0" hangingPunct="0">
+              <a:defRPr sz="2400">
+                <a:solidFill>
+                  <a:schemeClr val="tx1"/>
+                </a:solidFill>
+                <a:latin typeface="Arial" charset="0"/>
+                <a:ea typeface="ＭＳ Ｐゴシック" charset="0"/>
+              </a:defRPr>
+            </a:lvl4pPr>
+            <a:lvl5pPr marL="2057400" indent="-228600" eaLnBrk="0" hangingPunct="0">
+              <a:defRPr sz="2400">
+                <a:solidFill>
+                  <a:schemeClr val="tx1"/>
+                </a:solidFill>
+                <a:latin typeface="Arial" charset="0"/>
+                <a:ea typeface="ＭＳ Ｐゴシック" charset="0"/>
+              </a:defRPr>
+            </a:lvl5pPr>
+            <a:lvl6pPr marL="2514600" indent="-228600" eaLnBrk="0" fontAlgn="base" hangingPunct="0">
+              <a:spcBef>
+                <a:spcPct val="0"/>
+              </a:spcBef>
+              <a:spcAft>
+                <a:spcPct val="0"/>
+              </a:spcAft>
+              <a:defRPr sz="2400">
+                <a:solidFill>
+                  <a:schemeClr val="tx1"/>
+                </a:solidFill>
+                <a:latin typeface="Arial" charset="0"/>
+                <a:ea typeface="ＭＳ Ｐゴシック" charset="0"/>
+              </a:defRPr>
+            </a:lvl6pPr>
+            <a:lvl7pPr marL="2971800" indent="-228600" eaLnBrk="0" fontAlgn="base" hangingPunct="0">
+              <a:spcBef>
+                <a:spcPct val="0"/>
+              </a:spcBef>
+              <a:spcAft>
+                <a:spcPct val="0"/>
+              </a:spcAft>
+              <a:defRPr sz="2400">
+                <a:solidFill>
+                  <a:schemeClr val="tx1"/>
+                </a:solidFill>
+                <a:latin typeface="Arial" charset="0"/>
+                <a:ea typeface="ＭＳ Ｐゴシック" charset="0"/>
+              </a:defRPr>
+            </a:lvl7pPr>
+            <a:lvl8pPr marL="3429000" indent="-228600" eaLnBrk="0" fontAlgn="base" hangingPunct="0">
+              <a:spcBef>
+                <a:spcPct val="0"/>
+              </a:spcBef>
+              <a:spcAft>
+                <a:spcPct val="0"/>
+              </a:spcAft>
+              <a:defRPr sz="2400">
+                <a:solidFill>
+                  <a:schemeClr val="tx1"/>
+                </a:solidFill>
+                <a:latin typeface="Arial" charset="0"/>
+                <a:ea typeface="ＭＳ Ｐゴシック" charset="0"/>
+              </a:defRPr>
+            </a:lvl8pPr>
+            <a:lvl9pPr marL="3886200" indent="-228600" eaLnBrk="0" fontAlgn="base" hangingPunct="0">
+              <a:spcBef>
+                <a:spcPct val="0"/>
+              </a:spcBef>
+              <a:spcAft>
+                <a:spcPct val="0"/>
+              </a:spcAft>
+              <a:defRPr sz="2400">
+                <a:solidFill>
+                  <a:schemeClr val="tx1"/>
+                </a:solidFill>
+                <a:latin typeface="Arial" charset="0"/>
+                <a:ea typeface="ＭＳ Ｐゴシック" charset="0"/>
+              </a:defRPr>
+            </a:lvl9pPr>
+          </a:lstStyle>
+          <a:p>
+            <a:pPr eaLnBrk="1" hangingPunct="1"/>
+            <a:fld id="{7C407D49-CE09-FF42-8A27-F71FEB2F9CCB}" type="slidenum">
+              <a:rPr lang="en-US" sz="1300">
+                <a:latin typeface="Calibri" charset="0"/>
+              </a:rPr>
+              <a:pPr eaLnBrk="1" hangingPunct="1"/>
+              <a:t>6</a:t>
+            </a:fld>
+            <a:endParaRPr lang="en-US" sz="1300">
+              <a:latin typeface="Calibri" charset="0"/>
+            </a:endParaRPr>
+          </a:p>
+        </p:txBody>
+      </p:sp>
+      <p:sp>
+        <p:nvSpPr>
+          <p:cNvPr id="24578" name="Rectangle 2"/>
+          <p:cNvSpPr>
+            <a:spLocks noGrp="1" noRot="1" noChangeAspect="1" noChangeArrowheads="1" noTextEdit="1"/>
+          </p:cNvSpPr>
+          <p:nvPr>
+            <p:ph type="sldImg"/>
+          </p:nvPr>
+        </p:nvSpPr>
+        <p:spPr bwMode="auto">
+          <a:solidFill>
+            <a:srgbClr val="FFFFFF"/>
+          </a:solidFill>
+          <a:ln>
+            <a:solidFill>
+              <a:srgbClr val="000000"/>
+            </a:solidFill>
+            <a:miter lim="800000"/>
+            <a:headEnd/>
+            <a:tailEnd/>
+          </a:ln>
+          <a:extLst>
+            <a:ext uri="{FAA26D3D-D897-4be2-8F04-BA451C77F1D7}">
+              <ma14:placeholderFlag xmlns:ma14="http://schemas.microsoft.com/office/mac/drawingml/2011/main" val="1"/>
+            </a:ext>
+          </a:extLst>
+        </p:spPr>
+      </p:sp>
+      <p:sp>
+        <p:nvSpPr>
+          <p:cNvPr id="24579" name="Rectangle 3"/>
           <p:cNvSpPr>
             <a:spLocks noGrp="1" noChangeArrowheads="1"/>
           </p:cNvSpPr>
@@ -2058,6 +1810,1074 @@
               <a:latin typeface="Calibri" charset="0"/>
               <a:ea typeface="ＭＳ Ｐゴシック" charset="0"/>
               <a:cs typeface="ＭＳ Ｐゴシック" charset="0"/>
+            </a:endParaRPr>
+          </a:p>
+        </p:txBody>
+      </p:sp>
+    </p:spTree>
+  </p:cSld>
+  <p:clrMapOvr>
+    <a:masterClrMapping/>
+  </p:clrMapOvr>
+</p:notes>
+</file>
+
+<file path=ppt/notesSlides/notesSlide5.xml><?xml version="1.0" encoding="utf-8"?>
+<p:notes xmlns:a="http://schemas.openxmlformats.org/drawingml/2006/main" xmlns:r="http://schemas.openxmlformats.org/officeDocument/2006/relationships" xmlns:p="http://schemas.openxmlformats.org/presentationml/2006/main">
+  <p:cSld>
+    <p:spTree>
+      <p:nvGrpSpPr>
+        <p:cNvPr id="1" name=""/>
+        <p:cNvGrpSpPr/>
+        <p:nvPr/>
+      </p:nvGrpSpPr>
+      <p:grpSpPr>
+        <a:xfrm>
+          <a:off x="0" y="0"/>
+          <a:ext cx="0" cy="0"/>
+          <a:chOff x="0" y="0"/>
+          <a:chExt cx="0" cy="0"/>
+        </a:xfrm>
+      </p:grpSpPr>
+      <p:sp>
+        <p:nvSpPr>
+          <p:cNvPr id="26625" name="Slide Image Placeholder 1"/>
+          <p:cNvSpPr>
+            <a:spLocks noGrp="1" noRot="1" noChangeAspect="1"/>
+          </p:cNvSpPr>
+          <p:nvPr>
+            <p:ph type="sldImg"/>
+          </p:nvPr>
+        </p:nvSpPr>
+        <p:spPr bwMode="auto">
+          <a:noFill/>
+          <a:ln>
+            <a:solidFill>
+              <a:srgbClr val="000000"/>
+            </a:solidFill>
+            <a:miter lim="800000"/>
+            <a:headEnd/>
+            <a:tailEnd/>
+          </a:ln>
+          <a:extLst>
+            <a:ext uri="{909E8E84-426E-40dd-AFC4-6F175D3DCCD1}">
+              <a14:hiddenFill xmlns:a14="http://schemas.microsoft.com/office/drawing/2010/main">
+                <a:solidFill>
+                  <a:srgbClr val="FFFFFF"/>
+                </a:solidFill>
+              </a14:hiddenFill>
+            </a:ext>
+            <a:ext uri="{FAA26D3D-D897-4be2-8F04-BA451C77F1D7}">
+              <ma14:placeholderFlag xmlns:ma14="http://schemas.microsoft.com/office/mac/drawingml/2011/main" val="1"/>
+            </a:ext>
+          </a:extLst>
+        </p:spPr>
+      </p:sp>
+      <p:sp>
+        <p:nvSpPr>
+          <p:cNvPr id="26626" name="Notes Placeholder 2"/>
+          <p:cNvSpPr>
+            <a:spLocks noGrp="1"/>
+          </p:cNvSpPr>
+          <p:nvPr>
+            <p:ph type="body" idx="1"/>
+          </p:nvPr>
+        </p:nvSpPr>
+        <p:spPr bwMode="auto">
+          <a:noFill/>
+          <a:extLst>
+            <a:ext uri="{909E8E84-426E-40dd-AFC4-6F175D3DCCD1}">
+              <a14:hiddenFill xmlns:a14="http://schemas.microsoft.com/office/drawing/2010/main">
+                <a:solidFill>
+                  <a:srgbClr val="FFFFFF"/>
+                </a:solidFill>
+              </a14:hiddenFill>
+            </a:ext>
+            <a:ext uri="{91240B29-F687-4f45-9708-019B960494DF}">
+              <a14:hiddenLine xmlns:a14="http://schemas.microsoft.com/office/drawing/2010/main" w="9525">
+                <a:solidFill>
+                  <a:srgbClr val="000000"/>
+                </a:solidFill>
+                <a:miter lim="800000"/>
+                <a:headEnd/>
+                <a:tailEnd/>
+              </a14:hiddenLine>
+            </a:ext>
+            <a:ext uri="{FAA26D3D-D897-4be2-8F04-BA451C77F1D7}">
+              <ma14:placeholderFlag xmlns:ma14="http://schemas.microsoft.com/office/mac/drawingml/2011/main" val="1"/>
+            </a:ext>
+          </a:extLst>
+        </p:spPr>
+        <p:txBody>
+          <a:bodyPr wrap="square" numCol="1" anchor="t" anchorCtr="0" compatLnSpc="1">
+            <a:prstTxWarp prst="textNoShape">
+              <a:avLst/>
+            </a:prstTxWarp>
+          </a:bodyPr>
+          <a:lstStyle/>
+          <a:p>
+            <a:endParaRPr lang="en-US">
+              <a:latin typeface="Calibri" charset="0"/>
+              <a:ea typeface="ＭＳ Ｐゴシック" charset="0"/>
+              <a:cs typeface="ＭＳ Ｐゴシック" charset="0"/>
+            </a:endParaRPr>
+          </a:p>
+        </p:txBody>
+      </p:sp>
+      <p:sp>
+        <p:nvSpPr>
+          <p:cNvPr id="26627" name="Slide Number Placeholder 3"/>
+          <p:cNvSpPr>
+            <a:spLocks noGrp="1"/>
+          </p:cNvSpPr>
+          <p:nvPr>
+            <p:ph type="sldNum" sz="quarter" idx="5"/>
+          </p:nvPr>
+        </p:nvSpPr>
+        <p:spPr bwMode="auto">
+          <a:noFill/>
+          <a:extLst>
+            <a:ext uri="{909E8E84-426E-40dd-AFC4-6F175D3DCCD1}">
+              <a14:hiddenFill xmlns:a14="http://schemas.microsoft.com/office/drawing/2010/main">
+                <a:solidFill>
+                  <a:srgbClr val="FFFFFF"/>
+                </a:solidFill>
+              </a14:hiddenFill>
+            </a:ext>
+            <a:ext uri="{91240B29-F687-4f45-9708-019B960494DF}">
+              <a14:hiddenLine xmlns:a14="http://schemas.microsoft.com/office/drawing/2010/main" w="9525">
+                <a:solidFill>
+                  <a:srgbClr val="000000"/>
+                </a:solidFill>
+                <a:miter lim="800000"/>
+                <a:headEnd/>
+                <a:tailEnd/>
+              </a14:hiddenLine>
+            </a:ext>
+          </a:extLst>
+        </p:spPr>
+        <p:txBody>
+          <a:bodyPr/>
+          <a:lstStyle>
+            <a:lvl1pPr eaLnBrk="0" hangingPunct="0">
+              <a:defRPr sz="2400">
+                <a:solidFill>
+                  <a:schemeClr val="tx1"/>
+                </a:solidFill>
+                <a:latin typeface="Arial" charset="0"/>
+                <a:ea typeface="ＭＳ Ｐゴシック" charset="0"/>
+                <a:cs typeface="ＭＳ Ｐゴシック" charset="0"/>
+              </a:defRPr>
+            </a:lvl1pPr>
+            <a:lvl2pPr marL="742950" indent="-285750" eaLnBrk="0" hangingPunct="0">
+              <a:defRPr sz="2400">
+                <a:solidFill>
+                  <a:schemeClr val="tx1"/>
+                </a:solidFill>
+                <a:latin typeface="Arial" charset="0"/>
+                <a:ea typeface="ＭＳ Ｐゴシック" charset="0"/>
+              </a:defRPr>
+            </a:lvl2pPr>
+            <a:lvl3pPr marL="1143000" indent="-228600" eaLnBrk="0" hangingPunct="0">
+              <a:defRPr sz="2400">
+                <a:solidFill>
+                  <a:schemeClr val="tx1"/>
+                </a:solidFill>
+                <a:latin typeface="Arial" charset="0"/>
+                <a:ea typeface="ＭＳ Ｐゴシック" charset="0"/>
+              </a:defRPr>
+            </a:lvl3pPr>
+            <a:lvl4pPr marL="1600200" indent="-228600" eaLnBrk="0" hangingPunct="0">
+              <a:defRPr sz="2400">
+                <a:solidFill>
+                  <a:schemeClr val="tx1"/>
+                </a:solidFill>
+                <a:latin typeface="Arial" charset="0"/>
+                <a:ea typeface="ＭＳ Ｐゴシック" charset="0"/>
+              </a:defRPr>
+            </a:lvl4pPr>
+            <a:lvl5pPr marL="2057400" indent="-228600" eaLnBrk="0" hangingPunct="0">
+              <a:defRPr sz="2400">
+                <a:solidFill>
+                  <a:schemeClr val="tx1"/>
+                </a:solidFill>
+                <a:latin typeface="Arial" charset="0"/>
+                <a:ea typeface="ＭＳ Ｐゴシック" charset="0"/>
+              </a:defRPr>
+            </a:lvl5pPr>
+            <a:lvl6pPr marL="2514600" indent="-228600" eaLnBrk="0" fontAlgn="base" hangingPunct="0">
+              <a:spcBef>
+                <a:spcPct val="0"/>
+              </a:spcBef>
+              <a:spcAft>
+                <a:spcPct val="0"/>
+              </a:spcAft>
+              <a:defRPr sz="2400">
+                <a:solidFill>
+                  <a:schemeClr val="tx1"/>
+                </a:solidFill>
+                <a:latin typeface="Arial" charset="0"/>
+                <a:ea typeface="ＭＳ Ｐゴシック" charset="0"/>
+              </a:defRPr>
+            </a:lvl6pPr>
+            <a:lvl7pPr marL="2971800" indent="-228600" eaLnBrk="0" fontAlgn="base" hangingPunct="0">
+              <a:spcBef>
+                <a:spcPct val="0"/>
+              </a:spcBef>
+              <a:spcAft>
+                <a:spcPct val="0"/>
+              </a:spcAft>
+              <a:defRPr sz="2400">
+                <a:solidFill>
+                  <a:schemeClr val="tx1"/>
+                </a:solidFill>
+                <a:latin typeface="Arial" charset="0"/>
+                <a:ea typeface="ＭＳ Ｐゴシック" charset="0"/>
+              </a:defRPr>
+            </a:lvl7pPr>
+            <a:lvl8pPr marL="3429000" indent="-228600" eaLnBrk="0" fontAlgn="base" hangingPunct="0">
+              <a:spcBef>
+                <a:spcPct val="0"/>
+              </a:spcBef>
+              <a:spcAft>
+                <a:spcPct val="0"/>
+              </a:spcAft>
+              <a:defRPr sz="2400">
+                <a:solidFill>
+                  <a:schemeClr val="tx1"/>
+                </a:solidFill>
+                <a:latin typeface="Arial" charset="0"/>
+                <a:ea typeface="ＭＳ Ｐゴシック" charset="0"/>
+              </a:defRPr>
+            </a:lvl8pPr>
+            <a:lvl9pPr marL="3886200" indent="-228600" eaLnBrk="0" fontAlgn="base" hangingPunct="0">
+              <a:spcBef>
+                <a:spcPct val="0"/>
+              </a:spcBef>
+              <a:spcAft>
+                <a:spcPct val="0"/>
+              </a:spcAft>
+              <a:defRPr sz="2400">
+                <a:solidFill>
+                  <a:schemeClr val="tx1"/>
+                </a:solidFill>
+                <a:latin typeface="Arial" charset="0"/>
+                <a:ea typeface="ＭＳ Ｐゴシック" charset="0"/>
+              </a:defRPr>
+            </a:lvl9pPr>
+          </a:lstStyle>
+          <a:p>
+            <a:pPr eaLnBrk="1" hangingPunct="1"/>
+            <a:fld id="{F57BF14C-B391-D343-9D96-B77D9EBD185F}" type="slidenum">
+              <a:rPr lang="en-US" sz="1300">
+                <a:latin typeface="Calibri" charset="0"/>
+              </a:rPr>
+              <a:pPr eaLnBrk="1" hangingPunct="1"/>
+              <a:t>7</a:t>
+            </a:fld>
+            <a:endParaRPr lang="en-US" sz="1300">
+              <a:latin typeface="Calibri" charset="0"/>
+            </a:endParaRPr>
+          </a:p>
+        </p:txBody>
+      </p:sp>
+    </p:spTree>
+  </p:cSld>
+  <p:clrMapOvr>
+    <a:masterClrMapping/>
+  </p:clrMapOvr>
+</p:notes>
+</file>
+
+<file path=ppt/notesSlides/notesSlide6.xml><?xml version="1.0" encoding="utf-8"?>
+<p:notes xmlns:a="http://schemas.openxmlformats.org/drawingml/2006/main" xmlns:r="http://schemas.openxmlformats.org/officeDocument/2006/relationships" xmlns:p="http://schemas.openxmlformats.org/presentationml/2006/main">
+  <p:cSld>
+    <p:spTree>
+      <p:nvGrpSpPr>
+        <p:cNvPr id="1" name=""/>
+        <p:cNvGrpSpPr/>
+        <p:nvPr/>
+      </p:nvGrpSpPr>
+      <p:grpSpPr>
+        <a:xfrm>
+          <a:off x="0" y="0"/>
+          <a:ext cx="0" cy="0"/>
+          <a:chOff x="0" y="0"/>
+          <a:chExt cx="0" cy="0"/>
+        </a:xfrm>
+      </p:grpSpPr>
+      <p:sp>
+        <p:nvSpPr>
+          <p:cNvPr id="28673" name="Slide Image Placeholder 1"/>
+          <p:cNvSpPr>
+            <a:spLocks noGrp="1" noRot="1" noChangeAspect="1"/>
+          </p:cNvSpPr>
+          <p:nvPr>
+            <p:ph type="sldImg"/>
+          </p:nvPr>
+        </p:nvSpPr>
+        <p:spPr bwMode="auto">
+          <a:noFill/>
+          <a:ln>
+            <a:solidFill>
+              <a:srgbClr val="000000"/>
+            </a:solidFill>
+            <a:miter lim="800000"/>
+            <a:headEnd/>
+            <a:tailEnd/>
+          </a:ln>
+          <a:extLst>
+            <a:ext uri="{909E8E84-426E-40dd-AFC4-6F175D3DCCD1}">
+              <a14:hiddenFill xmlns:a14="http://schemas.microsoft.com/office/drawing/2010/main">
+                <a:solidFill>
+                  <a:srgbClr val="FFFFFF"/>
+                </a:solidFill>
+              </a14:hiddenFill>
+            </a:ext>
+            <a:ext uri="{FAA26D3D-D897-4be2-8F04-BA451C77F1D7}">
+              <ma14:placeholderFlag xmlns:ma14="http://schemas.microsoft.com/office/mac/drawingml/2011/main" val="1"/>
+            </a:ext>
+          </a:extLst>
+        </p:spPr>
+      </p:sp>
+      <p:sp>
+        <p:nvSpPr>
+          <p:cNvPr id="28674" name="Notes Placeholder 2"/>
+          <p:cNvSpPr>
+            <a:spLocks noGrp="1"/>
+          </p:cNvSpPr>
+          <p:nvPr>
+            <p:ph type="body" idx="1"/>
+          </p:nvPr>
+        </p:nvSpPr>
+        <p:spPr bwMode="auto">
+          <a:noFill/>
+          <a:extLst>
+            <a:ext uri="{909E8E84-426E-40dd-AFC4-6F175D3DCCD1}">
+              <a14:hiddenFill xmlns:a14="http://schemas.microsoft.com/office/drawing/2010/main">
+                <a:solidFill>
+                  <a:srgbClr val="FFFFFF"/>
+                </a:solidFill>
+              </a14:hiddenFill>
+            </a:ext>
+            <a:ext uri="{91240B29-F687-4f45-9708-019B960494DF}">
+              <a14:hiddenLine xmlns:a14="http://schemas.microsoft.com/office/drawing/2010/main" w="9525">
+                <a:solidFill>
+                  <a:srgbClr val="000000"/>
+                </a:solidFill>
+                <a:miter lim="800000"/>
+                <a:headEnd/>
+                <a:tailEnd/>
+              </a14:hiddenLine>
+            </a:ext>
+            <a:ext uri="{FAA26D3D-D897-4be2-8F04-BA451C77F1D7}">
+              <ma14:placeholderFlag xmlns:ma14="http://schemas.microsoft.com/office/mac/drawingml/2011/main" val="1"/>
+            </a:ext>
+          </a:extLst>
+        </p:spPr>
+        <p:txBody>
+          <a:bodyPr wrap="square" numCol="1" anchor="t" anchorCtr="0" compatLnSpc="1">
+            <a:prstTxWarp prst="textNoShape">
+              <a:avLst/>
+            </a:prstTxWarp>
+          </a:bodyPr>
+          <a:lstStyle/>
+          <a:p>
+            <a:endParaRPr lang="en-US">
+              <a:latin typeface="Calibri" charset="0"/>
+              <a:ea typeface="ＭＳ Ｐゴシック" charset="0"/>
+              <a:cs typeface="ＭＳ Ｐゴシック" charset="0"/>
+            </a:endParaRPr>
+          </a:p>
+        </p:txBody>
+      </p:sp>
+      <p:sp>
+        <p:nvSpPr>
+          <p:cNvPr id="28675" name="Slide Number Placeholder 3"/>
+          <p:cNvSpPr>
+            <a:spLocks noGrp="1"/>
+          </p:cNvSpPr>
+          <p:nvPr>
+            <p:ph type="sldNum" sz="quarter" idx="5"/>
+          </p:nvPr>
+        </p:nvSpPr>
+        <p:spPr bwMode="auto">
+          <a:noFill/>
+          <a:extLst>
+            <a:ext uri="{909E8E84-426E-40dd-AFC4-6F175D3DCCD1}">
+              <a14:hiddenFill xmlns:a14="http://schemas.microsoft.com/office/drawing/2010/main">
+                <a:solidFill>
+                  <a:srgbClr val="FFFFFF"/>
+                </a:solidFill>
+              </a14:hiddenFill>
+            </a:ext>
+            <a:ext uri="{91240B29-F687-4f45-9708-019B960494DF}">
+              <a14:hiddenLine xmlns:a14="http://schemas.microsoft.com/office/drawing/2010/main" w="9525">
+                <a:solidFill>
+                  <a:srgbClr val="000000"/>
+                </a:solidFill>
+                <a:miter lim="800000"/>
+                <a:headEnd/>
+                <a:tailEnd/>
+              </a14:hiddenLine>
+            </a:ext>
+          </a:extLst>
+        </p:spPr>
+        <p:txBody>
+          <a:bodyPr/>
+          <a:lstStyle>
+            <a:lvl1pPr eaLnBrk="0" hangingPunct="0">
+              <a:defRPr sz="2400">
+                <a:solidFill>
+                  <a:schemeClr val="tx1"/>
+                </a:solidFill>
+                <a:latin typeface="Arial" charset="0"/>
+                <a:ea typeface="ＭＳ Ｐゴシック" charset="0"/>
+                <a:cs typeface="ＭＳ Ｐゴシック" charset="0"/>
+              </a:defRPr>
+            </a:lvl1pPr>
+            <a:lvl2pPr marL="742950" indent="-285750" eaLnBrk="0" hangingPunct="0">
+              <a:defRPr sz="2400">
+                <a:solidFill>
+                  <a:schemeClr val="tx1"/>
+                </a:solidFill>
+                <a:latin typeface="Arial" charset="0"/>
+                <a:ea typeface="ＭＳ Ｐゴシック" charset="0"/>
+              </a:defRPr>
+            </a:lvl2pPr>
+            <a:lvl3pPr marL="1143000" indent="-228600" eaLnBrk="0" hangingPunct="0">
+              <a:defRPr sz="2400">
+                <a:solidFill>
+                  <a:schemeClr val="tx1"/>
+                </a:solidFill>
+                <a:latin typeface="Arial" charset="0"/>
+                <a:ea typeface="ＭＳ Ｐゴシック" charset="0"/>
+              </a:defRPr>
+            </a:lvl3pPr>
+            <a:lvl4pPr marL="1600200" indent="-228600" eaLnBrk="0" hangingPunct="0">
+              <a:defRPr sz="2400">
+                <a:solidFill>
+                  <a:schemeClr val="tx1"/>
+                </a:solidFill>
+                <a:latin typeface="Arial" charset="0"/>
+                <a:ea typeface="ＭＳ Ｐゴシック" charset="0"/>
+              </a:defRPr>
+            </a:lvl4pPr>
+            <a:lvl5pPr marL="2057400" indent="-228600" eaLnBrk="0" hangingPunct="0">
+              <a:defRPr sz="2400">
+                <a:solidFill>
+                  <a:schemeClr val="tx1"/>
+                </a:solidFill>
+                <a:latin typeface="Arial" charset="0"/>
+                <a:ea typeface="ＭＳ Ｐゴシック" charset="0"/>
+              </a:defRPr>
+            </a:lvl5pPr>
+            <a:lvl6pPr marL="2514600" indent="-228600" eaLnBrk="0" fontAlgn="base" hangingPunct="0">
+              <a:spcBef>
+                <a:spcPct val="0"/>
+              </a:spcBef>
+              <a:spcAft>
+                <a:spcPct val="0"/>
+              </a:spcAft>
+              <a:defRPr sz="2400">
+                <a:solidFill>
+                  <a:schemeClr val="tx1"/>
+                </a:solidFill>
+                <a:latin typeface="Arial" charset="0"/>
+                <a:ea typeface="ＭＳ Ｐゴシック" charset="0"/>
+              </a:defRPr>
+            </a:lvl6pPr>
+            <a:lvl7pPr marL="2971800" indent="-228600" eaLnBrk="0" fontAlgn="base" hangingPunct="0">
+              <a:spcBef>
+                <a:spcPct val="0"/>
+              </a:spcBef>
+              <a:spcAft>
+                <a:spcPct val="0"/>
+              </a:spcAft>
+              <a:defRPr sz="2400">
+                <a:solidFill>
+                  <a:schemeClr val="tx1"/>
+                </a:solidFill>
+                <a:latin typeface="Arial" charset="0"/>
+                <a:ea typeface="ＭＳ Ｐゴシック" charset="0"/>
+              </a:defRPr>
+            </a:lvl7pPr>
+            <a:lvl8pPr marL="3429000" indent="-228600" eaLnBrk="0" fontAlgn="base" hangingPunct="0">
+              <a:spcBef>
+                <a:spcPct val="0"/>
+              </a:spcBef>
+              <a:spcAft>
+                <a:spcPct val="0"/>
+              </a:spcAft>
+              <a:defRPr sz="2400">
+                <a:solidFill>
+                  <a:schemeClr val="tx1"/>
+                </a:solidFill>
+                <a:latin typeface="Arial" charset="0"/>
+                <a:ea typeface="ＭＳ Ｐゴシック" charset="0"/>
+              </a:defRPr>
+            </a:lvl8pPr>
+            <a:lvl9pPr marL="3886200" indent="-228600" eaLnBrk="0" fontAlgn="base" hangingPunct="0">
+              <a:spcBef>
+                <a:spcPct val="0"/>
+              </a:spcBef>
+              <a:spcAft>
+                <a:spcPct val="0"/>
+              </a:spcAft>
+              <a:defRPr sz="2400">
+                <a:solidFill>
+                  <a:schemeClr val="tx1"/>
+                </a:solidFill>
+                <a:latin typeface="Arial" charset="0"/>
+                <a:ea typeface="ＭＳ Ｐゴシック" charset="0"/>
+              </a:defRPr>
+            </a:lvl9pPr>
+          </a:lstStyle>
+          <a:p>
+            <a:pPr eaLnBrk="1" hangingPunct="1"/>
+            <a:fld id="{ABCF8106-5EF8-BF4B-B46B-805FE806D34D}" type="slidenum">
+              <a:rPr lang="en-US" sz="1300">
+                <a:latin typeface="Calibri" charset="0"/>
+              </a:rPr>
+              <a:pPr eaLnBrk="1" hangingPunct="1"/>
+              <a:t>8</a:t>
+            </a:fld>
+            <a:endParaRPr lang="en-US" sz="1300">
+              <a:latin typeface="Calibri" charset="0"/>
+            </a:endParaRPr>
+          </a:p>
+        </p:txBody>
+      </p:sp>
+    </p:spTree>
+  </p:cSld>
+  <p:clrMapOvr>
+    <a:masterClrMapping/>
+  </p:clrMapOvr>
+</p:notes>
+</file>
+
+<file path=ppt/notesSlides/notesSlide7.xml><?xml version="1.0" encoding="utf-8"?>
+<p:notes xmlns:a="http://schemas.openxmlformats.org/drawingml/2006/main" xmlns:r="http://schemas.openxmlformats.org/officeDocument/2006/relationships" xmlns:p="http://schemas.openxmlformats.org/presentationml/2006/main">
+  <p:cSld>
+    <p:spTree>
+      <p:nvGrpSpPr>
+        <p:cNvPr id="1" name=""/>
+        <p:cNvGrpSpPr/>
+        <p:nvPr/>
+      </p:nvGrpSpPr>
+      <p:grpSpPr>
+        <a:xfrm>
+          <a:off x="0" y="0"/>
+          <a:ext cx="0" cy="0"/>
+          <a:chOff x="0" y="0"/>
+          <a:chExt cx="0" cy="0"/>
+        </a:xfrm>
+      </p:grpSpPr>
+      <p:sp>
+        <p:nvSpPr>
+          <p:cNvPr id="30721" name="Slide Image Placeholder 1"/>
+          <p:cNvSpPr>
+            <a:spLocks noGrp="1" noRot="1" noChangeAspect="1"/>
+          </p:cNvSpPr>
+          <p:nvPr>
+            <p:ph type="sldImg"/>
+          </p:nvPr>
+        </p:nvSpPr>
+        <p:spPr bwMode="auto">
+          <a:noFill/>
+          <a:ln>
+            <a:solidFill>
+              <a:srgbClr val="000000"/>
+            </a:solidFill>
+            <a:miter lim="800000"/>
+            <a:headEnd/>
+            <a:tailEnd/>
+          </a:ln>
+          <a:extLst>
+            <a:ext uri="{909E8E84-426E-40dd-AFC4-6F175D3DCCD1}">
+              <a14:hiddenFill xmlns:a14="http://schemas.microsoft.com/office/drawing/2010/main">
+                <a:solidFill>
+                  <a:srgbClr val="FFFFFF"/>
+                </a:solidFill>
+              </a14:hiddenFill>
+            </a:ext>
+            <a:ext uri="{FAA26D3D-D897-4be2-8F04-BA451C77F1D7}">
+              <ma14:placeholderFlag xmlns:ma14="http://schemas.microsoft.com/office/mac/drawingml/2011/main" val="1"/>
+            </a:ext>
+          </a:extLst>
+        </p:spPr>
+      </p:sp>
+      <p:sp>
+        <p:nvSpPr>
+          <p:cNvPr id="30722" name="Notes Placeholder 2"/>
+          <p:cNvSpPr>
+            <a:spLocks noGrp="1"/>
+          </p:cNvSpPr>
+          <p:nvPr>
+            <p:ph type="body" idx="1"/>
+          </p:nvPr>
+        </p:nvSpPr>
+        <p:spPr bwMode="auto">
+          <a:noFill/>
+          <a:extLst>
+            <a:ext uri="{909E8E84-426E-40dd-AFC4-6F175D3DCCD1}">
+              <a14:hiddenFill xmlns:a14="http://schemas.microsoft.com/office/drawing/2010/main">
+                <a:solidFill>
+                  <a:srgbClr val="FFFFFF"/>
+                </a:solidFill>
+              </a14:hiddenFill>
+            </a:ext>
+            <a:ext uri="{91240B29-F687-4f45-9708-019B960494DF}">
+              <a14:hiddenLine xmlns:a14="http://schemas.microsoft.com/office/drawing/2010/main" w="9525">
+                <a:solidFill>
+                  <a:srgbClr val="000000"/>
+                </a:solidFill>
+                <a:miter lim="800000"/>
+                <a:headEnd/>
+                <a:tailEnd/>
+              </a14:hiddenLine>
+            </a:ext>
+            <a:ext uri="{FAA26D3D-D897-4be2-8F04-BA451C77F1D7}">
+              <ma14:placeholderFlag xmlns:ma14="http://schemas.microsoft.com/office/mac/drawingml/2011/main" val="1"/>
+            </a:ext>
+          </a:extLst>
+        </p:spPr>
+        <p:txBody>
+          <a:bodyPr wrap="square" numCol="1" anchor="t" anchorCtr="0" compatLnSpc="1">
+            <a:prstTxWarp prst="textNoShape">
+              <a:avLst/>
+            </a:prstTxWarp>
+          </a:bodyPr>
+          <a:lstStyle/>
+          <a:p>
+            <a:endParaRPr lang="en-US">
+              <a:latin typeface="Calibri" charset="0"/>
+              <a:ea typeface="ＭＳ Ｐゴシック" charset="0"/>
+              <a:cs typeface="ＭＳ Ｐゴシック" charset="0"/>
+            </a:endParaRPr>
+          </a:p>
+        </p:txBody>
+      </p:sp>
+      <p:sp>
+        <p:nvSpPr>
+          <p:cNvPr id="30723" name="Slide Number Placeholder 3"/>
+          <p:cNvSpPr>
+            <a:spLocks noGrp="1"/>
+          </p:cNvSpPr>
+          <p:nvPr>
+            <p:ph type="sldNum" sz="quarter" idx="5"/>
+          </p:nvPr>
+        </p:nvSpPr>
+        <p:spPr bwMode="auto">
+          <a:noFill/>
+          <a:extLst>
+            <a:ext uri="{909E8E84-426E-40dd-AFC4-6F175D3DCCD1}">
+              <a14:hiddenFill xmlns:a14="http://schemas.microsoft.com/office/drawing/2010/main">
+                <a:solidFill>
+                  <a:srgbClr val="FFFFFF"/>
+                </a:solidFill>
+              </a14:hiddenFill>
+            </a:ext>
+            <a:ext uri="{91240B29-F687-4f45-9708-019B960494DF}">
+              <a14:hiddenLine xmlns:a14="http://schemas.microsoft.com/office/drawing/2010/main" w="9525">
+                <a:solidFill>
+                  <a:srgbClr val="000000"/>
+                </a:solidFill>
+                <a:miter lim="800000"/>
+                <a:headEnd/>
+                <a:tailEnd/>
+              </a14:hiddenLine>
+            </a:ext>
+          </a:extLst>
+        </p:spPr>
+        <p:txBody>
+          <a:bodyPr/>
+          <a:lstStyle>
+            <a:lvl1pPr eaLnBrk="0" hangingPunct="0">
+              <a:defRPr sz="2400">
+                <a:solidFill>
+                  <a:schemeClr val="tx1"/>
+                </a:solidFill>
+                <a:latin typeface="Arial" charset="0"/>
+                <a:ea typeface="ＭＳ Ｐゴシック" charset="0"/>
+                <a:cs typeface="ＭＳ Ｐゴシック" charset="0"/>
+              </a:defRPr>
+            </a:lvl1pPr>
+            <a:lvl2pPr marL="742950" indent="-285750" eaLnBrk="0" hangingPunct="0">
+              <a:defRPr sz="2400">
+                <a:solidFill>
+                  <a:schemeClr val="tx1"/>
+                </a:solidFill>
+                <a:latin typeface="Arial" charset="0"/>
+                <a:ea typeface="ＭＳ Ｐゴシック" charset="0"/>
+              </a:defRPr>
+            </a:lvl2pPr>
+            <a:lvl3pPr marL="1143000" indent="-228600" eaLnBrk="0" hangingPunct="0">
+              <a:defRPr sz="2400">
+                <a:solidFill>
+                  <a:schemeClr val="tx1"/>
+                </a:solidFill>
+                <a:latin typeface="Arial" charset="0"/>
+                <a:ea typeface="ＭＳ Ｐゴシック" charset="0"/>
+              </a:defRPr>
+            </a:lvl3pPr>
+            <a:lvl4pPr marL="1600200" indent="-228600" eaLnBrk="0" hangingPunct="0">
+              <a:defRPr sz="2400">
+                <a:solidFill>
+                  <a:schemeClr val="tx1"/>
+                </a:solidFill>
+                <a:latin typeface="Arial" charset="0"/>
+                <a:ea typeface="ＭＳ Ｐゴシック" charset="0"/>
+              </a:defRPr>
+            </a:lvl4pPr>
+            <a:lvl5pPr marL="2057400" indent="-228600" eaLnBrk="0" hangingPunct="0">
+              <a:defRPr sz="2400">
+                <a:solidFill>
+                  <a:schemeClr val="tx1"/>
+                </a:solidFill>
+                <a:latin typeface="Arial" charset="0"/>
+                <a:ea typeface="ＭＳ Ｐゴシック" charset="0"/>
+              </a:defRPr>
+            </a:lvl5pPr>
+            <a:lvl6pPr marL="2514600" indent="-228600" eaLnBrk="0" fontAlgn="base" hangingPunct="0">
+              <a:spcBef>
+                <a:spcPct val="0"/>
+              </a:spcBef>
+              <a:spcAft>
+                <a:spcPct val="0"/>
+              </a:spcAft>
+              <a:defRPr sz="2400">
+                <a:solidFill>
+                  <a:schemeClr val="tx1"/>
+                </a:solidFill>
+                <a:latin typeface="Arial" charset="0"/>
+                <a:ea typeface="ＭＳ Ｐゴシック" charset="0"/>
+              </a:defRPr>
+            </a:lvl6pPr>
+            <a:lvl7pPr marL="2971800" indent="-228600" eaLnBrk="0" fontAlgn="base" hangingPunct="0">
+              <a:spcBef>
+                <a:spcPct val="0"/>
+              </a:spcBef>
+              <a:spcAft>
+                <a:spcPct val="0"/>
+              </a:spcAft>
+              <a:defRPr sz="2400">
+                <a:solidFill>
+                  <a:schemeClr val="tx1"/>
+                </a:solidFill>
+                <a:latin typeface="Arial" charset="0"/>
+                <a:ea typeface="ＭＳ Ｐゴシック" charset="0"/>
+              </a:defRPr>
+            </a:lvl7pPr>
+            <a:lvl8pPr marL="3429000" indent="-228600" eaLnBrk="0" fontAlgn="base" hangingPunct="0">
+              <a:spcBef>
+                <a:spcPct val="0"/>
+              </a:spcBef>
+              <a:spcAft>
+                <a:spcPct val="0"/>
+              </a:spcAft>
+              <a:defRPr sz="2400">
+                <a:solidFill>
+                  <a:schemeClr val="tx1"/>
+                </a:solidFill>
+                <a:latin typeface="Arial" charset="0"/>
+                <a:ea typeface="ＭＳ Ｐゴシック" charset="0"/>
+              </a:defRPr>
+            </a:lvl8pPr>
+            <a:lvl9pPr marL="3886200" indent="-228600" eaLnBrk="0" fontAlgn="base" hangingPunct="0">
+              <a:spcBef>
+                <a:spcPct val="0"/>
+              </a:spcBef>
+              <a:spcAft>
+                <a:spcPct val="0"/>
+              </a:spcAft>
+              <a:defRPr sz="2400">
+                <a:solidFill>
+                  <a:schemeClr val="tx1"/>
+                </a:solidFill>
+                <a:latin typeface="Arial" charset="0"/>
+                <a:ea typeface="ＭＳ Ｐゴシック" charset="0"/>
+              </a:defRPr>
+            </a:lvl9pPr>
+          </a:lstStyle>
+          <a:p>
+            <a:pPr eaLnBrk="1" hangingPunct="1"/>
+            <a:fld id="{FA14D0B7-6444-3B4F-B6D9-1161969E1B4F}" type="slidenum">
+              <a:rPr lang="en-US" sz="1300">
+                <a:latin typeface="Calibri" charset="0"/>
+              </a:rPr>
+              <a:pPr eaLnBrk="1" hangingPunct="1"/>
+              <a:t>9</a:t>
+            </a:fld>
+            <a:endParaRPr lang="en-US" sz="1300">
+              <a:latin typeface="Calibri" charset="0"/>
+            </a:endParaRPr>
+          </a:p>
+        </p:txBody>
+      </p:sp>
+    </p:spTree>
+  </p:cSld>
+  <p:clrMapOvr>
+    <a:masterClrMapping/>
+  </p:clrMapOvr>
+</p:notes>
+</file>
+
+<file path=ppt/notesSlides/notesSlide8.xml><?xml version="1.0" encoding="utf-8"?>
+<p:notes xmlns:a="http://schemas.openxmlformats.org/drawingml/2006/main" xmlns:r="http://schemas.openxmlformats.org/officeDocument/2006/relationships" xmlns:p="http://schemas.openxmlformats.org/presentationml/2006/main">
+  <p:cSld>
+    <p:spTree>
+      <p:nvGrpSpPr>
+        <p:cNvPr id="1" name=""/>
+        <p:cNvGrpSpPr/>
+        <p:nvPr/>
+      </p:nvGrpSpPr>
+      <p:grpSpPr>
+        <a:xfrm>
+          <a:off x="0" y="0"/>
+          <a:ext cx="0" cy="0"/>
+          <a:chOff x="0" y="0"/>
+          <a:chExt cx="0" cy="0"/>
+        </a:xfrm>
+      </p:grpSpPr>
+      <p:sp>
+        <p:nvSpPr>
+          <p:cNvPr id="32769" name="Slide Image Placeholder 1"/>
+          <p:cNvSpPr>
+            <a:spLocks noGrp="1" noRot="1" noChangeAspect="1"/>
+          </p:cNvSpPr>
+          <p:nvPr>
+            <p:ph type="sldImg"/>
+          </p:nvPr>
+        </p:nvSpPr>
+        <p:spPr bwMode="auto">
+          <a:noFill/>
+          <a:ln>
+            <a:solidFill>
+              <a:srgbClr val="000000"/>
+            </a:solidFill>
+            <a:miter lim="800000"/>
+            <a:headEnd/>
+            <a:tailEnd/>
+          </a:ln>
+          <a:extLst>
+            <a:ext uri="{909E8E84-426E-40dd-AFC4-6F175D3DCCD1}">
+              <a14:hiddenFill xmlns:a14="http://schemas.microsoft.com/office/drawing/2010/main">
+                <a:solidFill>
+                  <a:srgbClr val="FFFFFF"/>
+                </a:solidFill>
+              </a14:hiddenFill>
+            </a:ext>
+            <a:ext uri="{FAA26D3D-D897-4be2-8F04-BA451C77F1D7}">
+              <ma14:placeholderFlag xmlns:ma14="http://schemas.microsoft.com/office/mac/drawingml/2011/main" val="1"/>
+            </a:ext>
+          </a:extLst>
+        </p:spPr>
+      </p:sp>
+      <p:sp>
+        <p:nvSpPr>
+          <p:cNvPr id="32770" name="Notes Placeholder 2"/>
+          <p:cNvSpPr>
+            <a:spLocks noGrp="1"/>
+          </p:cNvSpPr>
+          <p:nvPr>
+            <p:ph type="body" idx="1"/>
+          </p:nvPr>
+        </p:nvSpPr>
+        <p:spPr bwMode="auto">
+          <a:noFill/>
+          <a:extLst>
+            <a:ext uri="{909E8E84-426E-40dd-AFC4-6F175D3DCCD1}">
+              <a14:hiddenFill xmlns:a14="http://schemas.microsoft.com/office/drawing/2010/main">
+                <a:solidFill>
+                  <a:srgbClr val="FFFFFF"/>
+                </a:solidFill>
+              </a14:hiddenFill>
+            </a:ext>
+            <a:ext uri="{91240B29-F687-4f45-9708-019B960494DF}">
+              <a14:hiddenLine xmlns:a14="http://schemas.microsoft.com/office/drawing/2010/main" w="9525">
+                <a:solidFill>
+                  <a:srgbClr val="000000"/>
+                </a:solidFill>
+                <a:miter lim="800000"/>
+                <a:headEnd/>
+                <a:tailEnd/>
+              </a14:hiddenLine>
+            </a:ext>
+            <a:ext uri="{FAA26D3D-D897-4be2-8F04-BA451C77F1D7}">
+              <ma14:placeholderFlag xmlns:ma14="http://schemas.microsoft.com/office/mac/drawingml/2011/main" val="1"/>
+            </a:ext>
+          </a:extLst>
+        </p:spPr>
+        <p:txBody>
+          <a:bodyPr wrap="square" numCol="1" anchor="t" anchorCtr="0" compatLnSpc="1">
+            <a:prstTxWarp prst="textNoShape">
+              <a:avLst/>
+            </a:prstTxWarp>
+          </a:bodyPr>
+          <a:lstStyle/>
+          <a:p>
+            <a:endParaRPr lang="en-US">
+              <a:latin typeface="Calibri" charset="0"/>
+              <a:ea typeface="ＭＳ Ｐゴシック" charset="0"/>
+              <a:cs typeface="ＭＳ Ｐゴシック" charset="0"/>
+            </a:endParaRPr>
+          </a:p>
+        </p:txBody>
+      </p:sp>
+      <p:sp>
+        <p:nvSpPr>
+          <p:cNvPr id="32771" name="Slide Number Placeholder 3"/>
+          <p:cNvSpPr>
+            <a:spLocks noGrp="1"/>
+          </p:cNvSpPr>
+          <p:nvPr>
+            <p:ph type="sldNum" sz="quarter" idx="5"/>
+          </p:nvPr>
+        </p:nvSpPr>
+        <p:spPr bwMode="auto">
+          <a:noFill/>
+          <a:extLst>
+            <a:ext uri="{909E8E84-426E-40dd-AFC4-6F175D3DCCD1}">
+              <a14:hiddenFill xmlns:a14="http://schemas.microsoft.com/office/drawing/2010/main">
+                <a:solidFill>
+                  <a:srgbClr val="FFFFFF"/>
+                </a:solidFill>
+              </a14:hiddenFill>
+            </a:ext>
+            <a:ext uri="{91240B29-F687-4f45-9708-019B960494DF}">
+              <a14:hiddenLine xmlns:a14="http://schemas.microsoft.com/office/drawing/2010/main" w="9525">
+                <a:solidFill>
+                  <a:srgbClr val="000000"/>
+                </a:solidFill>
+                <a:miter lim="800000"/>
+                <a:headEnd/>
+                <a:tailEnd/>
+              </a14:hiddenLine>
+            </a:ext>
+          </a:extLst>
+        </p:spPr>
+        <p:txBody>
+          <a:bodyPr/>
+          <a:lstStyle>
+            <a:lvl1pPr eaLnBrk="0" hangingPunct="0">
+              <a:defRPr sz="2400">
+                <a:solidFill>
+                  <a:schemeClr val="tx1"/>
+                </a:solidFill>
+                <a:latin typeface="Arial" charset="0"/>
+                <a:ea typeface="ＭＳ Ｐゴシック" charset="0"/>
+                <a:cs typeface="ＭＳ Ｐゴシック" charset="0"/>
+              </a:defRPr>
+            </a:lvl1pPr>
+            <a:lvl2pPr marL="742950" indent="-285750" eaLnBrk="0" hangingPunct="0">
+              <a:defRPr sz="2400">
+                <a:solidFill>
+                  <a:schemeClr val="tx1"/>
+                </a:solidFill>
+                <a:latin typeface="Arial" charset="0"/>
+                <a:ea typeface="ＭＳ Ｐゴシック" charset="0"/>
+              </a:defRPr>
+            </a:lvl2pPr>
+            <a:lvl3pPr marL="1143000" indent="-228600" eaLnBrk="0" hangingPunct="0">
+              <a:defRPr sz="2400">
+                <a:solidFill>
+                  <a:schemeClr val="tx1"/>
+                </a:solidFill>
+                <a:latin typeface="Arial" charset="0"/>
+                <a:ea typeface="ＭＳ Ｐゴシック" charset="0"/>
+              </a:defRPr>
+            </a:lvl3pPr>
+            <a:lvl4pPr marL="1600200" indent="-228600" eaLnBrk="0" hangingPunct="0">
+              <a:defRPr sz="2400">
+                <a:solidFill>
+                  <a:schemeClr val="tx1"/>
+                </a:solidFill>
+                <a:latin typeface="Arial" charset="0"/>
+                <a:ea typeface="ＭＳ Ｐゴシック" charset="0"/>
+              </a:defRPr>
+            </a:lvl4pPr>
+            <a:lvl5pPr marL="2057400" indent="-228600" eaLnBrk="0" hangingPunct="0">
+              <a:defRPr sz="2400">
+                <a:solidFill>
+                  <a:schemeClr val="tx1"/>
+                </a:solidFill>
+                <a:latin typeface="Arial" charset="0"/>
+                <a:ea typeface="ＭＳ Ｐゴシック" charset="0"/>
+              </a:defRPr>
+            </a:lvl5pPr>
+            <a:lvl6pPr marL="2514600" indent="-228600" eaLnBrk="0" fontAlgn="base" hangingPunct="0">
+              <a:spcBef>
+                <a:spcPct val="0"/>
+              </a:spcBef>
+              <a:spcAft>
+                <a:spcPct val="0"/>
+              </a:spcAft>
+              <a:defRPr sz="2400">
+                <a:solidFill>
+                  <a:schemeClr val="tx1"/>
+                </a:solidFill>
+                <a:latin typeface="Arial" charset="0"/>
+                <a:ea typeface="ＭＳ Ｐゴシック" charset="0"/>
+              </a:defRPr>
+            </a:lvl6pPr>
+            <a:lvl7pPr marL="2971800" indent="-228600" eaLnBrk="0" fontAlgn="base" hangingPunct="0">
+              <a:spcBef>
+                <a:spcPct val="0"/>
+              </a:spcBef>
+              <a:spcAft>
+                <a:spcPct val="0"/>
+              </a:spcAft>
+              <a:defRPr sz="2400">
+                <a:solidFill>
+                  <a:schemeClr val="tx1"/>
+                </a:solidFill>
+                <a:latin typeface="Arial" charset="0"/>
+                <a:ea typeface="ＭＳ Ｐゴシック" charset="0"/>
+              </a:defRPr>
+            </a:lvl7pPr>
+            <a:lvl8pPr marL="3429000" indent="-228600" eaLnBrk="0" fontAlgn="base" hangingPunct="0">
+              <a:spcBef>
+                <a:spcPct val="0"/>
+              </a:spcBef>
+              <a:spcAft>
+                <a:spcPct val="0"/>
+              </a:spcAft>
+              <a:defRPr sz="2400">
+                <a:solidFill>
+                  <a:schemeClr val="tx1"/>
+                </a:solidFill>
+                <a:latin typeface="Arial" charset="0"/>
+                <a:ea typeface="ＭＳ Ｐゴシック" charset="0"/>
+              </a:defRPr>
+            </a:lvl8pPr>
+            <a:lvl9pPr marL="3886200" indent="-228600" eaLnBrk="0" fontAlgn="base" hangingPunct="0">
+              <a:spcBef>
+                <a:spcPct val="0"/>
+              </a:spcBef>
+              <a:spcAft>
+                <a:spcPct val="0"/>
+              </a:spcAft>
+              <a:defRPr sz="2400">
+                <a:solidFill>
+                  <a:schemeClr val="tx1"/>
+                </a:solidFill>
+                <a:latin typeface="Arial" charset="0"/>
+                <a:ea typeface="ＭＳ Ｐゴシック" charset="0"/>
+              </a:defRPr>
+            </a:lvl9pPr>
+          </a:lstStyle>
+          <a:p>
+            <a:pPr eaLnBrk="1" hangingPunct="1"/>
+            <a:fld id="{B7C34CE4-4685-5149-89F2-9FD0582F0AB7}" type="slidenum">
+              <a:rPr lang="en-US" sz="1300">
+                <a:latin typeface="Calibri" charset="0"/>
+              </a:rPr>
+              <a:pPr eaLnBrk="1" hangingPunct="1"/>
+              <a:t>10</a:t>
+            </a:fld>
+            <a:endParaRPr lang="en-US" sz="1300">
+              <a:latin typeface="Calibri" charset="0"/>
             </a:endParaRPr>
           </a:p>
         </p:txBody>
@@ -2199,7 +3019,7 @@
     </p:spTree>
     <p:extLst>
       <p:ext uri="{BB962C8B-B14F-4D97-AF65-F5344CB8AC3E}">
-        <p14:creationId xmlns:p14="http://schemas.microsoft.com/office/powerpoint/2010/main" val="1678810967"/>
+        <p14:creationId xmlns:p14="http://schemas.microsoft.com/office/powerpoint/2010/main" val="2169111987"/>
       </p:ext>
     </p:extLst>
   </p:cSld>
@@ -2696,7 +3516,7 @@
     </p:spTree>
     <p:extLst>
       <p:ext uri="{BB962C8B-B14F-4D97-AF65-F5344CB8AC3E}">
-        <p14:creationId xmlns:p14="http://schemas.microsoft.com/office/powerpoint/2010/main" val="1219821176"/>
+        <p14:creationId xmlns:p14="http://schemas.microsoft.com/office/powerpoint/2010/main" val="3003809841"/>
       </p:ext>
     </p:extLst>
   </p:cSld>
@@ -3105,7 +3925,7 @@
     </p:spTree>
     <p:extLst>
       <p:ext uri="{BB962C8B-B14F-4D97-AF65-F5344CB8AC3E}">
-        <p14:creationId xmlns:p14="http://schemas.microsoft.com/office/powerpoint/2010/main" val="22528860"/>
+        <p14:creationId xmlns:p14="http://schemas.microsoft.com/office/powerpoint/2010/main" val="2296454335"/>
       </p:ext>
     </p:extLst>
   </p:cSld>
@@ -3690,7 +4510,7 @@
     </p:spTree>
     <p:extLst>
       <p:ext uri="{BB962C8B-B14F-4D97-AF65-F5344CB8AC3E}">
-        <p14:creationId xmlns:p14="http://schemas.microsoft.com/office/powerpoint/2010/main" val="1085592759"/>
+        <p14:creationId xmlns:p14="http://schemas.microsoft.com/office/powerpoint/2010/main" val="1102792779"/>
       </p:ext>
     </p:extLst>
   </p:cSld>
@@ -4152,7 +4972,7 @@
     </p:spTree>
     <p:extLst>
       <p:ext uri="{BB962C8B-B14F-4D97-AF65-F5344CB8AC3E}">
-        <p14:creationId xmlns:p14="http://schemas.microsoft.com/office/powerpoint/2010/main" val="2213001308"/>
+        <p14:creationId xmlns:p14="http://schemas.microsoft.com/office/powerpoint/2010/main" val="1949620210"/>
       </p:ext>
     </p:extLst>
   </p:cSld>
@@ -4373,12 +5193,12 @@
             <a:pPr>
               <a:defRPr/>
             </a:pPr>
-            <a:fld id="{B575DCB9-CCFA-024B-8781-22736FE723FD}" type="datetime1">
+            <a:fld id="{CF3FDDA8-DFE2-794D-9469-18250F189BBE}" type="datetime1">
               <a:rPr lang="en-US"/>
               <a:pPr>
                 <a:defRPr/>
               </a:pPr>
-              <a:t>11/18/14</a:t>
+              <a:t>11/14/15</a:t>
             </a:fld>
             <a:endParaRPr lang="en-US"/>
           </a:p>
@@ -4466,7 +5286,7 @@
             <a:pPr>
               <a:defRPr/>
             </a:pPr>
-            <a:fld id="{DC090146-E435-DE46-844D-F5BC5EBEFB92}" type="slidenum">
+            <a:fld id="{D133E7D2-33FF-EC4A-AE37-9A522B04AD5B}" type="slidenum">
               <a:rPr lang="en-US"/>
               <a:pPr>
                 <a:defRPr/>
@@ -5134,6 +5954,631 @@
       </p:grpSpPr>
       <p:sp>
         <p:nvSpPr>
+          <p:cNvPr id="31745" name="Title 1"/>
+          <p:cNvSpPr>
+            <a:spLocks noGrp="1"/>
+          </p:cNvSpPr>
+          <p:nvPr>
+            <p:ph type="title"/>
+          </p:nvPr>
+        </p:nvSpPr>
+        <p:spPr>
+          <a:xfrm>
+            <a:off x="152400" y="44450"/>
+            <a:ext cx="8839200" cy="1143000"/>
+          </a:xfrm>
+        </p:spPr>
+        <p:txBody>
+          <a:bodyPr/>
+          <a:lstStyle/>
+          <a:p>
+            <a:r>
+              <a:rPr lang="en-US" sz="3200" dirty="0" smtClean="0">
+                <a:latin typeface="Calibri" charset="0"/>
+                <a:ea typeface="ＭＳ Ｐゴシック" charset="0"/>
+              </a:rPr>
+              <a:t>Perform </a:t>
+            </a:r>
+            <a:r>
+              <a:rPr lang="en-US" sz="3200" dirty="0">
+                <a:latin typeface="Calibri" charset="0"/>
+                <a:ea typeface="ＭＳ Ｐゴシック" charset="0"/>
+              </a:rPr>
+              <a:t>differential expression analysis with </a:t>
+            </a:r>
+            <a:r>
+              <a:rPr lang="en-US" sz="3200" dirty="0" err="1">
+                <a:latin typeface="Calibri" charset="0"/>
+                <a:ea typeface="ＭＳ Ｐゴシック" charset="0"/>
+              </a:rPr>
+              <a:t>edgeR</a:t>
+            </a:r>
+            <a:r>
+              <a:rPr lang="en-US" sz="3200" dirty="0">
+                <a:latin typeface="Calibri" charset="0"/>
+                <a:ea typeface="ＭＳ Ｐゴシック" charset="0"/>
+              </a:rPr>
+              <a:t> using </a:t>
+            </a:r>
+            <a:r>
+              <a:rPr lang="en-US" sz="3200" dirty="0" err="1">
+                <a:latin typeface="Calibri" charset="0"/>
+                <a:ea typeface="ＭＳ Ｐゴシック" charset="0"/>
+              </a:rPr>
+              <a:t>htseq</a:t>
+            </a:r>
+            <a:r>
+              <a:rPr lang="en-US" sz="3200" dirty="0">
+                <a:latin typeface="Calibri" charset="0"/>
+                <a:ea typeface="ＭＳ Ｐゴシック" charset="0"/>
+              </a:rPr>
+              <a:t> output (optional)</a:t>
+            </a:r>
+          </a:p>
+        </p:txBody>
+      </p:sp>
+      <p:sp>
+        <p:nvSpPr>
+          <p:cNvPr id="31746" name="Content Placeholder 2"/>
+          <p:cNvSpPr>
+            <a:spLocks noGrp="1"/>
+          </p:cNvSpPr>
+          <p:nvPr>
+            <p:ph idx="1"/>
+          </p:nvPr>
+        </p:nvSpPr>
+        <p:spPr>
+          <a:xfrm>
+            <a:off x="152400" y="1268413"/>
+            <a:ext cx="8839200" cy="5056187"/>
+          </a:xfrm>
+        </p:spPr>
+        <p:txBody>
+          <a:bodyPr/>
+          <a:lstStyle/>
+          <a:p>
+            <a:pPr>
+              <a:lnSpc>
+                <a:spcPct val="90000"/>
+              </a:lnSpc>
+            </a:pPr>
+            <a:r>
+              <a:rPr lang="en-US" sz="2600">
+                <a:latin typeface="Calibri" charset="0"/>
+                <a:ea typeface="ＭＳ Ｐゴシック" charset="0"/>
+              </a:rPr>
+              <a:t>Make use of raw counts generated by htseq-count</a:t>
+            </a:r>
+          </a:p>
+          <a:p>
+            <a:pPr>
+              <a:lnSpc>
+                <a:spcPct val="90000"/>
+              </a:lnSpc>
+            </a:pPr>
+            <a:r>
+              <a:rPr lang="en-US" sz="2600">
+                <a:latin typeface="Calibri" charset="0"/>
+                <a:ea typeface="ＭＳ Ｐゴシック" charset="0"/>
+              </a:rPr>
+              <a:t>Load into R and process with edgeR package</a:t>
+            </a:r>
+          </a:p>
+          <a:p>
+            <a:pPr>
+              <a:lnSpc>
+                <a:spcPct val="90000"/>
+              </a:lnSpc>
+            </a:pPr>
+            <a:r>
+              <a:rPr lang="en-US" sz="2600">
+                <a:latin typeface="Calibri" charset="0"/>
+                <a:ea typeface="ＭＳ Ｐゴシック" charset="0"/>
+              </a:rPr>
+              <a:t>Compare significantly differentially expressed genes from two methods</a:t>
+            </a:r>
+          </a:p>
+          <a:p>
+            <a:pPr>
+              <a:lnSpc>
+                <a:spcPct val="90000"/>
+              </a:lnSpc>
+            </a:pPr>
+            <a:endParaRPr lang="en-US" sz="2600">
+              <a:latin typeface="Calibri" charset="0"/>
+              <a:ea typeface="ＭＳ Ｐゴシック" charset="0"/>
+            </a:endParaRPr>
+          </a:p>
+        </p:txBody>
+      </p:sp>
+      <p:pic>
+        <p:nvPicPr>
+          <p:cNvPr id="2" name="Picture 1"/>
+          <p:cNvPicPr>
+            <a:picLocks noChangeAspect="1"/>
+          </p:cNvPicPr>
+          <p:nvPr/>
+        </p:nvPicPr>
+        <p:blipFill rotWithShape="1">
+          <a:blip r:embed="rId3"/>
+          <a:srcRect l="10528" t="20392" r="10234" b="25227"/>
+          <a:stretch/>
+        </p:blipFill>
+        <p:spPr>
+          <a:xfrm>
+            <a:off x="2162187" y="2780928"/>
+            <a:ext cx="4930093" cy="3383473"/>
+          </a:xfrm>
+          <a:prstGeom prst="rect">
+            <a:avLst/>
+          </a:prstGeom>
+        </p:spPr>
+      </p:pic>
+    </p:spTree>
+    <p:extLst>
+      <p:ext uri="{BB962C8B-B14F-4D97-AF65-F5344CB8AC3E}">
+        <p14:creationId xmlns:p14="http://schemas.microsoft.com/office/powerpoint/2010/main" val="4001465587"/>
+      </p:ext>
+    </p:extLst>
+  </p:cSld>
+  <p:clrMapOvr>
+    <a:masterClrMapping/>
+  </p:clrMapOvr>
+  <p:timing>
+    <p:tnLst>
+      <p:par>
+        <p:cTn xmlns:p14="http://schemas.microsoft.com/office/powerpoint/2010/main" id="1" dur="indefinite" restart="never" nodeType="tmRoot"/>
+      </p:par>
+    </p:tnLst>
+  </p:timing>
+</p:sld>
+</file>
+
+<file path=ppt/slides/slide11.xml><?xml version="1.0" encoding="utf-8"?>
+<p:sld xmlns:a="http://schemas.openxmlformats.org/drawingml/2006/main" xmlns:r="http://schemas.openxmlformats.org/officeDocument/2006/relationships" xmlns:p="http://schemas.openxmlformats.org/presentationml/2006/main">
+  <p:cSld>
+    <p:spTree>
+      <p:nvGrpSpPr>
+        <p:cNvPr id="1" name=""/>
+        <p:cNvGrpSpPr/>
+        <p:nvPr/>
+      </p:nvGrpSpPr>
+      <p:grpSpPr>
+        <a:xfrm>
+          <a:off x="0" y="0"/>
+          <a:ext cx="0" cy="0"/>
+          <a:chOff x="0" y="0"/>
+          <a:chExt cx="0" cy="0"/>
+        </a:xfrm>
+      </p:grpSpPr>
+      <p:sp>
+        <p:nvSpPr>
+          <p:cNvPr id="2" name="Title 1"/>
+          <p:cNvSpPr>
+            <a:spLocks noGrp="1"/>
+          </p:cNvSpPr>
+          <p:nvPr>
+            <p:ph type="title"/>
+          </p:nvPr>
+        </p:nvSpPr>
+        <p:spPr/>
+        <p:txBody>
+          <a:bodyPr/>
+          <a:lstStyle/>
+          <a:p>
+            <a:r>
+              <a:rPr lang="en-US" sz="3600" dirty="0" smtClean="0"/>
+              <a:t>Analysis of ERCC spike-in expression and differential expression (optional)</a:t>
+            </a:r>
+            <a:endParaRPr lang="en-US" sz="3600" dirty="0"/>
+          </a:p>
+        </p:txBody>
+      </p:sp>
+      <p:pic>
+        <p:nvPicPr>
+          <p:cNvPr id="6" name="Content Placeholder 5" descr="Screen Shot 2014-11-17 at 5.29.59 PM.png"/>
+          <p:cNvPicPr>
+            <a:picLocks noGrp="1" noChangeAspect="1"/>
+          </p:cNvPicPr>
+          <p:nvPr>
+            <p:ph idx="1"/>
+          </p:nvPr>
+        </p:nvPicPr>
+        <p:blipFill>
+          <a:blip r:embed="rId2">
+            <a:extLst>
+              <a:ext uri="{28A0092B-C50C-407E-A947-70E740481C1C}">
+                <a14:useLocalDpi xmlns:a14="http://schemas.microsoft.com/office/drawing/2010/main" val="0"/>
+              </a:ext>
+            </a:extLst>
+          </a:blip>
+          <a:srcRect l="-18197" r="-18197"/>
+          <a:stretch>
+            <a:fillRect/>
+          </a:stretch>
+        </p:blipFill>
+        <p:spPr>
+          <a:xfrm>
+            <a:off x="0" y="3789040"/>
+            <a:ext cx="3960666" cy="2116832"/>
+          </a:xfrm>
+        </p:spPr>
+      </p:pic>
+      <p:pic>
+        <p:nvPicPr>
+          <p:cNvPr id="7" name="Picture 6" descr="Screen Shot 2014-11-17 at 5.30.06 PM.png"/>
+          <p:cNvPicPr>
+            <a:picLocks noChangeAspect="1"/>
+          </p:cNvPicPr>
+          <p:nvPr/>
+        </p:nvPicPr>
+        <p:blipFill>
+          <a:blip r:embed="rId3">
+            <a:extLst>
+              <a:ext uri="{28A0092B-C50C-407E-A947-70E740481C1C}">
+                <a14:useLocalDpi xmlns:a14="http://schemas.microsoft.com/office/drawing/2010/main" val="0"/>
+              </a:ext>
+            </a:extLst>
+          </a:blip>
+          <a:stretch>
+            <a:fillRect/>
+          </a:stretch>
+        </p:blipFill>
+        <p:spPr>
+          <a:xfrm>
+            <a:off x="3491880" y="3853803"/>
+            <a:ext cx="2844637" cy="2558440"/>
+          </a:xfrm>
+          <a:prstGeom prst="rect">
+            <a:avLst/>
+          </a:prstGeom>
+        </p:spPr>
+      </p:pic>
+      <p:pic>
+        <p:nvPicPr>
+          <p:cNvPr id="8" name="Picture 7" descr="Screen Shot 2014-11-17 at 5.30.27 PM.png"/>
+          <p:cNvPicPr>
+            <a:picLocks noChangeAspect="1"/>
+          </p:cNvPicPr>
+          <p:nvPr/>
+        </p:nvPicPr>
+        <p:blipFill>
+          <a:blip r:embed="rId4">
+            <a:extLst>
+              <a:ext uri="{28A0092B-C50C-407E-A947-70E740481C1C}">
+                <a14:useLocalDpi xmlns:a14="http://schemas.microsoft.com/office/drawing/2010/main" val="0"/>
+              </a:ext>
+            </a:extLst>
+          </a:blip>
+          <a:stretch>
+            <a:fillRect/>
+          </a:stretch>
+        </p:blipFill>
+        <p:spPr>
+          <a:xfrm>
+            <a:off x="6084168" y="3861048"/>
+            <a:ext cx="2866380" cy="2425399"/>
+          </a:xfrm>
+          <a:prstGeom prst="rect">
+            <a:avLst/>
+          </a:prstGeom>
+        </p:spPr>
+      </p:pic>
+      <p:sp>
+        <p:nvSpPr>
+          <p:cNvPr id="10" name="Content Placeholder 2"/>
+          <p:cNvSpPr txBox="1">
+            <a:spLocks/>
+          </p:cNvSpPr>
+          <p:nvPr/>
+        </p:nvSpPr>
+        <p:spPr bwMode="auto">
+          <a:xfrm>
+            <a:off x="197296" y="1628453"/>
+            <a:ext cx="8839200" cy="2448619"/>
+          </a:xfrm>
+          <a:prstGeom prst="rect">
+            <a:avLst/>
+          </a:prstGeom>
+          <a:noFill/>
+          <a:ln>
+            <a:noFill/>
+          </a:ln>
+          <a:extLst>
+            <a:ext uri="{909E8E84-426E-40dd-AFC4-6F175D3DCCD1}">
+              <a14:hiddenFill xmlns:a14="http://schemas.microsoft.com/office/drawing/2010/main">
+                <a:solidFill>
+                  <a:srgbClr val="FFFFFF"/>
+                </a:solidFill>
+              </a14:hiddenFill>
+            </a:ext>
+            <a:ext uri="{91240B29-F687-4f45-9708-019B960494DF}">
+              <a14:hiddenLine xmlns:a14="http://schemas.microsoft.com/office/drawing/2010/main" w="9525">
+                <a:solidFill>
+                  <a:srgbClr val="000000"/>
+                </a:solidFill>
+                <a:miter lim="800000"/>
+                <a:headEnd/>
+                <a:tailEnd/>
+              </a14:hiddenLine>
+            </a:ext>
+            <a:ext uri="{FAA26D3D-D897-4be2-8F04-BA451C77F1D7}">
+              <ma14:placeholderFlag xmlns:ma14="http://schemas.microsoft.com/office/mac/drawingml/2011/main" val="1"/>
+            </a:ext>
+          </a:extLst>
+        </p:spPr>
+        <p:txBody>
+          <a:bodyPr vert="horz" wrap="square" lIns="91440" tIns="45720" rIns="91440" bIns="45720" numCol="1" anchor="t" anchorCtr="0" compatLnSpc="1">
+            <a:prstTxWarp prst="textNoShape">
+              <a:avLst/>
+            </a:prstTxWarp>
+          </a:bodyPr>
+          <a:lstStyle>
+            <a:lvl1pPr marL="342900" indent="-342900" algn="l" rtl="0" eaLnBrk="0" fontAlgn="base" hangingPunct="0">
+              <a:spcBef>
+                <a:spcPct val="20000"/>
+              </a:spcBef>
+              <a:spcAft>
+                <a:spcPct val="0"/>
+              </a:spcAft>
+              <a:buFont typeface="Arial" charset="0"/>
+              <a:buChar char="•"/>
+              <a:defRPr sz="2800" kern="1200">
+                <a:solidFill>
+                  <a:schemeClr val="tx1"/>
+                </a:solidFill>
+                <a:latin typeface="Calibri"/>
+                <a:ea typeface="ＭＳ Ｐゴシック" pitchFamily="-28" charset="-128"/>
+                <a:cs typeface="Calibri"/>
+              </a:defRPr>
+            </a:lvl1pPr>
+            <a:lvl2pPr marL="742950" indent="-285750" algn="l" rtl="0" eaLnBrk="0" fontAlgn="base" hangingPunct="0">
+              <a:spcBef>
+                <a:spcPct val="20000"/>
+              </a:spcBef>
+              <a:spcAft>
+                <a:spcPct val="0"/>
+              </a:spcAft>
+              <a:buFont typeface="Arial" charset="0"/>
+              <a:buChar char="–"/>
+              <a:defRPr sz="2400" kern="1200">
+                <a:solidFill>
+                  <a:schemeClr val="tx1"/>
+                </a:solidFill>
+                <a:latin typeface="Calibri"/>
+                <a:ea typeface="ＭＳ Ｐゴシック" pitchFamily="-28" charset="-128"/>
+                <a:cs typeface="Calibri"/>
+              </a:defRPr>
+            </a:lvl2pPr>
+            <a:lvl3pPr marL="1143000" indent="-228600" algn="l" rtl="0" eaLnBrk="0" fontAlgn="base" hangingPunct="0">
+              <a:spcBef>
+                <a:spcPct val="20000"/>
+              </a:spcBef>
+              <a:spcAft>
+                <a:spcPct val="0"/>
+              </a:spcAft>
+              <a:buFont typeface="Arial" charset="0"/>
+              <a:buChar char="•"/>
+              <a:defRPr sz="2000" kern="1200">
+                <a:solidFill>
+                  <a:schemeClr val="tx1"/>
+                </a:solidFill>
+                <a:latin typeface="Calibri"/>
+                <a:ea typeface="ＭＳ Ｐゴシック" pitchFamily="-28" charset="-128"/>
+                <a:cs typeface="Calibri"/>
+              </a:defRPr>
+            </a:lvl3pPr>
+            <a:lvl4pPr marL="1600200" indent="-228600" algn="l" rtl="0" eaLnBrk="0" fontAlgn="base" hangingPunct="0">
+              <a:spcBef>
+                <a:spcPct val="20000"/>
+              </a:spcBef>
+              <a:spcAft>
+                <a:spcPct val="0"/>
+              </a:spcAft>
+              <a:buFont typeface="Arial" charset="0"/>
+              <a:buChar char="–"/>
+              <a:defRPr kern="1200">
+                <a:solidFill>
+                  <a:schemeClr val="tx1"/>
+                </a:solidFill>
+                <a:latin typeface="Calibri"/>
+                <a:ea typeface="ＭＳ Ｐゴシック" pitchFamily="-28" charset="-128"/>
+                <a:cs typeface="Calibri"/>
+              </a:defRPr>
+            </a:lvl4pPr>
+            <a:lvl5pPr marL="2057400" indent="-228600" algn="l" rtl="0" eaLnBrk="0" fontAlgn="base" hangingPunct="0">
+              <a:spcBef>
+                <a:spcPct val="20000"/>
+              </a:spcBef>
+              <a:spcAft>
+                <a:spcPct val="0"/>
+              </a:spcAft>
+              <a:buFont typeface="Arial" charset="0"/>
+              <a:buChar char="»"/>
+              <a:defRPr kern="1200">
+                <a:solidFill>
+                  <a:schemeClr val="tx1"/>
+                </a:solidFill>
+                <a:latin typeface="Calibri"/>
+                <a:ea typeface="ＭＳ Ｐゴシック" pitchFamily="-28" charset="-128"/>
+                <a:cs typeface="Calibri"/>
+              </a:defRPr>
+            </a:lvl5pPr>
+            <a:lvl6pPr marL="2514600" indent="-228600" algn="l" defTabSz="914400" rtl="0" eaLnBrk="1" latinLnBrk="0" hangingPunct="1">
+              <a:spcBef>
+                <a:spcPct val="20000"/>
+              </a:spcBef>
+              <a:buFont typeface="Arial" pitchFamily="34" charset="0"/>
+              <a:buChar char="•"/>
+              <a:defRPr sz="2000" kern="1200">
+                <a:solidFill>
+                  <a:schemeClr val="tx1"/>
+                </a:solidFill>
+                <a:latin typeface="+mn-lt"/>
+                <a:ea typeface="+mn-ea"/>
+                <a:cs typeface="+mn-cs"/>
+              </a:defRPr>
+            </a:lvl6pPr>
+            <a:lvl7pPr marL="2971800" indent="-228600" algn="l" defTabSz="914400" rtl="0" eaLnBrk="1" latinLnBrk="0" hangingPunct="1">
+              <a:spcBef>
+                <a:spcPct val="20000"/>
+              </a:spcBef>
+              <a:buFont typeface="Arial" pitchFamily="34" charset="0"/>
+              <a:buChar char="•"/>
+              <a:defRPr sz="2000" kern="1200">
+                <a:solidFill>
+                  <a:schemeClr val="tx1"/>
+                </a:solidFill>
+                <a:latin typeface="+mn-lt"/>
+                <a:ea typeface="+mn-ea"/>
+                <a:cs typeface="+mn-cs"/>
+              </a:defRPr>
+            </a:lvl7pPr>
+            <a:lvl8pPr marL="3429000" indent="-228600" algn="l" defTabSz="914400" rtl="0" eaLnBrk="1" latinLnBrk="0" hangingPunct="1">
+              <a:spcBef>
+                <a:spcPct val="20000"/>
+              </a:spcBef>
+              <a:buFont typeface="Arial" pitchFamily="34" charset="0"/>
+              <a:buChar char="•"/>
+              <a:defRPr sz="2000" kern="1200">
+                <a:solidFill>
+                  <a:schemeClr val="tx1"/>
+                </a:solidFill>
+                <a:latin typeface="+mn-lt"/>
+                <a:ea typeface="+mn-ea"/>
+                <a:cs typeface="+mn-cs"/>
+              </a:defRPr>
+            </a:lvl8pPr>
+            <a:lvl9pPr marL="3886200" indent="-228600" algn="l" defTabSz="914400" rtl="0" eaLnBrk="1" latinLnBrk="0" hangingPunct="1">
+              <a:spcBef>
+                <a:spcPct val="20000"/>
+              </a:spcBef>
+              <a:buFont typeface="Arial" pitchFamily="34" charset="0"/>
+              <a:buChar char="•"/>
+              <a:defRPr sz="2000" kern="1200">
+                <a:solidFill>
+                  <a:schemeClr val="tx1"/>
+                </a:solidFill>
+                <a:latin typeface="+mn-lt"/>
+                <a:ea typeface="+mn-ea"/>
+                <a:cs typeface="+mn-cs"/>
+              </a:defRPr>
+            </a:lvl9pPr>
+          </a:lstStyle>
+          <a:p>
+            <a:pPr>
+              <a:lnSpc>
+                <a:spcPct val="90000"/>
+              </a:lnSpc>
+            </a:pPr>
+            <a:r>
+              <a:rPr lang="en-US" sz="2600" dirty="0">
+                <a:latin typeface="Calibri" charset="0"/>
+                <a:ea typeface="ＭＳ Ｐゴシック" charset="0"/>
+                <a:hlinkClick r:id="rId5"/>
+              </a:rPr>
+              <a:t>https://tools.lifetechnologies.com/content/sfs/manuals/cms_086340.</a:t>
+            </a:r>
+            <a:r>
+              <a:rPr lang="en-US" sz="2600" dirty="0" smtClean="0">
+                <a:latin typeface="Calibri" charset="0"/>
+                <a:ea typeface="ＭＳ Ｐゴシック" charset="0"/>
+                <a:hlinkClick r:id="rId5"/>
+              </a:rPr>
+              <a:t>pdf</a:t>
+            </a:r>
+            <a:endParaRPr lang="en-US" sz="2600" dirty="0" smtClean="0">
+              <a:latin typeface="Calibri" charset="0"/>
+              <a:ea typeface="ＭＳ Ｐゴシック" charset="0"/>
+            </a:endParaRPr>
+          </a:p>
+          <a:p>
+            <a:pPr>
+              <a:lnSpc>
+                <a:spcPct val="90000"/>
+              </a:lnSpc>
+            </a:pPr>
+            <a:r>
+              <a:rPr lang="en-US" sz="2600" dirty="0" smtClean="0">
+                <a:latin typeface="Calibri" charset="0"/>
+                <a:ea typeface="ＭＳ Ｐゴシック" charset="0"/>
+              </a:rPr>
+              <a:t>Lower Limit of Detection</a:t>
+            </a:r>
+          </a:p>
+          <a:p>
+            <a:pPr>
+              <a:lnSpc>
+                <a:spcPct val="90000"/>
+              </a:lnSpc>
+            </a:pPr>
+            <a:r>
+              <a:rPr lang="en-US" sz="2600" dirty="0" smtClean="0">
+                <a:latin typeface="Calibri" charset="0"/>
+                <a:ea typeface="ＭＳ Ｐゴシック" charset="0"/>
+              </a:rPr>
+              <a:t>Dynamic Range (dose response)</a:t>
+            </a:r>
+          </a:p>
+          <a:p>
+            <a:pPr>
+              <a:lnSpc>
+                <a:spcPct val="90000"/>
+              </a:lnSpc>
+            </a:pPr>
+            <a:r>
+              <a:rPr lang="en-US" sz="2600" dirty="0" smtClean="0">
+                <a:latin typeface="Calibri" charset="0"/>
+                <a:ea typeface="ＭＳ Ｐゴシック" charset="0"/>
+              </a:rPr>
+              <a:t>Fold-change response (DE)</a:t>
+            </a:r>
+          </a:p>
+          <a:p>
+            <a:pPr>
+              <a:lnSpc>
+                <a:spcPct val="90000"/>
+              </a:lnSpc>
+            </a:pPr>
+            <a:endParaRPr lang="en-US" sz="2600" dirty="0">
+              <a:latin typeface="Calibri" charset="0"/>
+              <a:ea typeface="ＭＳ Ｐゴシック" charset="0"/>
+            </a:endParaRPr>
+          </a:p>
+        </p:txBody>
+      </p:sp>
+    </p:spTree>
+    <p:extLst>
+      <p:ext uri="{BB962C8B-B14F-4D97-AF65-F5344CB8AC3E}">
+        <p14:creationId xmlns:p14="http://schemas.microsoft.com/office/powerpoint/2010/main" val="763481979"/>
+      </p:ext>
+    </p:extLst>
+  </p:cSld>
+  <p:clrMapOvr>
+    <a:masterClrMapping/>
+  </p:clrMapOvr>
+</p:sld>
+</file>
+
+<file path=ppt/slides/slide12.xml><?xml version="1.0" encoding="utf-8"?>
+<p:sld xmlns:a="http://schemas.openxmlformats.org/drawingml/2006/main" xmlns:r="http://schemas.openxmlformats.org/officeDocument/2006/relationships" xmlns:p="http://schemas.openxmlformats.org/presentationml/2006/main">
+  <p:cSld>
+    <p:spTree>
+      <p:nvGrpSpPr>
+        <p:cNvPr id="1" name=""/>
+        <p:cNvGrpSpPr/>
+        <p:nvPr/>
+      </p:nvGrpSpPr>
+      <p:grpSpPr>
+        <a:xfrm>
+          <a:off x="0" y="0"/>
+          <a:ext cx="0" cy="0"/>
+          <a:chOff x="0" y="0"/>
+          <a:chExt cx="0" cy="0"/>
+        </a:xfrm>
+      </p:grpSpPr>
+      <p:sp>
+        <p:nvSpPr>
           <p:cNvPr id="11265" name="Content Placeholder 3"/>
           <p:cNvSpPr>
             <a:spLocks noGrp="1"/>
@@ -5514,9 +6959,68 @@
                 <a:latin typeface="Calibri" charset="0"/>
                 <a:cs typeface="Segoe UI" charset="0"/>
               </a:rPr>
-              <a:t>Module 3</a:t>
+              <a:t>RNA-</a:t>
+            </a:r>
+            <a:r>
+              <a:rPr lang="en-US" sz="2000" dirty="0" err="1">
+                <a:solidFill>
+                  <a:schemeClr val="bg1"/>
+                </a:solidFill>
+                <a:latin typeface="Calibri" charset="0"/>
+                <a:cs typeface="Segoe UI" charset="0"/>
+              </a:rPr>
+              <a:t>S</a:t>
+            </a:r>
+            <a:r>
+              <a:rPr lang="en-US" sz="2000" dirty="0" err="1" smtClean="0">
+                <a:solidFill>
+                  <a:schemeClr val="bg1"/>
+                </a:solidFill>
+                <a:latin typeface="Calibri" charset="0"/>
+                <a:cs typeface="Segoe UI" charset="0"/>
+              </a:rPr>
+              <a:t>eq</a:t>
+            </a:r>
+            <a:r>
+              <a:rPr lang="en-US" sz="2000" dirty="0" smtClean="0">
+                <a:solidFill>
+                  <a:schemeClr val="bg1"/>
+                </a:solidFill>
+                <a:latin typeface="Calibri" charset="0"/>
+                <a:cs typeface="Segoe UI" charset="0"/>
+              </a:rPr>
+              <a:t> Module </a:t>
+            </a:r>
+            <a:r>
+              <a:rPr lang="en-US" sz="2000" dirty="0">
+                <a:solidFill>
+                  <a:schemeClr val="bg1"/>
+                </a:solidFill>
+                <a:latin typeface="Calibri" charset="0"/>
+                <a:cs typeface="Segoe UI" charset="0"/>
+              </a:rPr>
+              <a:t>3</a:t>
+            </a:r>
+            <a:r>
+              <a:rPr lang="en-US" sz="2000" dirty="0">
+                <a:solidFill>
+                  <a:schemeClr val="bg1"/>
+                </a:solidFill>
+                <a:latin typeface="Calibri" charset="0"/>
+                <a:cs typeface="Segoe UI" charset="0"/>
+              </a:rPr>
+              <a:t/>
             </a:r>
             <a:br>
+              <a:rPr lang="en-US" sz="2000" dirty="0">
+                <a:solidFill>
+                  <a:schemeClr val="bg1"/>
+                </a:solidFill>
+                <a:latin typeface="Calibri" charset="0"/>
+                <a:cs typeface="Segoe UI" charset="0"/>
+              </a:rPr>
+            </a:br>
+            <a:r>
               <a:rPr lang="en-US" sz="2000" dirty="0" smtClean="0">
                 <a:solidFill>
                   <a:schemeClr val="bg1"/>
@@ -5524,7 +7028,8 @@
                 <a:latin typeface="Calibri" charset="0"/>
                 <a:cs typeface="Segoe UI" charset="0"/>
               </a:rPr>
-            </a:br>
+              <a:t>Expression and Differential Expression</a:t>
+            </a:r>
             <a:r>
               <a:rPr lang="en-US" sz="2000" dirty="0" smtClean="0">
                 <a:solidFill>
@@ -5533,7 +7038,27 @@
                 <a:latin typeface="Calibri" charset="0"/>
                 <a:cs typeface="Segoe UI" charset="0"/>
               </a:rPr>
-              <a:t>RNA-seq alignment and visualization (tutorial)</a:t>
+              <a:t> (</a:t>
+            </a:r>
+            <a:r>
+              <a:rPr lang="en-US" sz="2000" dirty="0" smtClean="0">
+                <a:solidFill>
+                  <a:schemeClr val="bg1"/>
+                </a:solidFill>
+                <a:latin typeface="Calibri" charset="0"/>
+                <a:cs typeface="Segoe UI" charset="0"/>
+              </a:rPr>
+              <a:t>tutorial</a:t>
+            </a:r>
+            <a:r>
+              <a:rPr lang="en-US" sz="2000" dirty="0" smtClean="0">
+                <a:solidFill>
+                  <a:schemeClr val="bg1"/>
+                </a:solidFill>
+                <a:latin typeface="Calibri" charset="0"/>
+                <a:cs typeface="Segoe UI" charset="0"/>
+              </a:rPr>
+              <a:t>)</a:t>
             </a:r>
             <a:endParaRPr lang="en-US" sz="1800" b="1" dirty="0">
               <a:solidFill>
@@ -5587,21 +7112,8 @@
                 <a:ea typeface="+mj-ea"/>
                 <a:cs typeface="Calibri"/>
               </a:rPr>
-              <a:t>Malachi Griffith, Obi Griffith, Jason Walker, Ben </a:t>
-            </a:r>
-            <a:r>
-              <a:rPr lang="en-US" sz="1600" dirty="0" err="1" smtClean="0">
-                <a:latin typeface="Calibri"/>
-                <a:ea typeface="+mj-ea"/>
-                <a:cs typeface="Calibri"/>
-              </a:rPr>
-              <a:t>Ainscough</a:t>
-            </a:r>
-            <a:endParaRPr lang="en-US" sz="1600" dirty="0" smtClean="0">
-              <a:latin typeface="Calibri"/>
-              <a:ea typeface="+mj-ea"/>
-              <a:cs typeface="Calibri"/>
-            </a:endParaRPr>
+              <a:t>Malachi Griffith, Obi Griffith, Jason Walker</a:t>
+            </a:r>
           </a:p>
           <a:p>
             <a:pPr fontAlgn="auto">
@@ -5635,7 +7147,7 @@
               <a:defRPr/>
             </a:pPr>
             <a:r>
-              <a:rPr lang="en-US" sz="1400" dirty="0" smtClean="0">
+              <a:rPr lang="en-US" sz="1400" dirty="0">
                 <a:ln w="1270">
                   <a:solidFill>
                     <a:schemeClr val="tx1">
@@ -5647,12 +7159,29 @@
                 <a:ea typeface="+mn-ea"/>
                 <a:cs typeface="Calibri"/>
               </a:rPr>
-              <a:t>November 11-23, 2014</a:t>
-            </a:r>
+              <a:t>November 10 - 22, 2015</a:t>
+            </a:r>
+            <a:endParaRPr lang="en-US" sz="1400" dirty="0" smtClean="0">
+              <a:ln w="1270">
+                <a:solidFill>
+                  <a:schemeClr val="tx1">
+                    <a:alpha val="38000"/>
+                  </a:schemeClr>
+                </a:solidFill>
+              </a:ln>
+              <a:latin typeface="Calibri"/>
+              <a:ea typeface="+mn-ea"/>
+              <a:cs typeface="Calibri"/>
+            </a:endParaRPr>
           </a:p>
         </p:txBody>
       </p:sp>
     </p:spTree>
+    <p:extLst>
+      <p:ext uri="{BB962C8B-B14F-4D97-AF65-F5344CB8AC3E}">
+        <p14:creationId xmlns:p14="http://schemas.microsoft.com/office/powerpoint/2010/main" val="3250606954"/>
+      </p:ext>
+    </p:extLst>
   </p:cSld>
   <p:clrMapOvr>
     <a:masterClrMapping/>
@@ -5686,7 +7215,7 @@
       </p:grpSpPr>
       <p:sp>
         <p:nvSpPr>
-          <p:cNvPr id="12289" name="Rectangle 2"/>
+          <p:cNvPr id="15361" name="Rectangle 2"/>
           <p:cNvSpPr>
             <a:spLocks noGrp="1" noChangeArrowheads="1"/>
           </p:cNvSpPr>
@@ -5718,7 +7247,7 @@
       </p:sp>
       <p:sp>
         <p:nvSpPr>
-          <p:cNvPr id="12290" name="Content Placeholder 6"/>
+          <p:cNvPr id="15362" name="Content Placeholder 6"/>
           <p:cNvSpPr>
             <a:spLocks noGrp="1"/>
           </p:cNvSpPr>
@@ -5729,25 +7258,19 @@
         <p:spPr>
           <a:xfrm>
             <a:off x="179388" y="981075"/>
-            <a:ext cx="8856662" cy="5184775"/>
+            <a:ext cx="8839200" cy="4906963"/>
           </a:xfrm>
         </p:spPr>
         <p:txBody>
           <a:bodyPr/>
           <a:lstStyle/>
           <a:p>
-            <a:endParaRPr lang="en-US">
-              <a:latin typeface="Calibri" charset="0"/>
-              <a:ea typeface="ＭＳ Ｐゴシック" charset="0"/>
-            </a:endParaRPr>
-          </a:p>
-          <a:p>
             <a:r>
               <a:rPr lang="en-US">
                 <a:latin typeface="Calibri" charset="0"/>
                 <a:ea typeface="ＭＳ Ｐゴシック" charset="0"/>
               </a:rPr>
-              <a:t>Run Bowtie2/TopHat2 (or STAR) with parameters suitable for gene expression analysis</a:t>
+              <a:t>Generate gene/transcript expression estimates with cufflinks</a:t>
             </a:r>
           </a:p>
           <a:p>
@@ -5756,7 +7279,7 @@
                 <a:latin typeface="Calibri" charset="0"/>
                 <a:ea typeface="ＭＳ Ｐゴシック" charset="0"/>
               </a:rPr>
-              <a:t>Use samtools to demonstrate the features of the SAM/BAM format and basic manipulation of these alignment files (view, sort, index, filter)</a:t>
+              <a:t>Perform differential expression analysis with cuffmerge and cuffdiff</a:t>
             </a:r>
           </a:p>
           <a:p>
@@ -5765,25 +7288,27 @@
                 <a:latin typeface="Calibri" charset="0"/>
                 <a:ea typeface="ＭＳ Ｐゴシック" charset="0"/>
               </a:rPr>
-              <a:t>Use IGV to visualize RNA-seq alignments, view a variant position, etc.</a:t>
-            </a:r>
-          </a:p>
-          <a:p>
+              <a:t>Summarize and visualize results</a:t>
+            </a:r>
+          </a:p>
+          <a:p>
+            <a:pPr lvl="1"/>
             <a:r>
               <a:rPr lang="en-US">
                 <a:latin typeface="Calibri" charset="0"/>
                 <a:ea typeface="ＭＳ Ｐゴシック" charset="0"/>
               </a:rPr>
-              <a:t>Determine BAM-read counts at a variant position</a:t>
-            </a:r>
-          </a:p>
-          <a:p>
+              <a:t>cummeRbund</a:t>
+            </a:r>
+          </a:p>
+          <a:p>
+            <a:pPr lvl="1"/>
             <a:r>
               <a:rPr lang="en-US">
                 <a:latin typeface="Calibri" charset="0"/>
                 <a:ea typeface="ＭＳ Ｐゴシック" charset="0"/>
               </a:rPr>
-              <a:t>Use samtools flagstat, samstat, FastQC to assess quality of alignments</a:t>
+              <a:t>Old school R methods</a:t>
             </a:r>
           </a:p>
         </p:txBody>
@@ -5791,7 +7316,7 @@
     </p:spTree>
     <p:extLst>
       <p:ext uri="{BB962C8B-B14F-4D97-AF65-F5344CB8AC3E}">
-        <p14:creationId xmlns:p14="http://schemas.microsoft.com/office/powerpoint/2010/main" val="285921979"/>
+        <p14:creationId xmlns:p14="http://schemas.microsoft.com/office/powerpoint/2010/main" val="2858055832"/>
       </p:ext>
     </p:extLst>
   </p:cSld>
@@ -5827,7 +7352,7 @@
       </p:grpSpPr>
       <p:sp>
         <p:nvSpPr>
-          <p:cNvPr id="15361" name="Rectangle 2"/>
+          <p:cNvPr id="19457" name="Rectangle 2"/>
           <p:cNvSpPr>
             <a:spLocks noGrp="1" noChangeArrowheads="1"/>
           </p:cNvSpPr>
@@ -5852,7 +7377,7 @@
                 <a:ea typeface="ＭＳ Ｐゴシック" charset="0"/>
                 <a:cs typeface="ＭＳ Ｐゴシック" charset="0"/>
               </a:rPr>
-              <a:t>3-i. </a:t>
+              <a:t>4-i. </a:t>
             </a:r>
             <a:r>
               <a:rPr lang="en-US" altLang="ko-KR" dirty="0">
@@ -5860,27 +7385,14 @@
                 <a:ea typeface="ＭＳ Ｐゴシック" charset="0"/>
                 <a:cs typeface="ＭＳ Ｐゴシック" charset="0"/>
               </a:rPr>
-              <a:t>Align reads with </a:t>
-            </a:r>
-            <a:r>
-              <a:rPr lang="en-US" altLang="ko-KR" dirty="0" err="1">
-                <a:latin typeface="Calibri" charset="0"/>
-                <a:ea typeface="ＭＳ Ｐゴシック" charset="0"/>
-                <a:cs typeface="ＭＳ Ｐゴシック" charset="0"/>
-              </a:rPr>
-              <a:t>tophat</a:t>
-            </a:r>
-            <a:endParaRPr lang="en-US" altLang="ko-KR" dirty="0">
-              <a:latin typeface="Calibri" charset="0"/>
-              <a:ea typeface="ＭＳ Ｐゴシック" charset="0"/>
-              <a:cs typeface="ＭＳ Ｐゴシック" charset="0"/>
-            </a:endParaRPr>
+              <a:t>Generate expression estimates</a:t>
+            </a:r>
           </a:p>
         </p:txBody>
       </p:sp>
       <p:sp>
         <p:nvSpPr>
-          <p:cNvPr id="15362" name="Content Placeholder 6"/>
+          <p:cNvPr id="19458" name="Content Placeholder 6"/>
           <p:cNvSpPr>
             <a:spLocks noGrp="1"/>
           </p:cNvSpPr>
@@ -5900,249 +7412,283 @@
           <a:p>
             <a:pPr>
               <a:lnSpc>
-                <a:spcPct val="80000"/>
+                <a:spcPct val="90000"/>
               </a:lnSpc>
             </a:pPr>
             <a:r>
-              <a:rPr lang="en-US" sz="2600" dirty="0">
-                <a:latin typeface="Calibri" charset="0"/>
-                <a:ea typeface="ＭＳ Ｐゴシック" charset="0"/>
-              </a:rPr>
-              <a:t>Align all reads in the </a:t>
-            </a:r>
-            <a:r>
-              <a:rPr lang="en-US" sz="2600" dirty="0" smtClean="0">
-                <a:latin typeface="Calibri" charset="0"/>
-                <a:ea typeface="ＭＳ Ｐゴシック" charset="0"/>
-              </a:rPr>
-              <a:t>6 </a:t>
-            </a:r>
-            <a:r>
-              <a:rPr lang="en-US" sz="2600" dirty="0">
-                <a:latin typeface="Calibri" charset="0"/>
-                <a:ea typeface="ＭＳ Ｐゴシック" charset="0"/>
-              </a:rPr>
-              <a:t>libraries of the test data</a:t>
+              <a:rPr lang="en-US" sz="2400">
+                <a:latin typeface="Calibri" charset="0"/>
+                <a:ea typeface="ＭＳ Ｐゴシック" charset="0"/>
+              </a:rPr>
+              <a:t>The alignment SAM/BAM files generated in the previous step will now be used by cufflinks to calculate expression estimates </a:t>
             </a:r>
           </a:p>
           <a:p>
             <a:pPr lvl="1">
               <a:lnSpc>
-                <a:spcPct val="80000"/>
+                <a:spcPct val="90000"/>
               </a:lnSpc>
             </a:pPr>
             <a:r>
-              <a:rPr lang="en-US" sz="2200" dirty="0" smtClean="0">
-                <a:latin typeface="Calibri" charset="0"/>
-                <a:ea typeface="ＭＳ Ｐゴシック" charset="0"/>
-              </a:rPr>
-              <a:t>6 </a:t>
-            </a:r>
-            <a:r>
-              <a:rPr lang="en-US" sz="2200" dirty="0">
-                <a:latin typeface="Calibri" charset="0"/>
-                <a:ea typeface="ＭＳ Ｐゴシック" charset="0"/>
-              </a:rPr>
-              <a:t>libraries with two files each (one for each read1 and read2 of the paired-end reads)</a:t>
+              <a:rPr lang="en-US" sz="2000">
+                <a:latin typeface="Calibri" charset="0"/>
+                <a:ea typeface="ＭＳ Ｐゴシック" charset="0"/>
+              </a:rPr>
+              <a:t>For all transcripts on the target chromosome </a:t>
             </a:r>
           </a:p>
           <a:p>
             <a:pPr>
               <a:lnSpc>
-                <a:spcPct val="80000"/>
+                <a:spcPct val="90000"/>
               </a:lnSpc>
             </a:pPr>
             <a:r>
-              <a:rPr lang="en-US" sz="2600" dirty="0">
-                <a:latin typeface="Calibri" charset="0"/>
-                <a:ea typeface="ＭＳ Ｐゴシック" charset="0"/>
-              </a:rPr>
-              <a:t>Use </a:t>
-            </a:r>
-            <a:r>
-              <a:rPr lang="en-US" sz="2600" dirty="0" err="1">
-                <a:latin typeface="Calibri" charset="0"/>
-                <a:ea typeface="ＭＳ Ｐゴシック" charset="0"/>
-              </a:rPr>
-              <a:t>tophat</a:t>
-            </a:r>
-            <a:r>
-              <a:rPr lang="en-US" sz="2600" dirty="0">
-                <a:latin typeface="Calibri" charset="0"/>
-                <a:ea typeface="ＭＳ Ｐゴシック" charset="0"/>
-              </a:rPr>
-              <a:t> for the alignment</a:t>
+              <a:rPr lang="en-US" sz="2400">
+                <a:latin typeface="Calibri" charset="0"/>
+                <a:ea typeface="ＭＳ Ｐゴシック" charset="0"/>
+              </a:rPr>
+              <a:t>For this step an option, confusingly also called </a:t>
+            </a:r>
+            <a:r>
+              <a:rPr lang="ja-JP" altLang="en-US" sz="2400">
+                <a:latin typeface="Calibri" charset="0"/>
+                <a:ea typeface="ＭＳ Ｐゴシック" charset="0"/>
+              </a:rPr>
+              <a:t>‘</a:t>
+            </a:r>
+            <a:r>
+              <a:rPr lang="en-US" altLang="ja-JP" sz="2400">
+                <a:latin typeface="Calibri" charset="0"/>
+                <a:ea typeface="ＭＳ Ｐゴシック" charset="0"/>
+              </a:rPr>
+              <a:t>-G</a:t>
+            </a:r>
+            <a:r>
+              <a:rPr lang="ja-JP" altLang="en-US" sz="2400">
+                <a:latin typeface="Calibri" charset="0"/>
+                <a:ea typeface="ＭＳ Ｐゴシック" charset="0"/>
+              </a:rPr>
+              <a:t>’</a:t>
+            </a:r>
+            <a:r>
+              <a:rPr lang="en-US" altLang="ja-JP" sz="2400">
+                <a:latin typeface="Calibri" charset="0"/>
+                <a:ea typeface="ＭＳ Ｐゴシック" charset="0"/>
+              </a:rPr>
+              <a:t> is used</a:t>
             </a:r>
           </a:p>
           <a:p>
             <a:pPr lvl="1">
               <a:lnSpc>
-                <a:spcPct val="80000"/>
+                <a:spcPct val="90000"/>
               </a:lnSpc>
             </a:pPr>
             <a:r>
-              <a:rPr lang="en-US" sz="2200" dirty="0">
-                <a:latin typeface="Calibri" charset="0"/>
-                <a:ea typeface="ＭＳ Ｐゴシック" charset="0"/>
-              </a:rPr>
-              <a:t>Supply the gene GTF file obtained in step 3 </a:t>
+              <a:rPr lang="en-US" sz="2000">
+                <a:latin typeface="Calibri" charset="0"/>
+                <a:ea typeface="ＭＳ Ｐゴシック" charset="0"/>
+              </a:rPr>
+              <a:t>Forces cufflinks to calculate expression values for known transcripts</a:t>
             </a:r>
           </a:p>
           <a:p>
             <a:pPr lvl="1">
               <a:lnSpc>
-                <a:spcPct val="80000"/>
+                <a:spcPct val="90000"/>
               </a:lnSpc>
             </a:pPr>
             <a:r>
-              <a:rPr lang="en-US" sz="2200" dirty="0">
-                <a:latin typeface="Calibri" charset="0"/>
-                <a:ea typeface="ＭＳ Ｐゴシック" charset="0"/>
-              </a:rPr>
-              <a:t>Supply the bowtie indexed genome obtained in step 4</a:t>
+              <a:rPr lang="en-US" sz="2000">
+                <a:latin typeface="Calibri" charset="0"/>
+                <a:ea typeface="ＭＳ Ｐゴシック" charset="0"/>
+              </a:rPr>
+              <a:t>To discover novel transcripts with Cufflinks you should:</a:t>
+            </a:r>
+          </a:p>
+          <a:p>
+            <a:pPr lvl="2">
+              <a:lnSpc>
+                <a:spcPct val="90000"/>
+              </a:lnSpc>
+            </a:pPr>
+            <a:r>
+              <a:rPr lang="en-US" sz="1700" b="1">
+                <a:latin typeface="Calibri" charset="0"/>
+                <a:ea typeface="ＭＳ Ｐゴシック" charset="0"/>
+              </a:rPr>
+              <a:t>Not use the '-G' option.  De novo transcript assembly and estimation will be performed.  (we will try this in Module 4)  OR ...</a:t>
+            </a:r>
+          </a:p>
+          <a:p>
+            <a:pPr lvl="2">
+              <a:lnSpc>
+                <a:spcPct val="90000"/>
+              </a:lnSpc>
+            </a:pPr>
+            <a:r>
+              <a:rPr lang="en-US" sz="1700">
+                <a:latin typeface="Calibri" charset="0"/>
+                <a:ea typeface="ＭＳ Ｐゴシック" charset="0"/>
+              </a:rPr>
+              <a:t>Use the '-G' option along with the '-g' option.  Known transcripts will be used as a </a:t>
+            </a:r>
+            <a:r>
+              <a:rPr lang="ja-JP" altLang="en-US" sz="1700">
+                <a:latin typeface="Calibri" charset="0"/>
+                <a:ea typeface="ＭＳ Ｐゴシック" charset="0"/>
+              </a:rPr>
+              <a:t>‘</a:t>
+            </a:r>
+            <a:r>
+              <a:rPr lang="en-US" altLang="ja-JP" sz="1700">
+                <a:latin typeface="Calibri" charset="0"/>
+                <a:ea typeface="ＭＳ Ｐゴシック" charset="0"/>
+              </a:rPr>
+              <a:t>guide</a:t>
+            </a:r>
+            <a:r>
+              <a:rPr lang="ja-JP" altLang="en-US" sz="1700">
+                <a:latin typeface="Calibri" charset="0"/>
+                <a:ea typeface="ＭＳ Ｐゴシック" charset="0"/>
+              </a:rPr>
+              <a:t>’</a:t>
+            </a:r>
+            <a:r>
+              <a:rPr lang="en-US" altLang="ja-JP" sz="1700">
+                <a:latin typeface="Calibri" charset="0"/>
+                <a:ea typeface="ＭＳ Ｐゴシック" charset="0"/>
+              </a:rPr>
+              <a:t>, but novel transcripts will also be predicted</a:t>
+            </a:r>
+          </a:p>
+          <a:p>
+            <a:pPr>
+              <a:lnSpc>
+                <a:spcPct val="90000"/>
+              </a:lnSpc>
+            </a:pPr>
+            <a:r>
+              <a:rPr lang="en-US" sz="2400">
+                <a:latin typeface="Calibri" charset="0"/>
+                <a:ea typeface="ＭＳ Ｐゴシック" charset="0"/>
+              </a:rPr>
+              <a:t>This step will generate one isoform and one gene expression file for each library</a:t>
             </a:r>
           </a:p>
           <a:p>
             <a:pPr lvl="1">
               <a:lnSpc>
-                <a:spcPct val="80000"/>
+                <a:spcPct val="90000"/>
               </a:lnSpc>
             </a:pPr>
             <a:r>
-              <a:rPr lang="en-US" sz="2200" dirty="0">
-                <a:latin typeface="Calibri" charset="0"/>
-                <a:ea typeface="ＭＳ Ｐゴシック" charset="0"/>
-              </a:rPr>
-              <a:t>The </a:t>
-            </a:r>
-            <a:r>
-              <a:rPr lang="ja-JP" altLang="en-US" sz="2200" dirty="0">
+              <a:rPr lang="en-US" sz="2000">
+                <a:latin typeface="Calibri" charset="0"/>
+                <a:ea typeface="ＭＳ Ｐゴシック" charset="0"/>
+              </a:rPr>
+              <a:t>Expression values are reported as </a:t>
+            </a:r>
+            <a:r>
+              <a:rPr lang="ja-JP" altLang="en-US" sz="2000">
                 <a:latin typeface="Calibri" charset="0"/>
                 <a:ea typeface="ＭＳ Ｐゴシック" charset="0"/>
               </a:rPr>
               <a:t>‘</a:t>
             </a:r>
             <a:r>
-              <a:rPr lang="en-US" altLang="ja-JP" sz="2200" dirty="0">
-                <a:latin typeface="Calibri" charset="0"/>
-                <a:ea typeface="ＭＳ Ｐゴシック" charset="0"/>
-              </a:rPr>
-              <a:t>-G</a:t>
-            </a:r>
-            <a:r>
-              <a:rPr lang="ja-JP" altLang="en-US" sz="2200" dirty="0">
+              <a:rPr lang="en-US" altLang="ja-JP" sz="2000">
+                <a:latin typeface="Calibri" charset="0"/>
+                <a:ea typeface="ＭＳ Ｐゴシック" charset="0"/>
+              </a:rPr>
+              <a:t>FPKM</a:t>
+            </a:r>
+            <a:r>
+              <a:rPr lang="ja-JP" altLang="en-US" sz="2000">
                 <a:latin typeface="Calibri" charset="0"/>
                 <a:ea typeface="ＭＳ Ｐゴシック" charset="0"/>
               </a:rPr>
               <a:t>’</a:t>
             </a:r>
             <a:r>
-              <a:rPr lang="en-US" altLang="ja-JP" sz="2200" dirty="0">
-                <a:latin typeface="Calibri" charset="0"/>
-                <a:ea typeface="ＭＳ Ｐゴシック" charset="0"/>
-              </a:rPr>
-              <a:t> option tells </a:t>
-            </a:r>
-            <a:r>
-              <a:rPr lang="en-US" altLang="ja-JP" sz="2200" dirty="0" err="1">
-                <a:latin typeface="Calibri" charset="0"/>
-                <a:ea typeface="ＭＳ Ｐゴシック" charset="0"/>
-              </a:rPr>
-              <a:t>tophat</a:t>
-            </a:r>
-            <a:r>
-              <a:rPr lang="en-US" altLang="ja-JP" sz="2200" dirty="0">
-                <a:latin typeface="Calibri" charset="0"/>
-                <a:ea typeface="ＭＳ Ｐゴシック" charset="0"/>
-              </a:rPr>
-              <a:t> to look for the exon-exon junctions of known transcripts.  It will still look for novel exon-exon junctions as well</a:t>
-            </a:r>
-          </a:p>
-          <a:p>
-            <a:pPr>
-              <a:lnSpc>
-                <a:spcPct val="80000"/>
-              </a:lnSpc>
-            </a:pPr>
-            <a:r>
-              <a:rPr lang="en-US" sz="2600" dirty="0">
-                <a:latin typeface="Calibri" charset="0"/>
-                <a:ea typeface="ＭＳ Ｐゴシック" charset="0"/>
-              </a:rPr>
-              <a:t>Since there are </a:t>
-            </a:r>
-            <a:r>
-              <a:rPr lang="en-US" sz="2600" dirty="0" smtClean="0">
-                <a:latin typeface="Calibri" charset="0"/>
-                <a:ea typeface="ＭＳ Ｐゴシック" charset="0"/>
-              </a:rPr>
-              <a:t>6 </a:t>
-            </a:r>
-            <a:r>
-              <a:rPr lang="en-US" sz="2600" dirty="0">
-                <a:latin typeface="Calibri" charset="0"/>
-                <a:ea typeface="ＭＳ Ｐゴシック" charset="0"/>
-              </a:rPr>
-              <a:t>libraries in the test data set, </a:t>
-            </a:r>
-            <a:r>
-              <a:rPr lang="en-US" sz="2600" dirty="0" smtClean="0">
-                <a:latin typeface="Calibri" charset="0"/>
-                <a:ea typeface="ＭＳ Ｐゴシック" charset="0"/>
-              </a:rPr>
-              <a:t>6 </a:t>
-            </a:r>
-            <a:r>
-              <a:rPr lang="en-US" sz="2600" dirty="0">
-                <a:latin typeface="Calibri" charset="0"/>
-                <a:ea typeface="ＭＳ Ｐゴシック" charset="0"/>
-              </a:rPr>
-              <a:t>alignment commands are run</a:t>
-            </a:r>
-          </a:p>
-          <a:p>
-            <a:pPr>
-              <a:lnSpc>
-                <a:spcPct val="80000"/>
-              </a:lnSpc>
-            </a:pPr>
-            <a:r>
-              <a:rPr lang="en-US" sz="2600" dirty="0">
-                <a:latin typeface="Calibri" charset="0"/>
-                <a:ea typeface="ＭＳ Ｐゴシック" charset="0"/>
-              </a:rPr>
-              <a:t>On a test system, each of these alignments took ~1.5 minutes using 8 CPUs</a:t>
-            </a:r>
-          </a:p>
-          <a:p>
-            <a:pPr>
-              <a:lnSpc>
-                <a:spcPct val="80000"/>
-              </a:lnSpc>
-            </a:pPr>
-            <a:r>
-              <a:rPr lang="en-US" sz="2600" dirty="0">
-                <a:latin typeface="Calibri" charset="0"/>
-                <a:ea typeface="ＭＳ Ｐゴシック" charset="0"/>
-              </a:rPr>
-              <a:t>Each alignment job outputs a SAM/BAM file</a:t>
-            </a:r>
-          </a:p>
-          <a:p>
-            <a:pPr lvl="1">
-              <a:lnSpc>
-                <a:spcPct val="80000"/>
-              </a:lnSpc>
-            </a:pPr>
-            <a:r>
-              <a:rPr lang="en-US" sz="2200" dirty="0">
-                <a:latin typeface="Calibri" charset="0"/>
-                <a:ea typeface="ＭＳ Ｐゴシック" charset="0"/>
-                <a:hlinkClick r:id="rId3"/>
-              </a:rPr>
-              <a:t>http://samtools.sourceforge.net/SAM1.pdf</a:t>
-            </a:r>
-            <a:endParaRPr lang="en-US" sz="2200" dirty="0">
+              <a:rPr lang="en-US" altLang="ja-JP" sz="2000">
+                <a:latin typeface="Calibri" charset="0"/>
+                <a:ea typeface="ＭＳ Ｐゴシック" charset="0"/>
+              </a:rPr>
+              <a:t>, or </a:t>
+            </a:r>
+            <a:r>
+              <a:rPr lang="ja-JP" altLang="en-US" sz="2000">
+                <a:latin typeface="Calibri" charset="0"/>
+                <a:ea typeface="ＭＳ Ｐゴシック" charset="0"/>
+              </a:rPr>
+              <a:t>‘</a:t>
+            </a:r>
+            <a:r>
+              <a:rPr lang="en-US" altLang="ja-JP" sz="2000" b="1">
+                <a:latin typeface="Calibri" charset="0"/>
+                <a:ea typeface="ＭＳ Ｐゴシック" charset="0"/>
+              </a:rPr>
+              <a:t>F</a:t>
+            </a:r>
+            <a:r>
+              <a:rPr lang="en-US" altLang="ja-JP" sz="2000">
+                <a:latin typeface="Calibri" charset="0"/>
+                <a:ea typeface="ＭＳ Ｐゴシック" charset="0"/>
+              </a:rPr>
+              <a:t>ragments </a:t>
+            </a:r>
+            <a:r>
+              <a:rPr lang="en-US" altLang="ja-JP" sz="2000" b="1">
+                <a:latin typeface="Calibri" charset="0"/>
+                <a:ea typeface="ＭＳ Ｐゴシック" charset="0"/>
+              </a:rPr>
+              <a:t>P</a:t>
+            </a:r>
+            <a:r>
+              <a:rPr lang="en-US" altLang="ja-JP" sz="2000">
+                <a:latin typeface="Calibri" charset="0"/>
+                <a:ea typeface="ＭＳ Ｐゴシック" charset="0"/>
+              </a:rPr>
+              <a:t>er </a:t>
+            </a:r>
+            <a:r>
+              <a:rPr lang="en-US" altLang="ja-JP" sz="2000" b="1">
+                <a:latin typeface="Calibri" charset="0"/>
+                <a:ea typeface="ＭＳ Ｐゴシック" charset="0"/>
+              </a:rPr>
+              <a:t>K</a:t>
+            </a:r>
+            <a:r>
+              <a:rPr lang="en-US" altLang="ja-JP" sz="2000">
+                <a:latin typeface="Calibri" charset="0"/>
+                <a:ea typeface="ＭＳ Ｐゴシック" charset="0"/>
+              </a:rPr>
+              <a:t>ilobase of exon per million fragments </a:t>
+            </a:r>
+            <a:r>
+              <a:rPr lang="en-US" altLang="ja-JP" sz="2000" b="1">
+                <a:latin typeface="Calibri" charset="0"/>
+                <a:ea typeface="ＭＳ Ｐゴシック" charset="0"/>
+              </a:rPr>
+              <a:t>M</a:t>
+            </a:r>
+            <a:r>
+              <a:rPr lang="en-US" altLang="ja-JP" sz="2000">
+                <a:latin typeface="Calibri" charset="0"/>
+                <a:ea typeface="ＭＳ Ｐゴシック" charset="0"/>
+              </a:rPr>
+              <a:t>apped</a:t>
+            </a:r>
+            <a:r>
+              <a:rPr lang="ja-JP" altLang="en-US" sz="2000">
+                <a:latin typeface="Calibri" charset="0"/>
+                <a:ea typeface="ＭＳ Ｐゴシック" charset="0"/>
+              </a:rPr>
+              <a:t>’</a:t>
+            </a:r>
+            <a:endParaRPr lang="en-US" altLang="ja-JP" sz="2000">
               <a:latin typeface="Calibri" charset="0"/>
               <a:ea typeface="ＭＳ Ｐゴシック" charset="0"/>
             </a:endParaRPr>
@@ -6150,10 +7696,45 @@
           <a:p>
             <a:pPr lvl="1">
               <a:lnSpc>
-                <a:spcPct val="80000"/>
+                <a:spcPct val="90000"/>
               </a:lnSpc>
             </a:pPr>
-            <a:endParaRPr lang="en-US" sz="2200" dirty="0">
+            <a:r>
+              <a:rPr lang="en-US" sz="2000">
+                <a:latin typeface="Calibri" charset="0"/>
+                <a:ea typeface="ＭＳ Ｐゴシック" charset="0"/>
+              </a:rPr>
+              <a:t>Where each </a:t>
+            </a:r>
+            <a:r>
+              <a:rPr lang="ja-JP" altLang="en-US" sz="2000">
+                <a:latin typeface="Calibri" charset="0"/>
+                <a:ea typeface="ＭＳ Ｐゴシック" charset="0"/>
+              </a:rPr>
+              <a:t>‘</a:t>
+            </a:r>
+            <a:r>
+              <a:rPr lang="en-US" altLang="ja-JP" sz="2000">
+                <a:latin typeface="Calibri" charset="0"/>
+                <a:ea typeface="ＭＳ Ｐゴシック" charset="0"/>
+              </a:rPr>
+              <a:t>fragment</a:t>
+            </a:r>
+            <a:r>
+              <a:rPr lang="ja-JP" altLang="en-US" sz="2000">
+                <a:latin typeface="Calibri" charset="0"/>
+                <a:ea typeface="ＭＳ Ｐゴシック" charset="0"/>
+              </a:rPr>
+              <a:t>’</a:t>
+            </a:r>
+            <a:r>
+              <a:rPr lang="en-US" altLang="ja-JP" sz="2000">
+                <a:latin typeface="Calibri" charset="0"/>
+                <a:ea typeface="ＭＳ Ｐゴシック" charset="0"/>
+              </a:rPr>
+              <a:t> corresponds to a read-pair mapped to the genome</a:t>
+            </a:r>
+            <a:endParaRPr lang="en-US" sz="2000">
               <a:latin typeface="Calibri" charset="0"/>
               <a:ea typeface="ＭＳ Ｐゴシック" charset="0"/>
             </a:endParaRPr>
@@ -6163,7 +7744,7 @@
     </p:spTree>
     <p:extLst>
       <p:ext uri="{BB962C8B-B14F-4D97-AF65-F5344CB8AC3E}">
-        <p14:creationId xmlns:p14="http://schemas.microsoft.com/office/powerpoint/2010/main" val="2602189266"/>
+        <p14:creationId xmlns:p14="http://schemas.microsoft.com/office/powerpoint/2010/main" val="2131823036"/>
       </p:ext>
     </p:extLst>
   </p:cSld>
@@ -6199,7 +7780,7 @@
       </p:grpSpPr>
       <p:sp>
         <p:nvSpPr>
-          <p:cNvPr id="17409" name="Rectangle 2"/>
+          <p:cNvPr id="21505" name="Rectangle 2"/>
           <p:cNvSpPr>
             <a:spLocks noGrp="1" noChangeArrowheads="1"/>
           </p:cNvSpPr>
@@ -6224,7 +7805,7 @@
                 <a:ea typeface="ＭＳ Ｐゴシック" charset="0"/>
                 <a:cs typeface="ＭＳ Ｐゴシック" charset="0"/>
               </a:rPr>
-              <a:t>3-i. </a:t>
+              <a:t>4-i. </a:t>
             </a:r>
             <a:r>
               <a:rPr lang="en-US" altLang="ko-KR" dirty="0">
@@ -6232,14 +7813,14 @@
                 <a:ea typeface="ＭＳ Ｐゴシック" charset="0"/>
                 <a:cs typeface="ＭＳ Ｐゴシック" charset="0"/>
               </a:rPr>
-              <a:t>Align reads with STAR</a:t>
+              <a:t>Generate expression estimates (Optional Alternatives)</a:t>
             </a:r>
           </a:p>
         </p:txBody>
       </p:sp>
       <p:sp>
         <p:nvSpPr>
-          <p:cNvPr id="17410" name="Content Placeholder 6"/>
+          <p:cNvPr id="15362" name="Content Placeholder 6"/>
           <p:cNvSpPr>
             <a:spLocks noGrp="1"/>
           </p:cNvSpPr>
@@ -6249,185 +7830,212 @@
         </p:nvSpPr>
         <p:spPr>
           <a:xfrm>
-            <a:off x="152400" y="1268413"/>
-            <a:ext cx="8839200" cy="4979987"/>
+            <a:off x="152400" y="1557338"/>
+            <a:ext cx="8839200" cy="4691062"/>
           </a:xfrm>
         </p:spPr>
         <p:txBody>
-          <a:bodyPr/>
+          <a:bodyPr>
+            <a:normAutofit fontScale="92500" lnSpcReduction="10000"/>
+          </a:bodyPr>
           <a:lstStyle/>
           <a:p>
             <a:pPr>
               <a:lnSpc>
-                <a:spcPct val="80000"/>
+                <a:spcPct val="90000"/>
               </a:lnSpc>
+              <a:defRPr/>
             </a:pPr>
             <a:r>
-              <a:rPr lang="en-US" sz="2600" dirty="0">
-                <a:latin typeface="Calibri" charset="0"/>
-                <a:ea typeface="ＭＳ Ｐゴシック" charset="0"/>
-              </a:rPr>
-              <a:t>Again, align all reads in the </a:t>
-            </a:r>
-            <a:r>
-              <a:rPr lang="en-US" sz="2600" dirty="0" smtClean="0">
-                <a:latin typeface="Calibri" charset="0"/>
-                <a:ea typeface="ＭＳ Ｐゴシック" charset="0"/>
-              </a:rPr>
-              <a:t>6 </a:t>
-            </a:r>
-            <a:r>
-              <a:rPr lang="en-US" sz="2600" dirty="0">
-                <a:latin typeface="Calibri" charset="0"/>
-                <a:ea typeface="ＭＳ Ｐゴシック" charset="0"/>
-              </a:rPr>
-              <a:t>libraries of the test data, now with STAR</a:t>
+              <a:rPr lang="en-US" dirty="0" smtClean="0">
+                <a:latin typeface="Calibri" charset="0"/>
+                <a:ea typeface="ＭＳ Ｐゴシック" charset="0"/>
+              </a:rPr>
+              <a:t>The Alignment SAM/BAM files generated from STAR can also be used in cufflinks to generate expression estimates – exactly as above</a:t>
+            </a:r>
+          </a:p>
+          <a:p>
+            <a:pPr>
+              <a:lnSpc>
+                <a:spcPct val="90000"/>
+              </a:lnSpc>
+              <a:defRPr/>
+            </a:pPr>
+            <a:r>
+              <a:rPr lang="en-US" dirty="0" smtClean="0">
+                <a:latin typeface="Calibri" charset="0"/>
+                <a:ea typeface="ＭＳ Ｐゴシック" charset="0"/>
+              </a:rPr>
+              <a:t>Another alternative we will explore is a count-based method</a:t>
             </a:r>
           </a:p>
           <a:p>
             <a:pPr lvl="1">
               <a:lnSpc>
-                <a:spcPct val="80000"/>
+                <a:spcPct val="90000"/>
               </a:lnSpc>
+              <a:defRPr/>
             </a:pPr>
             <a:r>
-              <a:rPr lang="en-US" sz="2200" dirty="0">
-                <a:latin typeface="Calibri" charset="0"/>
-                <a:ea typeface="ＭＳ Ｐゴシック" charset="0"/>
-              </a:rPr>
-              <a:t>Supply the same gene GTF file obtained in step 3 </a:t>
-            </a:r>
-          </a:p>
-          <a:p>
-            <a:pPr lvl="1">
+              <a:rPr lang="en-US" dirty="0" smtClean="0">
+                <a:latin typeface="Calibri" charset="0"/>
+                <a:ea typeface="ＭＳ Ｐゴシック" charset="0"/>
+              </a:rPr>
+              <a:t>We will use a program called </a:t>
+            </a:r>
+            <a:r>
+              <a:rPr lang="en-US" dirty="0" err="1" smtClean="0">
+                <a:latin typeface="Calibri" charset="0"/>
+                <a:ea typeface="ＭＳ Ｐゴシック" charset="0"/>
+              </a:rPr>
+              <a:t>htseq</a:t>
+            </a:r>
+            <a:r>
+              <a:rPr lang="en-US" dirty="0" smtClean="0">
+                <a:latin typeface="Calibri" charset="0"/>
+                <a:ea typeface="ＭＳ Ｐゴシック" charset="0"/>
+              </a:rPr>
+              <a:t>-count</a:t>
+            </a:r>
+          </a:p>
+          <a:p>
+            <a:pPr lvl="2">
               <a:lnSpc>
-                <a:spcPct val="80000"/>
+                <a:spcPct val="90000"/>
               </a:lnSpc>
+              <a:defRPr/>
             </a:pPr>
             <a:r>
-              <a:rPr lang="en-US" sz="2200" dirty="0">
-                <a:latin typeface="Calibri" charset="0"/>
-                <a:ea typeface="ＭＳ Ｐゴシック" charset="0"/>
-              </a:rPr>
-              <a:t>Supply the STAR indexed genome obtained in step 4</a:t>
-            </a:r>
-          </a:p>
-          <a:p>
-            <a:pPr lvl="1">
+              <a:rPr lang="en-US" dirty="0" smtClean="0">
+                <a:latin typeface="Calibri" charset="0"/>
+                <a:ea typeface="ＭＳ Ｐゴシック" charset="0"/>
+              </a:rPr>
+              <a:t>Requires name-sorted SAM file</a:t>
+            </a:r>
+          </a:p>
+          <a:p>
+            <a:pPr lvl="2">
               <a:lnSpc>
-                <a:spcPct val="80000"/>
+                <a:spcPct val="90000"/>
               </a:lnSpc>
+              <a:defRPr/>
             </a:pPr>
             <a:r>
-              <a:rPr lang="en-US" sz="2200" dirty="0">
-                <a:latin typeface="Calibri" charset="0"/>
-                <a:ea typeface="ＭＳ Ｐゴシック" charset="0"/>
-              </a:rPr>
-              <a:t>The </a:t>
-            </a:r>
-            <a:r>
-              <a:rPr lang="ja-JP" altLang="en-US" sz="2200" dirty="0">
-                <a:latin typeface="Calibri" charset="0"/>
-                <a:ea typeface="ＭＳ Ｐゴシック" charset="0"/>
-              </a:rPr>
-              <a:t>‘</a:t>
-            </a:r>
-            <a:r>
-              <a:rPr lang="en-US" altLang="ja-JP" sz="2200" dirty="0">
-                <a:latin typeface="Calibri" charset="0"/>
-                <a:ea typeface="ＭＳ Ｐゴシック" charset="0"/>
-              </a:rPr>
-              <a:t>-</a:t>
-            </a:r>
-            <a:r>
-              <a:rPr lang="en-US" altLang="ja-JP" sz="2200" dirty="0" err="1">
-                <a:latin typeface="Calibri" charset="0"/>
-                <a:ea typeface="ＭＳ Ｐゴシック" charset="0"/>
-              </a:rPr>
-              <a:t>outSAMstrandField</a:t>
-            </a:r>
-            <a:r>
-              <a:rPr lang="en-US" altLang="ja-JP" sz="2200" dirty="0">
-                <a:latin typeface="Calibri" charset="0"/>
-                <a:ea typeface="ＭＳ Ｐゴシック" charset="0"/>
-              </a:rPr>
-              <a:t> </a:t>
-            </a:r>
-            <a:r>
-              <a:rPr lang="en-US" altLang="ja-JP" sz="2200" dirty="0" err="1">
-                <a:latin typeface="Calibri" charset="0"/>
-                <a:ea typeface="ＭＳ Ｐゴシック" charset="0"/>
-              </a:rPr>
-              <a:t>intronMotif</a:t>
-            </a:r>
-            <a:r>
-              <a:rPr lang="ja-JP" altLang="en-US" sz="2200" dirty="0">
-                <a:latin typeface="Calibri" charset="0"/>
-                <a:ea typeface="ＭＳ Ｐゴシック" charset="0"/>
-              </a:rPr>
-              <a:t>’</a:t>
-            </a:r>
-            <a:r>
-              <a:rPr lang="en-US" altLang="ja-JP" sz="2200" dirty="0">
-                <a:latin typeface="Calibri" charset="0"/>
-                <a:ea typeface="ＭＳ Ｐゴシック" charset="0"/>
-              </a:rPr>
-              <a:t>is needed so that STAR produces an alignment compatible with cufflinks</a:t>
-            </a:r>
-          </a:p>
-          <a:p>
-            <a:pPr>
+              <a:rPr lang="en-US" dirty="0" smtClean="0">
+                <a:latin typeface="Calibri" charset="0"/>
+                <a:ea typeface="ＭＳ Ｐゴシック" charset="0"/>
+              </a:rPr>
+              <a:t>We will count at the gene level (transcript-level is also possible)</a:t>
+            </a:r>
+          </a:p>
+          <a:p>
+            <a:pPr lvl="2">
               <a:lnSpc>
-                <a:spcPct val="80000"/>
+                <a:spcPct val="90000"/>
               </a:lnSpc>
+              <a:defRPr/>
             </a:pPr>
-            <a:r>
-              <a:rPr lang="en-US" sz="2600" dirty="0">
-                <a:latin typeface="Calibri" charset="0"/>
-                <a:ea typeface="ＭＳ Ｐゴシック" charset="0"/>
-              </a:rPr>
-              <a:t>How long did the alignment take compared to </a:t>
-            </a:r>
-            <a:r>
-              <a:rPr lang="en-US" sz="2600" dirty="0" err="1">
-                <a:latin typeface="Calibri" charset="0"/>
-                <a:ea typeface="ＭＳ Ｐゴシック" charset="0"/>
-              </a:rPr>
-              <a:t>tophat</a:t>
-            </a:r>
-            <a:r>
-              <a:rPr lang="en-US" sz="2600" dirty="0">
-                <a:latin typeface="Calibri" charset="0"/>
-                <a:ea typeface="ＭＳ Ｐゴシック" charset="0"/>
-              </a:rPr>
-              <a:t>?</a:t>
-            </a:r>
-          </a:p>
-          <a:p>
-            <a:pPr>
-              <a:lnSpc>
-                <a:spcPct val="80000"/>
-              </a:lnSpc>
-            </a:pPr>
-            <a:r>
-              <a:rPr lang="en-US" sz="2600" dirty="0">
-                <a:latin typeface="Calibri" charset="0"/>
-                <a:ea typeface="ＭＳ Ｐゴシック" charset="0"/>
-              </a:rPr>
-              <a:t>What additional steps are needed?</a:t>
-            </a:r>
-            <a:endParaRPr lang="en-US" sz="2200" dirty="0">
+            <a:endParaRPr lang="en-US" dirty="0">
               <a:latin typeface="Calibri" charset="0"/>
               <a:ea typeface="ＭＳ Ｐゴシック" charset="0"/>
             </a:endParaRPr>
           </a:p>
           <a:p>
+            <a:pPr>
+              <a:lnSpc>
+                <a:spcPct val="90000"/>
+              </a:lnSpc>
+              <a:defRPr/>
+            </a:pPr>
+            <a:r>
+              <a:rPr lang="en-US" dirty="0" smtClean="0">
+                <a:latin typeface="Calibri" charset="0"/>
+                <a:ea typeface="ＭＳ Ｐゴシック" charset="0"/>
+              </a:rPr>
+              <a:t>In the end we will have three expression estimates for each sample</a:t>
+            </a:r>
+          </a:p>
+          <a:p>
             <a:pPr lvl="1">
               <a:lnSpc>
-                <a:spcPct val="80000"/>
+                <a:spcPct val="90000"/>
               </a:lnSpc>
+              <a:defRPr/>
             </a:pPr>
-            <a:endParaRPr lang="en-US" sz="2200" dirty="0">
+            <a:r>
+              <a:rPr lang="en-US" dirty="0" err="1" smtClean="0">
+                <a:latin typeface="Calibri" charset="0"/>
+                <a:ea typeface="ＭＳ Ｐゴシック" charset="0"/>
+              </a:rPr>
+              <a:t>Tophat</a:t>
+            </a:r>
+            <a:r>
+              <a:rPr lang="en-US" dirty="0" smtClean="0">
+                <a:latin typeface="Calibri" charset="0"/>
+                <a:ea typeface="ＭＳ Ｐゴシック" charset="0"/>
+              </a:rPr>
+              <a:t>/cufflinks</a:t>
+            </a:r>
+          </a:p>
+          <a:p>
+            <a:pPr lvl="1">
+              <a:lnSpc>
+                <a:spcPct val="90000"/>
+              </a:lnSpc>
+              <a:defRPr/>
+            </a:pPr>
+            <a:r>
+              <a:rPr lang="en-US" dirty="0" smtClean="0">
+                <a:latin typeface="Calibri" charset="0"/>
+                <a:ea typeface="ＭＳ Ｐゴシック" charset="0"/>
+              </a:rPr>
+              <a:t>STAR/cufflinks</a:t>
+            </a:r>
+          </a:p>
+          <a:p>
+            <a:pPr lvl="1">
+              <a:lnSpc>
+                <a:spcPct val="90000"/>
+              </a:lnSpc>
+              <a:defRPr/>
+            </a:pPr>
+            <a:r>
+              <a:rPr lang="en-US" dirty="0" err="1" smtClean="0">
+                <a:latin typeface="Calibri" charset="0"/>
+                <a:ea typeface="ＭＳ Ｐゴシック" charset="0"/>
+              </a:rPr>
+              <a:t>Tophat</a:t>
+            </a:r>
+            <a:r>
+              <a:rPr lang="en-US" dirty="0" smtClean="0">
+                <a:latin typeface="Calibri" charset="0"/>
+                <a:ea typeface="ＭＳ Ｐゴシック" charset="0"/>
+              </a:rPr>
+              <a:t>/</a:t>
+            </a:r>
+            <a:r>
+              <a:rPr lang="en-US" dirty="0" err="1" smtClean="0">
+                <a:latin typeface="Calibri" charset="0"/>
+                <a:ea typeface="ＭＳ Ｐゴシック" charset="0"/>
+              </a:rPr>
+              <a:t>Htseq</a:t>
+            </a:r>
+            <a:r>
+              <a:rPr lang="en-US" dirty="0" smtClean="0">
+                <a:latin typeface="Calibri" charset="0"/>
+                <a:ea typeface="ＭＳ Ｐゴシック" charset="0"/>
+              </a:rPr>
+              <a:t>-count</a:t>
+            </a:r>
+          </a:p>
+          <a:p>
+            <a:pPr>
+              <a:lnSpc>
+                <a:spcPct val="90000"/>
+              </a:lnSpc>
+              <a:defRPr/>
+            </a:pPr>
+            <a:endParaRPr lang="en-US" dirty="0">
               <a:latin typeface="Calibri" charset="0"/>
               <a:ea typeface="ＭＳ Ｐゴシック" charset="0"/>
             </a:endParaRPr>
@@ -6437,7 +8045,7 @@
     </p:spTree>
     <p:extLst>
       <p:ext uri="{BB962C8B-B14F-4D97-AF65-F5344CB8AC3E}">
-        <p14:creationId xmlns:p14="http://schemas.microsoft.com/office/powerpoint/2010/main" val="1231978828"/>
+        <p14:creationId xmlns:p14="http://schemas.microsoft.com/office/powerpoint/2010/main" val="1000634460"/>
       </p:ext>
     </p:extLst>
   </p:cSld>
@@ -6473,7 +8081,7 @@
       </p:grpSpPr>
       <p:sp>
         <p:nvSpPr>
-          <p:cNvPr id="19457" name="Rectangle 2"/>
+          <p:cNvPr id="23553" name="Rectangle 2"/>
           <p:cNvSpPr>
             <a:spLocks noGrp="1" noChangeArrowheads="1"/>
           </p:cNvSpPr>
@@ -6493,40 +8101,27 @@
           <a:p>
             <a:pPr eaLnBrk="1" hangingPunct="1"/>
             <a:r>
-              <a:rPr lang="en-US" altLang="ko-KR" dirty="0" smtClean="0">
+              <a:rPr lang="en-US" altLang="ko-KR" sz="3600" dirty="0" smtClean="0">
                 <a:latin typeface="Calibri" charset="0"/>
                 <a:ea typeface="ＭＳ Ｐゴシック" charset="0"/>
                 <a:cs typeface="ＭＳ Ｐゴシック" charset="0"/>
               </a:rPr>
-              <a:t>3-ii. </a:t>
-            </a:r>
-            <a:r>
-              <a:rPr lang="en-US" altLang="ko-KR" dirty="0">
+              <a:t>4-ii. </a:t>
+            </a:r>
+            <a:r>
+              <a:rPr lang="en-US" altLang="ko-KR" sz="3600" dirty="0">
                 <a:latin typeface="Calibri" charset="0"/>
                 <a:ea typeface="ＭＳ Ｐゴシック" charset="0"/>
                 <a:cs typeface="ＭＳ Ｐゴシック" charset="0"/>
               </a:rPr>
-              <a:t>Post-alignment </a:t>
-            </a:r>
-            <a:r>
-              <a:rPr lang="en-US" altLang="ko-KR" dirty="0" smtClean="0">
-                <a:latin typeface="Calibri" charset="0"/>
-                <a:ea typeface="ＭＳ Ｐゴシック" charset="0"/>
-                <a:cs typeface="ＭＳ Ｐゴシック" charset="0"/>
-              </a:rPr>
-              <a:t>visualization</a:t>
-            </a:r>
-            <a:endParaRPr lang="en-US" altLang="ko-KR" dirty="0">
-              <a:latin typeface="Calibri" charset="0"/>
-              <a:ea typeface="ＭＳ Ｐゴシック" charset="0"/>
-              <a:cs typeface="ＭＳ Ｐゴシック" charset="0"/>
-            </a:endParaRPr>
+              <a:t>Perform differential expression analysis</a:t>
+            </a:r>
           </a:p>
         </p:txBody>
       </p:sp>
       <p:sp>
         <p:nvSpPr>
-          <p:cNvPr id="19458" name="Content Placeholder 6"/>
+          <p:cNvPr id="23554" name="Content Placeholder 6"/>
           <p:cNvSpPr>
             <a:spLocks noGrp="1"/>
           </p:cNvSpPr>
@@ -6554,7 +8149,35 @@
                 <a:latin typeface="Calibri" charset="0"/>
                 <a:ea typeface="ＭＳ Ｐゴシック" charset="0"/>
               </a:rPr>
-              <a:t>Create indexed versions of bam files</a:t>
+              <a:t>In this step we will use </a:t>
+            </a:r>
+            <a:r>
+              <a:rPr lang="en-US" sz="2600" dirty="0" err="1">
+                <a:latin typeface="Calibri" charset="0"/>
+                <a:ea typeface="ＭＳ Ｐゴシック" charset="0"/>
+              </a:rPr>
+              <a:t>cuffmerge</a:t>
+            </a:r>
+            <a:r>
+              <a:rPr lang="en-US" sz="2600" dirty="0">
+                <a:latin typeface="Calibri" charset="0"/>
+                <a:ea typeface="ＭＳ Ｐゴシック" charset="0"/>
+              </a:rPr>
+              <a:t> and </a:t>
+            </a:r>
+            <a:r>
+              <a:rPr lang="en-US" sz="2600" dirty="0" err="1">
+                <a:latin typeface="Calibri" charset="0"/>
+                <a:ea typeface="ＭＳ Ｐゴシック" charset="0"/>
+              </a:rPr>
+              <a:t>cuffdiff</a:t>
+            </a:r>
+            <a:r>
+              <a:rPr lang="en-US" sz="2600" dirty="0">
+                <a:latin typeface="Calibri" charset="0"/>
+                <a:ea typeface="ＭＳ Ｐゴシック" charset="0"/>
+              </a:rPr>
+              <a:t> to:</a:t>
             </a:r>
           </a:p>
           <a:p>
@@ -6568,7 +8191,77 @@
                 <a:latin typeface="Calibri" charset="0"/>
                 <a:ea typeface="ＭＳ Ｐゴシック" charset="0"/>
               </a:rPr>
-              <a:t>These are needed by IGV for efficient loading of alignments</a:t>
+              <a:t>Combine expression estimates from our </a:t>
+            </a:r>
+            <a:r>
+              <a:rPr lang="en-US" sz="2200" dirty="0" smtClean="0">
+                <a:latin typeface="Calibri" charset="0"/>
+                <a:ea typeface="ＭＳ Ｐゴシック" charset="0"/>
+              </a:rPr>
+              <a:t>6 </a:t>
+            </a:r>
+            <a:r>
+              <a:rPr lang="en-US" sz="2200" dirty="0">
+                <a:latin typeface="Calibri" charset="0"/>
+                <a:ea typeface="ＭＳ Ｐゴシック" charset="0"/>
+              </a:rPr>
+              <a:t>libraries into more convenient files</a:t>
+            </a:r>
+          </a:p>
+          <a:p>
+            <a:pPr lvl="1">
+              <a:lnSpc>
+                <a:spcPct val="80000"/>
+              </a:lnSpc>
+            </a:pPr>
+            <a:r>
+              <a:rPr lang="en-US" sz="2200" dirty="0">
+                <a:latin typeface="Calibri" charset="0"/>
+                <a:ea typeface="ＭＳ Ｐゴシック" charset="0"/>
+              </a:rPr>
+              <a:t>Combine expression estimates across replicates</a:t>
+            </a:r>
+          </a:p>
+          <a:p>
+            <a:pPr lvl="1">
+              <a:lnSpc>
+                <a:spcPct val="80000"/>
+              </a:lnSpc>
+            </a:pPr>
+            <a:r>
+              <a:rPr lang="en-US" sz="2200" dirty="0">
+                <a:latin typeface="Calibri" charset="0"/>
+                <a:ea typeface="ＭＳ Ｐゴシック" charset="0"/>
+              </a:rPr>
+              <a:t>Compare </a:t>
+            </a:r>
+            <a:r>
+              <a:rPr lang="en-US" sz="2200" dirty="0" smtClean="0">
+                <a:latin typeface="Calibri" charset="0"/>
+                <a:ea typeface="ＭＳ Ｐゴシック" charset="0"/>
+              </a:rPr>
+              <a:t>UHR vs</a:t>
+            </a:r>
+            <a:r>
+              <a:rPr lang="en-US" sz="2200" dirty="0">
+                <a:latin typeface="Calibri" charset="0"/>
+                <a:ea typeface="ＭＳ Ｐゴシック" charset="0"/>
+              </a:rPr>
+              <a:t>. </a:t>
+            </a:r>
+            <a:r>
+              <a:rPr lang="en-US" sz="2200" dirty="0" smtClean="0">
+                <a:latin typeface="Calibri" charset="0"/>
+                <a:ea typeface="ＭＳ Ｐゴシック" charset="0"/>
+              </a:rPr>
+              <a:t>HBR </a:t>
+            </a:r>
+            <a:r>
+              <a:rPr lang="en-US" sz="2200" dirty="0">
+                <a:latin typeface="Calibri" charset="0"/>
+                <a:ea typeface="ＭＳ Ｐゴシック" charset="0"/>
+              </a:rPr>
+              <a:t>and identify significantly differentially expressed genes and isoforms (transcripts)</a:t>
             </a:r>
           </a:p>
           <a:p>
@@ -6582,7 +8275,7 @@
                 <a:latin typeface="Calibri" charset="0"/>
                 <a:ea typeface="ＭＳ Ｐゴシック" charset="0"/>
               </a:rPr>
-              <a:t>Visualize spliced alignments</a:t>
+              <a:t>Note that these commands can get quite complicated when you have replicates</a:t>
             </a:r>
           </a:p>
           <a:p>
@@ -6596,7 +8289,21 @@
                 <a:latin typeface="Calibri" charset="0"/>
                 <a:ea typeface="ＭＳ Ｐゴシック" charset="0"/>
               </a:rPr>
-              <a:t>Identify exon-exon junction supporting reads</a:t>
+              <a:t>The positioning of spaces and commas, and grouping of libraries matters!</a:t>
+            </a:r>
+          </a:p>
+          <a:p>
+            <a:pPr>
+              <a:lnSpc>
+                <a:spcPct val="80000"/>
+              </a:lnSpc>
+            </a:pPr>
+            <a:r>
+              <a:rPr lang="en-US" sz="2600" dirty="0">
+                <a:latin typeface="Calibri" charset="0"/>
+                <a:ea typeface="ＭＳ Ｐゴシック" charset="0"/>
+              </a:rPr>
+              <a:t>Comparisons</a:t>
             </a:r>
           </a:p>
           <a:p>
@@ -6606,92 +8313,39 @@
               </a:lnSpc>
             </a:pPr>
             <a:r>
-              <a:rPr lang="en-US" sz="2200" dirty="0">
-                <a:latin typeface="Calibri" charset="0"/>
-                <a:ea typeface="ＭＳ Ｐゴシック" charset="0"/>
-              </a:rPr>
-              <a:t> Identify differentially expressed genes</a:t>
-            </a:r>
-          </a:p>
-          <a:p>
-            <a:pPr lvl="1">
-              <a:lnSpc>
-                <a:spcPct val="80000"/>
-              </a:lnSpc>
-            </a:pPr>
-            <a:r>
-              <a:rPr lang="en-US" sz="2200" dirty="0">
+              <a:rPr lang="en-US" sz="1800" dirty="0">
                 <a:latin typeface="Calibri" charset="0"/>
                 <a:ea typeface="ＭＳ Ｐゴシック" charset="0"/>
               </a:rPr>
               <a:t>Compare </a:t>
             </a:r>
             <a:r>
-              <a:rPr lang="en-US" sz="2200" dirty="0" err="1">
-                <a:latin typeface="Calibri" charset="0"/>
-                <a:ea typeface="ＭＳ Ｐゴシック" charset="0"/>
-              </a:rPr>
-              <a:t>tophat</a:t>
-            </a:r>
-            <a:r>
-              <a:rPr lang="en-US" sz="2200" dirty="0">
-                <a:latin typeface="Calibri" charset="0"/>
-                <a:ea typeface="ＭＳ Ｐゴシック" charset="0"/>
-              </a:rPr>
-              <a:t> and STAR alignments</a:t>
-            </a:r>
-          </a:p>
-          <a:p>
-            <a:pPr>
-              <a:lnSpc>
-                <a:spcPct val="80000"/>
-              </a:lnSpc>
-            </a:pPr>
-            <a:r>
-              <a:rPr lang="en-US" sz="2600" dirty="0">
-                <a:latin typeface="Calibri" charset="0"/>
-                <a:ea typeface="ＭＳ Ｐゴシック" charset="0"/>
-              </a:rPr>
-              <a:t>Try to find variant positions</a:t>
-            </a:r>
-          </a:p>
-          <a:p>
-            <a:pPr>
-              <a:lnSpc>
-                <a:spcPct val="80000"/>
-              </a:lnSpc>
-            </a:pPr>
-            <a:endParaRPr lang="en-US" sz="2600" dirty="0">
-              <a:latin typeface="Calibri" charset="0"/>
-              <a:ea typeface="ＭＳ Ｐゴシック" charset="0"/>
-            </a:endParaRPr>
-          </a:p>
-          <a:p>
-            <a:pPr>
-              <a:lnSpc>
-                <a:spcPct val="80000"/>
-              </a:lnSpc>
-            </a:pPr>
-            <a:r>
-              <a:rPr lang="en-US" sz="2600" dirty="0">
-                <a:latin typeface="Calibri" charset="0"/>
-                <a:ea typeface="ＭＳ Ｐゴシック" charset="0"/>
-              </a:rPr>
-              <a:t>Create a pileup from bam file</a:t>
-            </a:r>
-          </a:p>
-          <a:p>
-            <a:pPr>
-              <a:lnSpc>
-                <a:spcPct val="80000"/>
-              </a:lnSpc>
-            </a:pPr>
-            <a:r>
-              <a:rPr lang="en-US" sz="2600" dirty="0">
-                <a:latin typeface="Calibri" charset="0"/>
-                <a:ea typeface="ＭＳ Ｐゴシック" charset="0"/>
-              </a:rPr>
-              <a:t>Determine read counts at a specific position</a:t>
+              <a:rPr lang="en-US" sz="1800" dirty="0" smtClean="0">
+                <a:latin typeface="Calibri" charset="0"/>
+                <a:ea typeface="ＭＳ Ｐゴシック" charset="0"/>
+              </a:rPr>
+              <a:t>UHR vs</a:t>
+            </a:r>
+            <a:r>
+              <a:rPr lang="en-US" sz="1800" dirty="0">
+                <a:latin typeface="Calibri" charset="0"/>
+                <a:ea typeface="ＭＳ Ｐゴシック" charset="0"/>
+              </a:rPr>
+              <a:t>. </a:t>
+            </a:r>
+            <a:r>
+              <a:rPr lang="en-US" sz="1800" dirty="0" smtClean="0">
+                <a:latin typeface="Calibri" charset="0"/>
+                <a:ea typeface="ＭＳ Ｐゴシック" charset="0"/>
+              </a:rPr>
+              <a:t>HBR </a:t>
+            </a:r>
+            <a:r>
+              <a:rPr lang="en-US" sz="1800" dirty="0">
+                <a:latin typeface="Calibri" charset="0"/>
+                <a:ea typeface="ＭＳ Ｐゴシック" charset="0"/>
+              </a:rPr>
+              <a:t>using all replicates, for known (reference only mode) transcripts</a:t>
             </a:r>
           </a:p>
         </p:txBody>
@@ -6699,7 +8353,7 @@
     </p:spTree>
     <p:extLst>
       <p:ext uri="{BB962C8B-B14F-4D97-AF65-F5344CB8AC3E}">
-        <p14:creationId xmlns:p14="http://schemas.microsoft.com/office/powerpoint/2010/main" val="3784241753"/>
+        <p14:creationId xmlns:p14="http://schemas.microsoft.com/office/powerpoint/2010/main" val="3127796361"/>
       </p:ext>
     </p:extLst>
   </p:cSld>
@@ -6735,7 +8389,7 @@
       </p:grpSpPr>
       <p:sp>
         <p:nvSpPr>
-          <p:cNvPr id="21505" name="Title 1"/>
+          <p:cNvPr id="25601" name="Title 1"/>
           <p:cNvSpPr>
             <a:spLocks noGrp="1"/>
           </p:cNvSpPr>
@@ -6745,8 +8399,8 @@
         </p:nvSpPr>
         <p:spPr>
           <a:xfrm>
-            <a:off x="152400" y="44450"/>
-            <a:ext cx="8839200" cy="1143000"/>
+            <a:off x="152400" y="-26988"/>
+            <a:ext cx="8839200" cy="1143001"/>
           </a:xfrm>
         </p:spPr>
         <p:txBody>
@@ -6754,84 +8408,360 @@
           <a:lstStyle/>
           <a:p>
             <a:r>
-              <a:rPr lang="en-US" altLang="ko-KR" dirty="0" smtClean="0">
-                <a:latin typeface="Calibri" charset="0"/>
-                <a:ea typeface="ＭＳ Ｐゴシック" charset="0"/>
-                <a:cs typeface="ＭＳ Ｐゴシック" charset="0"/>
-              </a:rPr>
-              <a:t>3-ii. </a:t>
-            </a:r>
-            <a:r>
-              <a:rPr lang="en-US" altLang="ko-KR" dirty="0">
-                <a:latin typeface="Calibri" charset="0"/>
-                <a:ea typeface="ＭＳ Ｐゴシック" charset="0"/>
-                <a:cs typeface="ＭＳ Ｐゴシック" charset="0"/>
-              </a:rPr>
-              <a:t>Post-alignment </a:t>
-            </a:r>
-            <a:r>
-              <a:rPr lang="en-US" altLang="ko-KR" dirty="0" smtClean="0">
-                <a:latin typeface="Calibri" charset="0"/>
-                <a:ea typeface="ＭＳ Ｐゴシック" charset="0"/>
-                <a:cs typeface="ＭＳ Ｐゴシック" charset="0"/>
-              </a:rPr>
-              <a:t>visualization </a:t>
-            </a:r>
-            <a:r>
-              <a:rPr lang="en-US" altLang="ko-KR" dirty="0">
-                <a:latin typeface="Calibri" charset="0"/>
-                <a:ea typeface="ＭＳ Ｐゴシック" charset="0"/>
-                <a:cs typeface="ＭＳ Ｐゴシック" charset="0"/>
-              </a:rPr>
-              <a:t>(IGV)</a:t>
+              <a:rPr lang="en-US" dirty="0" smtClean="0">
+                <a:latin typeface="Calibri" charset="0"/>
+                <a:ea typeface="ＭＳ Ｐゴシック" charset="0"/>
+              </a:rPr>
+              <a:t>4-iii. </a:t>
+            </a:r>
+            <a:r>
+              <a:rPr lang="en-US" dirty="0">
+                <a:latin typeface="Calibri" charset="0"/>
+                <a:ea typeface="ＭＳ Ｐゴシック" charset="0"/>
+              </a:rPr>
+              <a:t>Summarize and visualize results</a:t>
+            </a:r>
+          </a:p>
+        </p:txBody>
+      </p:sp>
+      <p:sp>
+        <p:nvSpPr>
+          <p:cNvPr id="25602" name="Content Placeholder 2"/>
+          <p:cNvSpPr>
+            <a:spLocks noGrp="1"/>
+          </p:cNvSpPr>
+          <p:nvPr>
+            <p:ph idx="1"/>
+          </p:nvPr>
+        </p:nvSpPr>
+        <p:spPr>
+          <a:xfrm>
+            <a:off x="152400" y="1125538"/>
+            <a:ext cx="8839200" cy="2403475"/>
+          </a:xfrm>
+        </p:spPr>
+        <p:txBody>
+          <a:bodyPr/>
+          <a:lstStyle/>
+          <a:p>
+            <a:r>
+              <a:rPr lang="en-US" dirty="0">
+                <a:latin typeface="Calibri" charset="0"/>
+                <a:ea typeface="ＭＳ Ｐゴシック" charset="0"/>
+              </a:rPr>
+              <a:t>In this step we will run the R package </a:t>
+            </a:r>
+            <a:r>
+              <a:rPr lang="en-US" dirty="0" err="1">
+                <a:latin typeface="Calibri" charset="0"/>
+                <a:ea typeface="ＭＳ Ｐゴシック" charset="0"/>
+              </a:rPr>
+              <a:t>cummeRbund</a:t>
+            </a:r>
+            <a:r>
+              <a:rPr lang="en-US" dirty="0">
+                <a:latin typeface="Calibri" charset="0"/>
+                <a:ea typeface="ＭＳ Ｐゴシック" charset="0"/>
+              </a:rPr>
+              <a:t> to visualize our expression and differential expression results from </a:t>
+            </a:r>
+            <a:r>
+              <a:rPr lang="en-US" dirty="0" err="1">
+                <a:latin typeface="Calibri" charset="0"/>
+                <a:ea typeface="ＭＳ Ｐゴシック" charset="0"/>
+              </a:rPr>
+              <a:t>Cuffdiff</a:t>
+            </a:r>
+            <a:r>
+              <a:rPr lang="en-US" dirty="0">
+                <a:latin typeface="Calibri" charset="0"/>
+                <a:ea typeface="ＭＳ Ｐゴシック" charset="0"/>
+              </a:rPr>
+              <a:t>.</a:t>
+            </a:r>
+          </a:p>
+          <a:p>
+            <a:pPr lvl="1"/>
+            <a:r>
+              <a:rPr lang="en-US" dirty="0" smtClean="0">
+                <a:latin typeface="Calibri" charset="0"/>
+                <a:ea typeface="ＭＳ Ｐゴシック" charset="0"/>
+              </a:rPr>
+              <a:t>See online tutorial </a:t>
+            </a:r>
+            <a:r>
+              <a:rPr lang="en-US" dirty="0">
+                <a:latin typeface="Calibri" charset="0"/>
+                <a:ea typeface="ＭＳ Ｐゴシック" charset="0"/>
+              </a:rPr>
+              <a:t>for details</a:t>
+            </a:r>
+          </a:p>
+          <a:p>
+            <a:pPr lvl="1"/>
+            <a:r>
+              <a:rPr lang="en-US" dirty="0">
+                <a:latin typeface="Calibri" charset="0"/>
+                <a:ea typeface="ＭＳ Ｐゴシック" charset="0"/>
+                <a:hlinkClick r:id="rId3"/>
+              </a:rPr>
+              <a:t>http://compbio.mit.edu/cummeRbund/</a:t>
             </a:r>
             <a:endParaRPr lang="en-US" dirty="0">
               <a:latin typeface="Calibri" charset="0"/>
               <a:ea typeface="ＭＳ Ｐゴシック" charset="0"/>
             </a:endParaRPr>
           </a:p>
+          <a:p>
+            <a:pPr lvl="1"/>
+            <a:r>
+              <a:rPr lang="en-US" dirty="0">
+                <a:latin typeface="Calibri" charset="0"/>
+                <a:ea typeface="ＭＳ Ｐゴシック" charset="0"/>
+                <a:hlinkClick r:id="rId4"/>
+              </a:rPr>
+              <a:t>http://compbio.mit.edu/cummeRbund/manual_2_0.html</a:t>
+            </a:r>
+            <a:endParaRPr lang="en-US" dirty="0">
+              <a:latin typeface="Calibri" charset="0"/>
+              <a:ea typeface="ＭＳ Ｐゴシック" charset="0"/>
+            </a:endParaRPr>
+          </a:p>
         </p:txBody>
       </p:sp>
       <p:pic>
         <p:nvPicPr>
-          <p:cNvPr id="21506" name="Content Placeholder 3" descr="Screen Shot 2013-06-01 at 11.20.52 PM.png"/>
+          <p:cNvPr id="25603" name="Picture 3" descr="cummeRbund-manual-features_3.png"/>
           <p:cNvPicPr>
-            <a:picLocks noGrp="1" noChangeAspect="1"/>
+            <a:picLocks noChangeAspect="1"/>
           </p:cNvPicPr>
-          <p:nvPr>
-            <p:ph idx="1"/>
-          </p:nvPr>
+          <p:nvPr/>
         </p:nvPicPr>
         <p:blipFill>
-          <a:blip r:embed="rId2">
+          <a:blip r:embed="rId5">
             <a:extLst>
               <a:ext uri="{28A0092B-C50C-407E-A947-70E740481C1C}">
                 <a14:useLocalDpi xmlns:a14="http://schemas.microsoft.com/office/drawing/2010/main" val="0"/>
               </a:ext>
             </a:extLst>
           </a:blip>
-          <a:srcRect t="-339" b="-339"/>
+          <a:srcRect/>
           <a:stretch>
             <a:fillRect/>
           </a:stretch>
         </p:blipFill>
-        <p:spPr>
+        <p:spPr bwMode="auto">
           <a:xfrm>
-            <a:off x="152400" y="1341438"/>
-            <a:ext cx="8839200" cy="4724400"/>
+            <a:off x="323850" y="4005263"/>
+            <a:ext cx="2095500" cy="2095500"/>
           </a:xfrm>
+          <a:prstGeom prst="rect">
+            <a:avLst/>
+          </a:prstGeom>
+          <a:noFill/>
+          <a:ln>
+            <a:noFill/>
+          </a:ln>
+          <a:extLst>
+            <a:ext uri="{909E8E84-426E-40dd-AFC4-6F175D3DCCD1}">
+              <a14:hiddenFill xmlns:a14="http://schemas.microsoft.com/office/drawing/2010/main">
+                <a:solidFill>
+                  <a:srgbClr val="FFFFFF"/>
+                </a:solidFill>
+              </a14:hiddenFill>
+            </a:ext>
+            <a:ext uri="{91240B29-F687-4f45-9708-019B960494DF}">
+              <a14:hiddenLine xmlns:a14="http://schemas.microsoft.com/office/drawing/2010/main" w="9525">
+                <a:solidFill>
+                  <a:srgbClr val="000000"/>
+                </a:solidFill>
+                <a:miter lim="800000"/>
+                <a:headEnd/>
+                <a:tailEnd/>
+              </a14:hiddenLine>
+            </a:ext>
+          </a:extLst>
+        </p:spPr>
+      </p:pic>
+      <p:pic>
+        <p:nvPicPr>
+          <p:cNvPr id="25604" name="Picture 4" descr="cummeRbund-manual-geneset_plots_isoform_heatmap-2.png"/>
+          <p:cNvPicPr>
+            <a:picLocks noChangeAspect="1"/>
+          </p:cNvPicPr>
+          <p:nvPr/>
+        </p:nvPicPr>
+        <p:blipFill>
+          <a:blip r:embed="rId6">
+            <a:extLst>
+              <a:ext uri="{28A0092B-C50C-407E-A947-70E740481C1C}">
+                <a14:useLocalDpi xmlns:a14="http://schemas.microsoft.com/office/drawing/2010/main" val="0"/>
+              </a:ext>
+            </a:extLst>
+          </a:blip>
+          <a:srcRect/>
+          <a:stretch>
+            <a:fillRect/>
+          </a:stretch>
+        </p:blipFill>
+        <p:spPr bwMode="auto">
+          <a:xfrm>
+            <a:off x="2771775" y="4141788"/>
+            <a:ext cx="1806575" cy="1808162"/>
+          </a:xfrm>
+          <a:prstGeom prst="rect">
+            <a:avLst/>
+          </a:prstGeom>
+          <a:noFill/>
+          <a:ln>
+            <a:noFill/>
+          </a:ln>
+          <a:extLst>
+            <a:ext uri="{909E8E84-426E-40dd-AFC4-6F175D3DCCD1}">
+              <a14:hiddenFill xmlns:a14="http://schemas.microsoft.com/office/drawing/2010/main">
+                <a:solidFill>
+                  <a:srgbClr val="FFFFFF"/>
+                </a:solidFill>
+              </a14:hiddenFill>
+            </a:ext>
+            <a:ext uri="{91240B29-F687-4f45-9708-019B960494DF}">
+              <a14:hiddenLine xmlns:a14="http://schemas.microsoft.com/office/drawing/2010/main" w="9525">
+                <a:solidFill>
+                  <a:srgbClr val="000000"/>
+                </a:solidFill>
+                <a:miter lim="800000"/>
+                <a:headEnd/>
+                <a:tailEnd/>
+              </a14:hiddenLine>
+            </a:ext>
+          </a:extLst>
+        </p:spPr>
+      </p:pic>
+      <p:pic>
+        <p:nvPicPr>
+          <p:cNvPr id="25605" name="Picture 5" descr="cummeRbund-manual-global_plots_volcano_1-0.png"/>
+          <p:cNvPicPr>
+            <a:picLocks noChangeAspect="1"/>
+          </p:cNvPicPr>
+          <p:nvPr/>
+        </p:nvPicPr>
+        <p:blipFill>
+          <a:blip r:embed="rId7">
+            <a:extLst>
+              <a:ext uri="{28A0092B-C50C-407E-A947-70E740481C1C}">
+                <a14:useLocalDpi xmlns:a14="http://schemas.microsoft.com/office/drawing/2010/main" val="0"/>
+              </a:ext>
+            </a:extLst>
+          </a:blip>
+          <a:srcRect/>
+          <a:stretch>
+            <a:fillRect/>
+          </a:stretch>
+        </p:blipFill>
+        <p:spPr bwMode="auto">
+          <a:xfrm>
+            <a:off x="4787900" y="4076700"/>
+            <a:ext cx="2087563" cy="2089150"/>
+          </a:xfrm>
+          <a:prstGeom prst="rect">
+            <a:avLst/>
+          </a:prstGeom>
+          <a:noFill/>
+          <a:ln>
+            <a:noFill/>
+          </a:ln>
+          <a:extLst>
+            <a:ext uri="{909E8E84-426E-40dd-AFC4-6F175D3DCCD1}">
+              <a14:hiddenFill xmlns:a14="http://schemas.microsoft.com/office/drawing/2010/main">
+                <a:solidFill>
+                  <a:srgbClr val="FFFFFF"/>
+                </a:solidFill>
+              </a14:hiddenFill>
+            </a:ext>
+            <a:ext uri="{91240B29-F687-4f45-9708-019B960494DF}">
+              <a14:hiddenLine xmlns:a14="http://schemas.microsoft.com/office/drawing/2010/main" w="9525">
+                <a:solidFill>
+                  <a:srgbClr val="000000"/>
+                </a:solidFill>
+                <a:miter lim="800000"/>
+                <a:headEnd/>
+                <a:tailEnd/>
+              </a14:hiddenLine>
+            </a:ext>
+          </a:extLst>
+        </p:spPr>
+      </p:pic>
+      <p:pic>
+        <p:nvPicPr>
+          <p:cNvPr id="25606" name="Picture 6" descr="ENCODE_SCV.png"/>
+          <p:cNvPicPr>
+            <a:picLocks noChangeAspect="1"/>
+          </p:cNvPicPr>
+          <p:nvPr/>
+        </p:nvPicPr>
+        <p:blipFill>
+          <a:blip r:embed="rId8">
+            <a:extLst>
+              <a:ext uri="{28A0092B-C50C-407E-A947-70E740481C1C}">
+                <a14:useLocalDpi xmlns:a14="http://schemas.microsoft.com/office/drawing/2010/main" val="0"/>
+              </a:ext>
+            </a:extLst>
+          </a:blip>
+          <a:srcRect r="49957"/>
+          <a:stretch>
+            <a:fillRect/>
+          </a:stretch>
+        </p:blipFill>
+        <p:spPr bwMode="auto">
+          <a:xfrm>
+            <a:off x="6948488" y="4221163"/>
+            <a:ext cx="1763712" cy="1762125"/>
+          </a:xfrm>
+          <a:prstGeom prst="rect">
+            <a:avLst/>
+          </a:prstGeom>
+          <a:noFill/>
+          <a:ln>
+            <a:noFill/>
+          </a:ln>
+          <a:extLst>
+            <a:ext uri="{909E8E84-426E-40dd-AFC4-6F175D3DCCD1}">
+              <a14:hiddenFill xmlns:a14="http://schemas.microsoft.com/office/drawing/2010/main">
+                <a:solidFill>
+                  <a:srgbClr val="FFFFFF"/>
+                </a:solidFill>
+              </a14:hiddenFill>
+            </a:ext>
+            <a:ext uri="{91240B29-F687-4f45-9708-019B960494DF}">
+              <a14:hiddenLine xmlns:a14="http://schemas.microsoft.com/office/drawing/2010/main" w="9525">
+                <a:solidFill>
+                  <a:srgbClr val="000000"/>
+                </a:solidFill>
+                <a:miter lim="800000"/>
+                <a:headEnd/>
+                <a:tailEnd/>
+              </a14:hiddenLine>
+            </a:ext>
+          </a:extLst>
         </p:spPr>
       </p:pic>
     </p:spTree>
     <p:extLst>
       <p:ext uri="{BB962C8B-B14F-4D97-AF65-F5344CB8AC3E}">
-        <p14:creationId xmlns:p14="http://schemas.microsoft.com/office/powerpoint/2010/main" val="2772641768"/>
+        <p14:creationId xmlns:p14="http://schemas.microsoft.com/office/powerpoint/2010/main" val="2007462351"/>
       </p:ext>
     </p:extLst>
   </p:cSld>
   <p:clrMapOvr>
     <a:masterClrMapping/>
   </p:clrMapOvr>
+  <p:timing>
+    <p:tnLst>
+      <p:par>
+        <p:cTn xmlns:p14="http://schemas.microsoft.com/office/powerpoint/2010/main" id="1" dur="indefinite" restart="never" nodeType="tmRoot"/>
+      </p:par>
+    </p:tnLst>
+  </p:timing>
 </p:sld>
 </file>
 
@@ -6854,9 +8784,9 @@
       </p:grpSpPr>
       <p:sp>
         <p:nvSpPr>
-          <p:cNvPr id="22529" name="Rectangle 2"/>
+          <p:cNvPr id="27649" name="Title 1"/>
           <p:cNvSpPr>
-            <a:spLocks noGrp="1" noChangeArrowheads="1"/>
+            <a:spLocks noGrp="1"/>
           </p:cNvSpPr>
           <p:nvPr>
             <p:ph type="title"/>
@@ -6872,29 +8802,26 @@
           <a:bodyPr/>
           <a:lstStyle/>
           <a:p>
-            <a:pPr eaLnBrk="1" hangingPunct="1"/>
-            <a:r>
-              <a:rPr lang="en-US" altLang="ko-KR" dirty="0" smtClean="0">
-                <a:latin typeface="Calibri" charset="0"/>
-                <a:ea typeface="ＭＳ Ｐゴシック" charset="0"/>
-                <a:cs typeface="ＭＳ Ｐゴシック" charset="0"/>
-              </a:rPr>
-              <a:t>3-iii. </a:t>
-            </a:r>
-            <a:r>
-              <a:rPr lang="en-US" altLang="ko-KR" dirty="0">
-                <a:latin typeface="Calibri" charset="0"/>
-                <a:ea typeface="ＭＳ Ｐゴシック" charset="0"/>
-                <a:cs typeface="ＭＳ Ｐゴシック" charset="0"/>
-              </a:rPr>
-              <a:t>Post-alignment QC</a:t>
+            <a:r>
+              <a:rPr lang="en-US" dirty="0" smtClean="0">
+                <a:latin typeface="Calibri" charset="0"/>
+                <a:ea typeface="ＭＳ Ｐゴシック" charset="0"/>
+              </a:rPr>
+              <a:t>Post</a:t>
+            </a:r>
+            <a:r>
+              <a:rPr lang="en-US" dirty="0">
+                <a:latin typeface="Calibri" charset="0"/>
+                <a:ea typeface="ＭＳ Ｐゴシック" charset="0"/>
+              </a:rPr>
+              <a:t>-process output files (optional)</a:t>
             </a:r>
           </a:p>
         </p:txBody>
       </p:sp>
       <p:sp>
         <p:nvSpPr>
-          <p:cNvPr id="22530" name="Content Placeholder 6"/>
+          <p:cNvPr id="27650" name="Content Placeholder 2"/>
           <p:cNvSpPr>
             <a:spLocks noGrp="1"/>
           </p:cNvSpPr>
@@ -6905,88 +8832,106 @@
         <p:spPr>
           <a:xfrm>
             <a:off x="152400" y="1268413"/>
-            <a:ext cx="8839200" cy="4979987"/>
+            <a:ext cx="8839200" cy="5056187"/>
           </a:xfrm>
         </p:spPr>
         <p:txBody>
           <a:bodyPr/>
           <a:lstStyle/>
           <a:p>
-            <a:pPr>
-              <a:lnSpc>
-                <a:spcPct val="80000"/>
-              </a:lnSpc>
-            </a:pPr>
-            <a:r>
-              <a:rPr lang="en-US" sz="2600">
-                <a:latin typeface="Calibri" charset="0"/>
-                <a:ea typeface="ＭＳ Ｐゴシック" charset="0"/>
-              </a:rPr>
-              <a:t>Use 'samtools view' to see the format of a SAM/BAM alignment file</a:t>
-            </a:r>
-          </a:p>
-          <a:p>
-            <a:pPr lvl="1">
-              <a:lnSpc>
-                <a:spcPct val="80000"/>
-              </a:lnSpc>
-            </a:pPr>
-            <a:r>
-              <a:rPr lang="en-US" sz="2200">
-                <a:latin typeface="Calibri" charset="0"/>
-                <a:ea typeface="ＭＳ Ｐゴシック" charset="0"/>
-              </a:rPr>
-              <a:t>Use ‘FLAGs’ to filter out certain kinds of alignments</a:t>
-            </a:r>
-          </a:p>
-          <a:p>
-            <a:pPr>
-              <a:lnSpc>
-                <a:spcPct val="80000"/>
-              </a:lnSpc>
-            </a:pPr>
-            <a:r>
-              <a:rPr lang="en-US" sz="2600">
-                <a:latin typeface="Calibri" charset="0"/>
-                <a:ea typeface="ＭＳ Ｐゴシック" charset="0"/>
-              </a:rPr>
-              <a:t>Use 'samtools flagstat' to get a basic summary of an alignment</a:t>
-            </a:r>
-          </a:p>
-          <a:p>
-            <a:pPr>
-              <a:lnSpc>
-                <a:spcPct val="80000"/>
-              </a:lnSpc>
-            </a:pPr>
-            <a:r>
-              <a:rPr lang="en-US" sz="2600">
-                <a:latin typeface="Calibri" charset="0"/>
-                <a:ea typeface="ＭＳ Ｐゴシック" charset="0"/>
-              </a:rPr>
-              <a:t>Run samstat on Tumor/Normal BAMs and review the resulting report in your browser</a:t>
-            </a:r>
-          </a:p>
-          <a:p>
-            <a:pPr>
-              <a:lnSpc>
-                <a:spcPct val="80000"/>
-              </a:lnSpc>
-            </a:pPr>
-            <a:r>
-              <a:rPr lang="en-US" sz="2600">
-                <a:latin typeface="Calibri" charset="0"/>
-                <a:ea typeface="ＭＳ Ｐゴシック" charset="0"/>
-              </a:rPr>
-              <a:t>Use FastQC to perform basic QC of your alignments</a:t>
-            </a:r>
+            <a:r>
+              <a:rPr lang="en-US">
+                <a:latin typeface="Calibri" charset="0"/>
+                <a:ea typeface="ＭＳ Ｐゴシック" charset="0"/>
+              </a:rPr>
+              <a:t>Cufflinks and Cuffdiff output various file formats</a:t>
+            </a:r>
+          </a:p>
+          <a:p>
+            <a:pPr lvl="1"/>
+            <a:r>
+              <a:rPr lang="en-US">
+                <a:latin typeface="Calibri" charset="0"/>
+                <a:ea typeface="ＭＳ Ｐゴシック" charset="0"/>
+              </a:rPr>
+              <a:t>.fpkm_tracking, transcrips.gtf, and .diff files</a:t>
+            </a:r>
+          </a:p>
+          <a:p>
+            <a:r>
+              <a:rPr lang="en-US">
+                <a:latin typeface="Calibri" charset="0"/>
+                <a:ea typeface="ＭＳ Ｐゴシック" charset="0"/>
+              </a:rPr>
+              <a:t>In this step, we will explore the content of these files at the linux command line before importing them into R for more advanced summarization, plotting, etc.</a:t>
+            </a:r>
+          </a:p>
+          <a:p>
+            <a:pPr lvl="1"/>
+            <a:r>
+              <a:rPr lang="en-US">
+                <a:latin typeface="Calibri" charset="0"/>
+                <a:ea typeface="ＭＳ Ｐゴシック" charset="0"/>
+              </a:rPr>
+              <a:t>If you are unfamiliar with R, this is an interactive statistical programming interface that can also be used for graphing and file data manipulation (i.e. an alternative to </a:t>
+            </a:r>
+            <a:r>
+              <a:rPr lang="ja-JP" altLang="en-US">
+                <a:latin typeface="Calibri" charset="0"/>
+                <a:ea typeface="ＭＳ Ｐゴシック" charset="0"/>
+              </a:rPr>
+              <a:t>‘</a:t>
+            </a:r>
+            <a:r>
+              <a:rPr lang="en-US" altLang="ja-JP">
+                <a:latin typeface="Calibri" charset="0"/>
+                <a:ea typeface="ＭＳ Ｐゴシック" charset="0"/>
+              </a:rPr>
+              <a:t>excel</a:t>
+            </a:r>
+            <a:r>
+              <a:rPr lang="ja-JP" altLang="en-US">
+                <a:latin typeface="Calibri" charset="0"/>
+                <a:ea typeface="ＭＳ Ｐゴシック" charset="0"/>
+              </a:rPr>
+              <a:t>’</a:t>
+            </a:r>
+            <a:r>
+              <a:rPr lang="en-US" altLang="ja-JP">
+                <a:latin typeface="Calibri" charset="0"/>
+                <a:ea typeface="ＭＳ Ｐゴシック" charset="0"/>
+              </a:rPr>
+              <a:t>)</a:t>
+            </a:r>
+          </a:p>
+          <a:p>
+            <a:pPr lvl="1"/>
+            <a:r>
+              <a:rPr lang="en-US" altLang="ja-JP">
+                <a:latin typeface="Calibri" charset="0"/>
+                <a:ea typeface="ＭＳ Ｐゴシック" charset="0"/>
+                <a:hlinkClick r:id="rId3"/>
+              </a:rPr>
+              <a:t>http://cran.r-project.org/</a:t>
+            </a:r>
+            <a:endParaRPr lang="en-US" altLang="ja-JP">
+              <a:latin typeface="Calibri" charset="0"/>
+              <a:ea typeface="ＭＳ Ｐゴシック" charset="0"/>
+            </a:endParaRPr>
+          </a:p>
+          <a:p>
+            <a:pPr lvl="1"/>
+            <a:endParaRPr lang="en-US" altLang="ja-JP">
+              <a:latin typeface="Calibri" charset="0"/>
+              <a:ea typeface="ＭＳ Ｐゴシック" charset="0"/>
+            </a:endParaRPr>
           </a:p>
         </p:txBody>
       </p:sp>
     </p:spTree>
     <p:extLst>
       <p:ext uri="{BB962C8B-B14F-4D97-AF65-F5344CB8AC3E}">
-        <p14:creationId xmlns:p14="http://schemas.microsoft.com/office/powerpoint/2010/main" val="387996559"/>
+        <p14:creationId xmlns:p14="http://schemas.microsoft.com/office/powerpoint/2010/main" val="616290861"/>
       </p:ext>
     </p:extLst>
   </p:cSld>
@@ -7022,7 +8967,7 @@
       </p:grpSpPr>
       <p:sp>
         <p:nvSpPr>
-          <p:cNvPr id="24577" name="Title 1"/>
+          <p:cNvPr id="29697" name="Title 1"/>
           <p:cNvSpPr>
             <a:spLocks noGrp="1"/>
           </p:cNvSpPr>
@@ -7041,84 +8986,259 @@
           <a:lstStyle/>
           <a:p>
             <a:r>
-              <a:rPr lang="en-US" altLang="ko-KR" dirty="0" smtClean="0">
-                <a:latin typeface="Calibri" charset="0"/>
-                <a:ea typeface="ＭＳ Ｐゴシック" charset="0"/>
-                <a:cs typeface="ＭＳ Ｐゴシック" charset="0"/>
-              </a:rPr>
-              <a:t>3-iii. </a:t>
-            </a:r>
-            <a:r>
-              <a:rPr lang="en-US" altLang="ko-KR" dirty="0">
-                <a:latin typeface="Calibri" charset="0"/>
-                <a:ea typeface="ＭＳ Ｐゴシック" charset="0"/>
-                <a:cs typeface="ＭＳ Ｐゴシック" charset="0"/>
-              </a:rPr>
-              <a:t>Post-alignment QC (</a:t>
-            </a:r>
-            <a:r>
-              <a:rPr lang="en-US" altLang="ko-KR" dirty="0" err="1">
-                <a:latin typeface="Calibri" charset="0"/>
-                <a:ea typeface="ＭＳ Ｐゴシック" charset="0"/>
-                <a:cs typeface="ＭＳ Ｐゴシック" charset="0"/>
-              </a:rPr>
-              <a:t>samstat</a:t>
-            </a:r>
-            <a:r>
-              <a:rPr lang="en-US" altLang="ko-KR" dirty="0">
-                <a:latin typeface="Calibri" charset="0"/>
-                <a:ea typeface="ＭＳ Ｐゴシック" charset="0"/>
-                <a:cs typeface="ＭＳ Ｐゴシック" charset="0"/>
-              </a:rPr>
-              <a:t>)</a:t>
-            </a:r>
-            <a:endParaRPr lang="en-US" dirty="0">
+              <a:rPr lang="en-US" sz="3600" dirty="0" smtClean="0">
+                <a:latin typeface="Calibri" charset="0"/>
+                <a:ea typeface="ＭＳ Ｐゴシック" charset="0"/>
+              </a:rPr>
+              <a:t>Summarize </a:t>
+            </a:r>
+            <a:r>
+              <a:rPr lang="en-US" sz="3600" dirty="0">
+                <a:latin typeface="Calibri" charset="0"/>
+                <a:ea typeface="ＭＳ Ｐゴシック" charset="0"/>
+              </a:rPr>
+              <a:t>and visualize results</a:t>
+            </a:r>
+            <a:br>
+              <a:rPr lang="en-US" sz="3600" dirty="0">
+                <a:latin typeface="Calibri" charset="0"/>
+                <a:ea typeface="ＭＳ Ｐゴシック" charset="0"/>
+              </a:rPr>
+            </a:br>
+            <a:r>
+              <a:rPr lang="en-US" sz="3600" dirty="0">
+                <a:latin typeface="Calibri" charset="0"/>
+                <a:ea typeface="ＭＳ Ｐゴシック" charset="0"/>
+              </a:rPr>
+              <a:t>(optional)</a:t>
+            </a:r>
+          </a:p>
+        </p:txBody>
+      </p:sp>
+      <p:sp>
+        <p:nvSpPr>
+          <p:cNvPr id="29698" name="Content Placeholder 2"/>
+          <p:cNvSpPr>
+            <a:spLocks noGrp="1"/>
+          </p:cNvSpPr>
+          <p:nvPr>
+            <p:ph idx="1"/>
+          </p:nvPr>
+        </p:nvSpPr>
+        <p:spPr>
+          <a:xfrm>
+            <a:off x="152400" y="1268413"/>
+            <a:ext cx="8839200" cy="5056187"/>
+          </a:xfrm>
+        </p:spPr>
+        <p:txBody>
+          <a:bodyPr/>
+          <a:lstStyle/>
+          <a:p>
+            <a:pPr>
+              <a:lnSpc>
+                <a:spcPct val="90000"/>
+              </a:lnSpc>
+            </a:pPr>
+            <a:r>
+              <a:rPr lang="en-US" sz="2600" dirty="0">
+                <a:latin typeface="Calibri" charset="0"/>
+                <a:ea typeface="ＭＳ Ｐゴシック" charset="0"/>
+              </a:rPr>
+              <a:t>In this step we will use R to summarize and visualize the results of the previous steps</a:t>
+            </a:r>
+          </a:p>
+          <a:p>
+            <a:pPr marL="342900" lvl="1" indent="-342900">
+              <a:lnSpc>
+                <a:spcPct val="90000"/>
+              </a:lnSpc>
+              <a:buFont typeface="Arial" charset="0"/>
+              <a:buChar char="•"/>
+            </a:pPr>
+            <a:r>
+              <a:rPr lang="en-US" sz="2600" dirty="0">
+                <a:latin typeface="Calibri" charset="0"/>
+                <a:ea typeface="ＭＳ Ｐゴシック" charset="0"/>
+              </a:rPr>
+              <a:t>Explanation of the R commands is provided in </a:t>
+            </a:r>
+            <a:r>
+              <a:rPr lang="en-US" sz="2600" dirty="0" smtClean="0">
+                <a:latin typeface="Calibri" charset="0"/>
+                <a:ea typeface="ＭＳ Ｐゴシック" charset="0"/>
+              </a:rPr>
+              <a:t>the online wiki</a:t>
+            </a:r>
+            <a:endParaRPr lang="en-US" altLang="ja-JP" sz="2600" dirty="0">
               <a:latin typeface="Calibri" charset="0"/>
               <a:ea typeface="ＭＳ Ｐゴシック" charset="0"/>
             </a:endParaRPr>
           </a:p>
+          <a:p>
+            <a:pPr>
+              <a:lnSpc>
+                <a:spcPct val="90000"/>
+              </a:lnSpc>
+            </a:pPr>
+            <a:r>
+              <a:rPr lang="en-US" sz="2600" dirty="0">
+                <a:latin typeface="Calibri" charset="0"/>
+                <a:ea typeface="ＭＳ Ｐゴシック" charset="0"/>
+              </a:rPr>
+              <a:t>Examples of the tasks performed:</a:t>
+            </a:r>
+          </a:p>
+          <a:p>
+            <a:pPr marL="342900" lvl="1" indent="-342900">
+              <a:lnSpc>
+                <a:spcPct val="90000"/>
+              </a:lnSpc>
+            </a:pPr>
+            <a:r>
+              <a:rPr lang="en-US" sz="2200" dirty="0">
+                <a:latin typeface="Calibri" charset="0"/>
+                <a:ea typeface="ＭＳ Ｐゴシック" charset="0"/>
+              </a:rPr>
+              <a:t>Examine the expression estimates</a:t>
+            </a:r>
+          </a:p>
+          <a:p>
+            <a:pPr lvl="2">
+              <a:lnSpc>
+                <a:spcPct val="90000"/>
+              </a:lnSpc>
+            </a:pPr>
+            <a:r>
+              <a:rPr lang="en-US" sz="1900" dirty="0">
+                <a:latin typeface="Calibri" charset="0"/>
+                <a:ea typeface="ＭＳ Ｐゴシック" charset="0"/>
+              </a:rPr>
+              <a:t>How reproducible are the technical replicates?  </a:t>
+            </a:r>
+          </a:p>
+          <a:p>
+            <a:pPr lvl="2">
+              <a:lnSpc>
+                <a:spcPct val="90000"/>
+              </a:lnSpc>
+            </a:pPr>
+            <a:r>
+              <a:rPr lang="en-US" sz="1900" dirty="0">
+                <a:latin typeface="Calibri" charset="0"/>
+                <a:ea typeface="ＭＳ Ｐゴシック" charset="0"/>
+              </a:rPr>
+              <a:t>How well do the different library construction methods correlate? </a:t>
+            </a:r>
+          </a:p>
+          <a:p>
+            <a:pPr lvl="2">
+              <a:lnSpc>
+                <a:spcPct val="90000"/>
+              </a:lnSpc>
+            </a:pPr>
+            <a:r>
+              <a:rPr lang="en-US" sz="1900" dirty="0">
+                <a:latin typeface="Calibri" charset="0"/>
+                <a:ea typeface="ＭＳ Ｐゴシック" charset="0"/>
+              </a:rPr>
+              <a:t>Visualize the differences between/among replicates, library prep methods and tumor versus normal</a:t>
+            </a:r>
+          </a:p>
+          <a:p>
+            <a:pPr marL="342900" lvl="1" indent="-342900">
+              <a:lnSpc>
+                <a:spcPct val="90000"/>
+              </a:lnSpc>
+            </a:pPr>
+            <a:r>
+              <a:rPr lang="en-US" sz="2200" dirty="0">
+                <a:latin typeface="Calibri" charset="0"/>
+                <a:ea typeface="ＭＳ Ｐゴシック" charset="0"/>
+              </a:rPr>
+              <a:t>Examine the differential expression estimates</a:t>
+            </a:r>
+          </a:p>
+          <a:p>
+            <a:pPr lvl="2">
+              <a:lnSpc>
+                <a:spcPct val="90000"/>
+              </a:lnSpc>
+            </a:pPr>
+            <a:r>
+              <a:rPr lang="en-US" sz="1900" dirty="0">
+                <a:latin typeface="Calibri" charset="0"/>
+                <a:ea typeface="ＭＳ Ｐゴシック" charset="0"/>
+              </a:rPr>
+              <a:t>Visualize the expression estimates and highlight those genes that appear to be differentially expressed according to </a:t>
+            </a:r>
+            <a:r>
+              <a:rPr lang="en-US" sz="1900" dirty="0" err="1">
+                <a:latin typeface="Calibri" charset="0"/>
+                <a:ea typeface="ＭＳ Ｐゴシック" charset="0"/>
+              </a:rPr>
+              <a:t>cuffdiff</a:t>
+            </a:r>
+            <a:endParaRPr lang="en-US" sz="1900" dirty="0">
+              <a:latin typeface="Calibri" charset="0"/>
+              <a:ea typeface="ＭＳ Ｐゴシック" charset="0"/>
+            </a:endParaRPr>
+          </a:p>
+          <a:p>
+            <a:pPr lvl="2">
+              <a:lnSpc>
+                <a:spcPct val="90000"/>
+              </a:lnSpc>
+            </a:pPr>
+            <a:r>
+              <a:rPr lang="en-US" sz="1900" dirty="0">
+                <a:latin typeface="Calibri" charset="0"/>
+                <a:ea typeface="ＭＳ Ｐゴシック" charset="0"/>
+              </a:rPr>
+              <a:t>Generate a list of the top differentially expressed genes</a:t>
+            </a:r>
+          </a:p>
+          <a:p>
+            <a:pPr>
+              <a:lnSpc>
+                <a:spcPct val="90000"/>
+              </a:lnSpc>
+            </a:pPr>
+            <a:endParaRPr lang="en-US" sz="2600" dirty="0">
+              <a:latin typeface="Calibri" charset="0"/>
+              <a:ea typeface="ＭＳ Ｐゴシック" charset="0"/>
+            </a:endParaRPr>
+          </a:p>
+          <a:p>
+            <a:pPr>
+              <a:lnSpc>
+                <a:spcPct val="90000"/>
+              </a:lnSpc>
+            </a:pPr>
+            <a:endParaRPr lang="en-US" sz="2600" dirty="0">
+              <a:latin typeface="Calibri" charset="0"/>
+              <a:ea typeface="ＭＳ Ｐゴシック" charset="0"/>
+            </a:endParaRPr>
+          </a:p>
         </p:txBody>
       </p:sp>
-      <p:pic>
-        <p:nvPicPr>
-          <p:cNvPr id="24578" name="Content Placeholder 3" descr="Screen Shot 2013-06-01 at 11.22.28 PM.png"/>
-          <p:cNvPicPr>
-            <a:picLocks noGrp="1" noChangeAspect="1"/>
-          </p:cNvPicPr>
-          <p:nvPr>
-            <p:ph idx="1"/>
-          </p:nvPr>
-        </p:nvPicPr>
-        <p:blipFill>
-          <a:blip r:embed="rId2">
-            <a:extLst>
-              <a:ext uri="{28A0092B-C50C-407E-A947-70E740481C1C}">
-                <a14:useLocalDpi xmlns:a14="http://schemas.microsoft.com/office/drawing/2010/main" val="0"/>
-              </a:ext>
-            </a:extLst>
-          </a:blip>
-          <a:srcRect l="-11166" r="-11166"/>
-          <a:stretch>
-            <a:fillRect/>
-          </a:stretch>
-        </p:blipFill>
-        <p:spPr>
-          <a:xfrm>
-            <a:off x="152400" y="1341438"/>
-            <a:ext cx="8839200" cy="4724400"/>
-          </a:xfrm>
-        </p:spPr>
-      </p:pic>
     </p:spTree>
     <p:extLst>
       <p:ext uri="{BB962C8B-B14F-4D97-AF65-F5344CB8AC3E}">
-        <p14:creationId xmlns:p14="http://schemas.microsoft.com/office/powerpoint/2010/main" val="3027940297"/>
+        <p14:creationId xmlns:p14="http://schemas.microsoft.com/office/powerpoint/2010/main" val="3131372927"/>
       </p:ext>
     </p:extLst>
   </p:cSld>
   <p:clrMapOvr>
     <a:masterClrMapping/>
   </p:clrMapOvr>
+  <p:timing>
+    <p:tnLst>
+      <p:par>
+        <p:cTn xmlns:p14="http://schemas.microsoft.com/office/powerpoint/2010/main" id="1" dur="indefinite" restart="never" nodeType="tmRoot"/>
+      </p:par>
+    </p:tnLst>
+  </p:timing>
 </p:sld>
 </file>
 

--- a/LectureFiles/cshl/2015/RNASeq_Module3_Tutorial.pptx
+++ b/LectureFiles/cshl/2015/RNASeq_Module3_Tutorial.pptx
@@ -5,24 +5,25 @@
     <p:sldMasterId id="2147483648" r:id="rId1"/>
   </p:sldMasterIdLst>
   <p:notesMasterIdLst>
-    <p:notesMasterId r:id="rId14"/>
+    <p:notesMasterId r:id="rId15"/>
   </p:notesMasterIdLst>
   <p:handoutMasterIdLst>
-    <p:handoutMasterId r:id="rId15"/>
+    <p:handoutMasterId r:id="rId16"/>
   </p:handoutMasterIdLst>
   <p:sldIdLst>
     <p:sldId id="341" r:id="rId2"/>
     <p:sldId id="513" r:id="rId3"/>
     <p:sldId id="514" r:id="rId4"/>
-    <p:sldId id="515" r:id="rId5"/>
-    <p:sldId id="516" r:id="rId6"/>
-    <p:sldId id="517" r:id="rId7"/>
-    <p:sldId id="518" r:id="rId8"/>
-    <p:sldId id="519" r:id="rId9"/>
-    <p:sldId id="520" r:id="rId10"/>
-    <p:sldId id="521" r:id="rId11"/>
-    <p:sldId id="522" r:id="rId12"/>
-    <p:sldId id="512" r:id="rId13"/>
+    <p:sldId id="523" r:id="rId5"/>
+    <p:sldId id="515" r:id="rId6"/>
+    <p:sldId id="516" r:id="rId7"/>
+    <p:sldId id="517" r:id="rId8"/>
+    <p:sldId id="518" r:id="rId9"/>
+    <p:sldId id="519" r:id="rId10"/>
+    <p:sldId id="520" r:id="rId11"/>
+    <p:sldId id="521" r:id="rId12"/>
+    <p:sldId id="522" r:id="rId13"/>
+    <p:sldId id="512" r:id="rId14"/>
   </p:sldIdLst>
   <p:sldSz cx="9144000" cy="6858000" type="screen4x3"/>
   <p:notesSz cx="7315200" cy="9601200"/>
@@ -257,7 +258,7 @@
               <a:pPr>
                 <a:defRPr/>
               </a:pPr>
-              <a:t>11/14/15</a:t>
+              <a:t>11/17/15</a:t>
             </a:fld>
             <a:endParaRPr lang="en-US"/>
           </a:p>
@@ -464,7 +465,7 @@
               <a:pPr>
                 <a:defRPr/>
               </a:pPr>
-              <a:t>11/14/15</a:t>
+              <a:t>11/17/15</a:t>
             </a:fld>
             <a:endParaRPr lang="en-US"/>
           </a:p>
@@ -1214,7 +1215,7 @@
                 <a:latin typeface="Calibri" charset="0"/>
               </a:rPr>
               <a:pPr eaLnBrk="1" hangingPunct="1"/>
-              <a:t>4</a:t>
+              <a:t>5</a:t>
             </a:fld>
             <a:endParaRPr lang="en-US" sz="1300">
               <a:latin typeface="Calibri" charset="0"/>
@@ -1473,7 +1474,7 @@
                 <a:latin typeface="Calibri" charset="0"/>
               </a:rPr>
               <a:pPr eaLnBrk="1" hangingPunct="1"/>
-              <a:t>5</a:t>
+              <a:t>6</a:t>
             </a:fld>
             <a:endParaRPr lang="en-US" sz="1300">
               <a:latin typeface="Calibri" charset="0"/>
@@ -1732,7 +1733,7 @@
                 <a:latin typeface="Calibri" charset="0"/>
               </a:rPr>
               <a:pPr eaLnBrk="1" hangingPunct="1"/>
-              <a:t>6</a:t>
+              <a:t>7</a:t>
             </a:fld>
             <a:endParaRPr lang="en-US" sz="1300">
               <a:latin typeface="Calibri" charset="0"/>
@@ -2073,7 +2074,7 @@
                 <a:latin typeface="Calibri" charset="0"/>
               </a:rPr>
               <a:pPr eaLnBrk="1" hangingPunct="1"/>
-              <a:t>7</a:t>
+              <a:t>8</a:t>
             </a:fld>
             <a:endParaRPr lang="en-US" sz="1300">
               <a:latin typeface="Calibri" charset="0"/>
@@ -2340,7 +2341,7 @@
                 <a:latin typeface="Calibri" charset="0"/>
               </a:rPr>
               <a:pPr eaLnBrk="1" hangingPunct="1"/>
-              <a:t>8</a:t>
+              <a:t>9</a:t>
             </a:fld>
             <a:endParaRPr lang="en-US" sz="1300">
               <a:latin typeface="Calibri" charset="0"/>
@@ -2607,7 +2608,7 @@
                 <a:latin typeface="Calibri" charset="0"/>
               </a:rPr>
               <a:pPr eaLnBrk="1" hangingPunct="1"/>
-              <a:t>9</a:t>
+              <a:t>10</a:t>
             </a:fld>
             <a:endParaRPr lang="en-US" sz="1300">
               <a:latin typeface="Calibri" charset="0"/>
@@ -2874,7 +2875,7 @@
                 <a:latin typeface="Calibri" charset="0"/>
               </a:rPr>
               <a:pPr eaLnBrk="1" hangingPunct="1"/>
-              <a:t>10</a:t>
+              <a:t>11</a:t>
             </a:fld>
             <a:endParaRPr lang="en-US" sz="1300">
               <a:latin typeface="Calibri" charset="0"/>
@@ -5198,7 +5199,7 @@
               <a:pPr>
                 <a:defRPr/>
               </a:pPr>
-              <a:t>11/14/15</a:t>
+              <a:t>11/17/15</a:t>
             </a:fld>
             <a:endParaRPr lang="en-US"/>
           </a:p>
@@ -5954,6 +5955,300 @@
       </p:grpSpPr>
       <p:sp>
         <p:nvSpPr>
+          <p:cNvPr id="29697" name="Title 1"/>
+          <p:cNvSpPr>
+            <a:spLocks noGrp="1"/>
+          </p:cNvSpPr>
+          <p:nvPr>
+            <p:ph type="title"/>
+          </p:nvPr>
+        </p:nvSpPr>
+        <p:spPr>
+          <a:xfrm>
+            <a:off x="152400" y="44450"/>
+            <a:ext cx="8839200" cy="1143000"/>
+          </a:xfrm>
+        </p:spPr>
+        <p:txBody>
+          <a:bodyPr/>
+          <a:lstStyle/>
+          <a:p>
+            <a:r>
+              <a:rPr lang="en-US" sz="3600" dirty="0" smtClean="0">
+                <a:latin typeface="Calibri" charset="0"/>
+                <a:ea typeface="ＭＳ Ｐゴシック" charset="0"/>
+              </a:rPr>
+              <a:t>Summarize </a:t>
+            </a:r>
+            <a:r>
+              <a:rPr lang="en-US" sz="3600" dirty="0">
+                <a:latin typeface="Calibri" charset="0"/>
+                <a:ea typeface="ＭＳ Ｐゴシック" charset="0"/>
+              </a:rPr>
+              <a:t>and visualize results</a:t>
+            </a:r>
+            <a:br>
+              <a:rPr lang="en-US" sz="3600" dirty="0">
+                <a:latin typeface="Calibri" charset="0"/>
+                <a:ea typeface="ＭＳ Ｐゴシック" charset="0"/>
+              </a:rPr>
+            </a:br>
+            <a:r>
+              <a:rPr lang="en-US" sz="3600" dirty="0">
+                <a:latin typeface="Calibri" charset="0"/>
+                <a:ea typeface="ＭＳ Ｐゴシック" charset="0"/>
+              </a:rPr>
+              <a:t>(optional)</a:t>
+            </a:r>
+          </a:p>
+        </p:txBody>
+      </p:sp>
+      <p:sp>
+        <p:nvSpPr>
+          <p:cNvPr id="29698" name="Content Placeholder 2"/>
+          <p:cNvSpPr>
+            <a:spLocks noGrp="1"/>
+          </p:cNvSpPr>
+          <p:nvPr>
+            <p:ph idx="1"/>
+          </p:nvPr>
+        </p:nvSpPr>
+        <p:spPr>
+          <a:xfrm>
+            <a:off x="152400" y="1268413"/>
+            <a:ext cx="8839200" cy="5056187"/>
+          </a:xfrm>
+        </p:spPr>
+        <p:txBody>
+          <a:bodyPr/>
+          <a:lstStyle/>
+          <a:p>
+            <a:pPr>
+              <a:lnSpc>
+                <a:spcPct val="90000"/>
+              </a:lnSpc>
+            </a:pPr>
+            <a:r>
+              <a:rPr lang="en-US" sz="2600" dirty="0">
+                <a:latin typeface="Calibri" charset="0"/>
+                <a:ea typeface="ＭＳ Ｐゴシック" charset="0"/>
+              </a:rPr>
+              <a:t>In this step we will use R to summarize and visualize the results of the previous steps</a:t>
+            </a:r>
+          </a:p>
+          <a:p>
+            <a:pPr marL="342900" lvl="1" indent="-342900">
+              <a:lnSpc>
+                <a:spcPct val="90000"/>
+              </a:lnSpc>
+              <a:buFont typeface="Arial" charset="0"/>
+              <a:buChar char="•"/>
+            </a:pPr>
+            <a:r>
+              <a:rPr lang="en-US" sz="2600" dirty="0">
+                <a:latin typeface="Calibri" charset="0"/>
+                <a:ea typeface="ＭＳ Ｐゴシック" charset="0"/>
+              </a:rPr>
+              <a:t>Explanation of the R commands is provided in </a:t>
+            </a:r>
+            <a:r>
+              <a:rPr lang="en-US" sz="2600" dirty="0" smtClean="0">
+                <a:latin typeface="Calibri" charset="0"/>
+                <a:ea typeface="ＭＳ Ｐゴシック" charset="0"/>
+              </a:rPr>
+              <a:t>the online wiki</a:t>
+            </a:r>
+            <a:endParaRPr lang="en-US" altLang="ja-JP" sz="2600" dirty="0">
+              <a:latin typeface="Calibri" charset="0"/>
+              <a:ea typeface="ＭＳ Ｐゴシック" charset="0"/>
+            </a:endParaRPr>
+          </a:p>
+          <a:p>
+            <a:pPr>
+              <a:lnSpc>
+                <a:spcPct val="90000"/>
+              </a:lnSpc>
+            </a:pPr>
+            <a:r>
+              <a:rPr lang="en-US" sz="2600" dirty="0">
+                <a:latin typeface="Calibri" charset="0"/>
+                <a:ea typeface="ＭＳ Ｐゴシック" charset="0"/>
+              </a:rPr>
+              <a:t>Examples of the tasks performed:</a:t>
+            </a:r>
+          </a:p>
+          <a:p>
+            <a:pPr marL="342900" lvl="1" indent="-342900">
+              <a:lnSpc>
+                <a:spcPct val="90000"/>
+              </a:lnSpc>
+            </a:pPr>
+            <a:r>
+              <a:rPr lang="en-US" sz="2200" dirty="0">
+                <a:latin typeface="Calibri" charset="0"/>
+                <a:ea typeface="ＭＳ Ｐゴシック" charset="0"/>
+              </a:rPr>
+              <a:t>Examine the expression estimates</a:t>
+            </a:r>
+          </a:p>
+          <a:p>
+            <a:pPr lvl="2">
+              <a:lnSpc>
+                <a:spcPct val="90000"/>
+              </a:lnSpc>
+            </a:pPr>
+            <a:r>
+              <a:rPr lang="en-US" sz="1900" dirty="0">
+                <a:latin typeface="Calibri" charset="0"/>
+                <a:ea typeface="ＭＳ Ｐゴシック" charset="0"/>
+              </a:rPr>
+              <a:t>How reproducible are the technical replicates?  </a:t>
+            </a:r>
+          </a:p>
+          <a:p>
+            <a:pPr lvl="2">
+              <a:lnSpc>
+                <a:spcPct val="90000"/>
+              </a:lnSpc>
+            </a:pPr>
+            <a:r>
+              <a:rPr lang="en-US" sz="1900" dirty="0">
+                <a:latin typeface="Calibri" charset="0"/>
+                <a:ea typeface="ＭＳ Ｐゴシック" charset="0"/>
+              </a:rPr>
+              <a:t>How well do the different library construction methods correlate? </a:t>
+            </a:r>
+          </a:p>
+          <a:p>
+            <a:pPr lvl="2">
+              <a:lnSpc>
+                <a:spcPct val="90000"/>
+              </a:lnSpc>
+            </a:pPr>
+            <a:r>
+              <a:rPr lang="en-US" sz="1900" dirty="0">
+                <a:latin typeface="Calibri" charset="0"/>
+                <a:ea typeface="ＭＳ Ｐゴシック" charset="0"/>
+              </a:rPr>
+              <a:t>Visualize the differences between/among replicates, library prep methods and tumor versus normal</a:t>
+            </a:r>
+          </a:p>
+          <a:p>
+            <a:pPr marL="342900" lvl="1" indent="-342900">
+              <a:lnSpc>
+                <a:spcPct val="90000"/>
+              </a:lnSpc>
+            </a:pPr>
+            <a:r>
+              <a:rPr lang="en-US" sz="2200" dirty="0">
+                <a:latin typeface="Calibri" charset="0"/>
+                <a:ea typeface="ＭＳ Ｐゴシック" charset="0"/>
+              </a:rPr>
+              <a:t>Examine the differential expression estimates</a:t>
+            </a:r>
+          </a:p>
+          <a:p>
+            <a:pPr lvl="2">
+              <a:lnSpc>
+                <a:spcPct val="90000"/>
+              </a:lnSpc>
+            </a:pPr>
+            <a:r>
+              <a:rPr lang="en-US" sz="1900" dirty="0">
+                <a:latin typeface="Calibri" charset="0"/>
+                <a:ea typeface="ＭＳ Ｐゴシック" charset="0"/>
+              </a:rPr>
+              <a:t>Visualize the expression estimates and highlight those genes that appear to be differentially expressed according to </a:t>
+            </a:r>
+            <a:r>
+              <a:rPr lang="en-US" sz="1900" dirty="0" err="1">
+                <a:latin typeface="Calibri" charset="0"/>
+                <a:ea typeface="ＭＳ Ｐゴシック" charset="0"/>
+              </a:rPr>
+              <a:t>cuffdiff</a:t>
+            </a:r>
+            <a:endParaRPr lang="en-US" sz="1900" dirty="0">
+              <a:latin typeface="Calibri" charset="0"/>
+              <a:ea typeface="ＭＳ Ｐゴシック" charset="0"/>
+            </a:endParaRPr>
+          </a:p>
+          <a:p>
+            <a:pPr lvl="2">
+              <a:lnSpc>
+                <a:spcPct val="90000"/>
+              </a:lnSpc>
+            </a:pPr>
+            <a:r>
+              <a:rPr lang="en-US" sz="1900" dirty="0">
+                <a:latin typeface="Calibri" charset="0"/>
+                <a:ea typeface="ＭＳ Ｐゴシック" charset="0"/>
+              </a:rPr>
+              <a:t>Generate a list of the top differentially expressed genes</a:t>
+            </a:r>
+          </a:p>
+          <a:p>
+            <a:pPr>
+              <a:lnSpc>
+                <a:spcPct val="90000"/>
+              </a:lnSpc>
+            </a:pPr>
+            <a:endParaRPr lang="en-US" sz="2600" dirty="0">
+              <a:latin typeface="Calibri" charset="0"/>
+              <a:ea typeface="ＭＳ Ｐゴシック" charset="0"/>
+            </a:endParaRPr>
+          </a:p>
+          <a:p>
+            <a:pPr>
+              <a:lnSpc>
+                <a:spcPct val="90000"/>
+              </a:lnSpc>
+            </a:pPr>
+            <a:endParaRPr lang="en-US" sz="2600" dirty="0">
+              <a:latin typeface="Calibri" charset="0"/>
+              <a:ea typeface="ＭＳ Ｐゴシック" charset="0"/>
+            </a:endParaRPr>
+          </a:p>
+        </p:txBody>
+      </p:sp>
+    </p:spTree>
+    <p:extLst>
+      <p:ext uri="{BB962C8B-B14F-4D97-AF65-F5344CB8AC3E}">
+        <p14:creationId xmlns:p14="http://schemas.microsoft.com/office/powerpoint/2010/main" val="3131372927"/>
+      </p:ext>
+    </p:extLst>
+  </p:cSld>
+  <p:clrMapOvr>
+    <a:masterClrMapping/>
+  </p:clrMapOvr>
+  <p:timing>
+    <p:tnLst>
+      <p:par>
+        <p:cTn xmlns:p14="http://schemas.microsoft.com/office/powerpoint/2010/main" id="1" dur="indefinite" restart="never" nodeType="tmRoot"/>
+      </p:par>
+    </p:tnLst>
+  </p:timing>
+</p:sld>
+</file>
+
+<file path=ppt/slides/slide11.xml><?xml version="1.0" encoding="utf-8"?>
+<p:sld xmlns:a="http://schemas.openxmlformats.org/drawingml/2006/main" xmlns:r="http://schemas.openxmlformats.org/officeDocument/2006/relationships" xmlns:p="http://schemas.openxmlformats.org/presentationml/2006/main">
+  <p:cSld>
+    <p:spTree>
+      <p:nvGrpSpPr>
+        <p:cNvPr id="1" name=""/>
+        <p:cNvGrpSpPr/>
+        <p:nvPr/>
+      </p:nvGrpSpPr>
+      <p:grpSpPr>
+        <a:xfrm>
+          <a:off x="0" y="0"/>
+          <a:ext cx="0" cy="0"/>
+          <a:chOff x="0" y="0"/>
+          <a:chExt cx="0" cy="0"/>
+        </a:xfrm>
+      </p:grpSpPr>
+      <p:sp>
+        <p:nvSpPr>
           <p:cNvPr id="31745" name="Title 1"/>
           <p:cNvSpPr>
             <a:spLocks noGrp="1"/>
@@ -6134,7 +6429,7 @@
 </p:sld>
 </file>
 
-<file path=ppt/slides/slide11.xml><?xml version="1.0" encoding="utf-8"?>
+<file path=ppt/slides/slide12.xml><?xml version="1.0" encoding="utf-8"?>
 <p:sld xmlns:a="http://schemas.openxmlformats.org/drawingml/2006/main" xmlns:r="http://schemas.openxmlformats.org/officeDocument/2006/relationships" xmlns:p="http://schemas.openxmlformats.org/presentationml/2006/main">
   <p:cSld>
     <p:spTree>
@@ -6560,7 +6855,7 @@
 </p:sld>
 </file>
 
-<file path=ppt/slides/slide12.xml><?xml version="1.0" encoding="utf-8"?>
+<file path=ppt/slides/slide13.xml><?xml version="1.0" encoding="utf-8"?>
 <p:sld xmlns:a="http://schemas.openxmlformats.org/drawingml/2006/main" xmlns:r="http://schemas.openxmlformats.org/officeDocument/2006/relationships" xmlns:p="http://schemas.openxmlformats.org/presentationml/2006/main">
   <p:cSld>
     <p:spTree>
@@ -7001,16 +7296,6 @@
               </a:rPr>
               <a:t>3</a:t>
             </a:r>
-            <a:r>
-              <a:rPr lang="en-US" sz="2000" dirty="0">
-                <a:solidFill>
-                  <a:schemeClr val="bg1"/>
-                </a:solidFill>
-                <a:latin typeface="Calibri" charset="0"/>
-                <a:cs typeface="Segoe UI" charset="0"/>
-              </a:rPr>
-              <a:t/>
-            </a:r>
             <a:br>
               <a:rPr lang="en-US" sz="2000" dirty="0">
                 <a:solidFill>
@@ -7028,37 +7313,7 @@
                 <a:latin typeface="Calibri" charset="0"/>
                 <a:cs typeface="Segoe UI" charset="0"/>
               </a:rPr>
-              <a:t>Expression and Differential Expression</a:t>
-            </a:r>
-            <a:r>
-              <a:rPr lang="en-US" sz="2000" dirty="0" smtClean="0">
-                <a:solidFill>
-                  <a:schemeClr val="bg1"/>
-                </a:solidFill>
-                <a:latin typeface="Calibri" charset="0"/>
-                <a:cs typeface="Segoe UI" charset="0"/>
-              </a:rPr>
-              <a:t> (</a:t>
-            </a:r>
-            <a:r>
-              <a:rPr lang="en-US" sz="2000" dirty="0" smtClean="0">
-                <a:solidFill>
-                  <a:schemeClr val="bg1"/>
-                </a:solidFill>
-                <a:latin typeface="Calibri" charset="0"/>
-                <a:cs typeface="Segoe UI" charset="0"/>
-              </a:rPr>
-              <a:t>tutorial</a:t>
-            </a:r>
-            <a:r>
-              <a:rPr lang="en-US" sz="2000" dirty="0" smtClean="0">
-                <a:solidFill>
-                  <a:schemeClr val="bg1"/>
-                </a:solidFill>
-                <a:latin typeface="Calibri" charset="0"/>
-                <a:cs typeface="Segoe UI" charset="0"/>
-              </a:rPr>
-              <a:t>)</a:t>
+              <a:t>Expression and Differential Expression (tutorial)</a:t>
             </a:r>
             <a:endParaRPr lang="en-US" sz="1800" b="1" dirty="0">
               <a:solidFill>
@@ -7352,6 +7607,102 @@
       </p:grpSpPr>
       <p:sp>
         <p:nvSpPr>
+          <p:cNvPr id="2" name="Title 1"/>
+          <p:cNvSpPr>
+            <a:spLocks noGrp="1"/>
+          </p:cNvSpPr>
+          <p:nvPr>
+            <p:ph type="title"/>
+          </p:nvPr>
+        </p:nvSpPr>
+        <p:spPr>
+          <a:xfrm>
+            <a:off x="152400" y="274638"/>
+            <a:ext cx="8839200" cy="706090"/>
+          </a:xfrm>
+        </p:spPr>
+        <p:txBody>
+          <a:bodyPr/>
+          <a:lstStyle/>
+          <a:p>
+            <a:r>
+              <a:rPr lang="en-US" dirty="0" smtClean="0"/>
+              <a:t>RNA-</a:t>
+            </a:r>
+            <a:r>
+              <a:rPr lang="en-US" dirty="0" err="1" smtClean="0"/>
+              <a:t>seq</a:t>
+            </a:r>
+            <a:r>
+              <a:rPr lang="en-US" dirty="0" smtClean="0"/>
+              <a:t> Analysis Flow Chart</a:t>
+            </a:r>
+            <a:endParaRPr lang="en-US" dirty="0"/>
+          </a:p>
+        </p:txBody>
+      </p:sp>
+      <p:pic>
+        <p:nvPicPr>
+          <p:cNvPr id="4" name="Content Placeholder 3" descr="journal.pcbi.1004393.g005.PNG"/>
+          <p:cNvPicPr>
+            <a:picLocks noGrp="1" noChangeAspect="1"/>
+          </p:cNvPicPr>
+          <p:nvPr>
+            <p:ph idx="1"/>
+          </p:nvPr>
+        </p:nvPicPr>
+        <p:blipFill>
+          <a:blip r:embed="rId2" cstate="print">
+            <a:extLst>
+              <a:ext uri="{28A0092B-C50C-407E-A947-70E740481C1C}">
+                <a14:useLocalDpi xmlns:a14="http://schemas.microsoft.com/office/drawing/2010/main" val="0"/>
+              </a:ext>
+            </a:extLst>
+          </a:blip>
+          <a:srcRect l="-91517" r="-91517"/>
+          <a:stretch>
+            <a:fillRect/>
+          </a:stretch>
+        </p:blipFill>
+        <p:spPr>
+          <a:xfrm>
+            <a:off x="-385652" y="980728"/>
+            <a:ext cx="9998212" cy="5343872"/>
+          </a:xfrm>
+        </p:spPr>
+      </p:pic>
+    </p:spTree>
+    <p:extLst>
+      <p:ext uri="{BB962C8B-B14F-4D97-AF65-F5344CB8AC3E}">
+        <p14:creationId xmlns:p14="http://schemas.microsoft.com/office/powerpoint/2010/main" val="793149458"/>
+      </p:ext>
+    </p:extLst>
+  </p:cSld>
+  <p:clrMapOvr>
+    <a:masterClrMapping/>
+  </p:clrMapOvr>
+</p:sld>
+</file>
+
+<file path=ppt/slides/slide5.xml><?xml version="1.0" encoding="utf-8"?>
+<p:sld xmlns:a="http://schemas.openxmlformats.org/drawingml/2006/main" xmlns:r="http://schemas.openxmlformats.org/officeDocument/2006/relationships" xmlns:p="http://schemas.openxmlformats.org/presentationml/2006/main">
+  <p:cSld>
+    <p:spTree>
+      <p:nvGrpSpPr>
+        <p:cNvPr id="1" name=""/>
+        <p:cNvGrpSpPr/>
+        <p:nvPr/>
+      </p:nvGrpSpPr>
+      <p:grpSpPr>
+        <a:xfrm>
+          <a:off x="0" y="0"/>
+          <a:ext cx="0" cy="0"/>
+          <a:chOff x="0" y="0"/>
+          <a:chExt cx="0" cy="0"/>
+        </a:xfrm>
+      </p:grpSpPr>
+      <p:sp>
+        <p:nvSpPr>
           <p:cNvPr id="19457" name="Rectangle 2"/>
           <p:cNvSpPr>
             <a:spLocks noGrp="1" noChangeArrowheads="1"/>
@@ -7761,7 +8112,7 @@
 </p:sld>
 </file>
 
-<file path=ppt/slides/slide5.xml><?xml version="1.0" encoding="utf-8"?>
+<file path=ppt/slides/slide6.xml><?xml version="1.0" encoding="utf-8"?>
 <p:sld xmlns:a="http://schemas.openxmlformats.org/drawingml/2006/main" xmlns:r="http://schemas.openxmlformats.org/officeDocument/2006/relationships" xmlns:p="http://schemas.openxmlformats.org/presentationml/2006/main">
   <p:cSld>
     <p:spTree>
@@ -8062,7 +8413,7 @@
 </p:sld>
 </file>
 
-<file path=ppt/slides/slide6.xml><?xml version="1.0" encoding="utf-8"?>
+<file path=ppt/slides/slide7.xml><?xml version="1.0" encoding="utf-8"?>
 <p:sld xmlns:a="http://schemas.openxmlformats.org/drawingml/2006/main" xmlns:r="http://schemas.openxmlformats.org/officeDocument/2006/relationships" xmlns:p="http://schemas.openxmlformats.org/presentationml/2006/main">
   <p:cSld>
     <p:spTree>
@@ -8370,7 +8721,7 @@
 </p:sld>
 </file>
 
-<file path=ppt/slides/slide7.xml><?xml version="1.0" encoding="utf-8"?>
+<file path=ppt/slides/slide8.xml><?xml version="1.0" encoding="utf-8"?>
 <p:sld xmlns:a="http://schemas.openxmlformats.org/drawingml/2006/main" xmlns:r="http://schemas.openxmlformats.org/officeDocument/2006/relationships" xmlns:p="http://schemas.openxmlformats.org/presentationml/2006/main">
   <p:cSld>
     <p:spTree>
@@ -8765,7 +9116,7 @@
 </p:sld>
 </file>
 
-<file path=ppt/slides/slide8.xml><?xml version="1.0" encoding="utf-8"?>
+<file path=ppt/slides/slide9.xml><?xml version="1.0" encoding="utf-8"?>
 <p:sld xmlns:a="http://schemas.openxmlformats.org/drawingml/2006/main" xmlns:r="http://schemas.openxmlformats.org/officeDocument/2006/relationships" xmlns:p="http://schemas.openxmlformats.org/presentationml/2006/main">
   <p:cSld>
     <p:spTree>
@@ -8932,300 +9283,6 @@
     <p:extLst>
       <p:ext uri="{BB962C8B-B14F-4D97-AF65-F5344CB8AC3E}">
         <p14:creationId xmlns:p14="http://schemas.microsoft.com/office/powerpoint/2010/main" val="616290861"/>
-      </p:ext>
-    </p:extLst>
-  </p:cSld>
-  <p:clrMapOvr>
-    <a:masterClrMapping/>
-  </p:clrMapOvr>
-  <p:timing>
-    <p:tnLst>
-      <p:par>
-        <p:cTn xmlns:p14="http://schemas.microsoft.com/office/powerpoint/2010/main" id="1" dur="indefinite" restart="never" nodeType="tmRoot"/>
-      </p:par>
-    </p:tnLst>
-  </p:timing>
-</p:sld>
-</file>
-
-<file path=ppt/slides/slide9.xml><?xml version="1.0" encoding="utf-8"?>
-<p:sld xmlns:a="http://schemas.openxmlformats.org/drawingml/2006/main" xmlns:r="http://schemas.openxmlformats.org/officeDocument/2006/relationships" xmlns:p="http://schemas.openxmlformats.org/presentationml/2006/main">
-  <p:cSld>
-    <p:spTree>
-      <p:nvGrpSpPr>
-        <p:cNvPr id="1" name=""/>
-        <p:cNvGrpSpPr/>
-        <p:nvPr/>
-      </p:nvGrpSpPr>
-      <p:grpSpPr>
-        <a:xfrm>
-          <a:off x="0" y="0"/>
-          <a:ext cx="0" cy="0"/>
-          <a:chOff x="0" y="0"/>
-          <a:chExt cx="0" cy="0"/>
-        </a:xfrm>
-      </p:grpSpPr>
-      <p:sp>
-        <p:nvSpPr>
-          <p:cNvPr id="29697" name="Title 1"/>
-          <p:cNvSpPr>
-            <a:spLocks noGrp="1"/>
-          </p:cNvSpPr>
-          <p:nvPr>
-            <p:ph type="title"/>
-          </p:nvPr>
-        </p:nvSpPr>
-        <p:spPr>
-          <a:xfrm>
-            <a:off x="152400" y="44450"/>
-            <a:ext cx="8839200" cy="1143000"/>
-          </a:xfrm>
-        </p:spPr>
-        <p:txBody>
-          <a:bodyPr/>
-          <a:lstStyle/>
-          <a:p>
-            <a:r>
-              <a:rPr lang="en-US" sz="3600" dirty="0" smtClean="0">
-                <a:latin typeface="Calibri" charset="0"/>
-                <a:ea typeface="ＭＳ Ｐゴシック" charset="0"/>
-              </a:rPr>
-              <a:t>Summarize </a:t>
-            </a:r>
-            <a:r>
-              <a:rPr lang="en-US" sz="3600" dirty="0">
-                <a:latin typeface="Calibri" charset="0"/>
-                <a:ea typeface="ＭＳ Ｐゴシック" charset="0"/>
-              </a:rPr>
-              <a:t>and visualize results</a:t>
-            </a:r>
-            <a:br>
-              <a:rPr lang="en-US" sz="3600" dirty="0">
-                <a:latin typeface="Calibri" charset="0"/>
-                <a:ea typeface="ＭＳ Ｐゴシック" charset="0"/>
-              </a:rPr>
-            </a:br>
-            <a:r>
-              <a:rPr lang="en-US" sz="3600" dirty="0">
-                <a:latin typeface="Calibri" charset="0"/>
-                <a:ea typeface="ＭＳ Ｐゴシック" charset="0"/>
-              </a:rPr>
-              <a:t>(optional)</a:t>
-            </a:r>
-          </a:p>
-        </p:txBody>
-      </p:sp>
-      <p:sp>
-        <p:nvSpPr>
-          <p:cNvPr id="29698" name="Content Placeholder 2"/>
-          <p:cNvSpPr>
-            <a:spLocks noGrp="1"/>
-          </p:cNvSpPr>
-          <p:nvPr>
-            <p:ph idx="1"/>
-          </p:nvPr>
-        </p:nvSpPr>
-        <p:spPr>
-          <a:xfrm>
-            <a:off x="152400" y="1268413"/>
-            <a:ext cx="8839200" cy="5056187"/>
-          </a:xfrm>
-        </p:spPr>
-        <p:txBody>
-          <a:bodyPr/>
-          <a:lstStyle/>
-          <a:p>
-            <a:pPr>
-              <a:lnSpc>
-                <a:spcPct val="90000"/>
-              </a:lnSpc>
-            </a:pPr>
-            <a:r>
-              <a:rPr lang="en-US" sz="2600" dirty="0">
-                <a:latin typeface="Calibri" charset="0"/>
-                <a:ea typeface="ＭＳ Ｐゴシック" charset="0"/>
-              </a:rPr>
-              <a:t>In this step we will use R to summarize and visualize the results of the previous steps</a:t>
-            </a:r>
-          </a:p>
-          <a:p>
-            <a:pPr marL="342900" lvl="1" indent="-342900">
-              <a:lnSpc>
-                <a:spcPct val="90000"/>
-              </a:lnSpc>
-              <a:buFont typeface="Arial" charset="0"/>
-              <a:buChar char="•"/>
-            </a:pPr>
-            <a:r>
-              <a:rPr lang="en-US" sz="2600" dirty="0">
-                <a:latin typeface="Calibri" charset="0"/>
-                <a:ea typeface="ＭＳ Ｐゴシック" charset="0"/>
-              </a:rPr>
-              <a:t>Explanation of the R commands is provided in </a:t>
-            </a:r>
-            <a:r>
-              <a:rPr lang="en-US" sz="2600" dirty="0" smtClean="0">
-                <a:latin typeface="Calibri" charset="0"/>
-                <a:ea typeface="ＭＳ Ｐゴシック" charset="0"/>
-              </a:rPr>
-              <a:t>the online wiki</a:t>
-            </a:r>
-            <a:endParaRPr lang="en-US" altLang="ja-JP" sz="2600" dirty="0">
-              <a:latin typeface="Calibri" charset="0"/>
-              <a:ea typeface="ＭＳ Ｐゴシック" charset="0"/>
-            </a:endParaRPr>
-          </a:p>
-          <a:p>
-            <a:pPr>
-              <a:lnSpc>
-                <a:spcPct val="90000"/>
-              </a:lnSpc>
-            </a:pPr>
-            <a:r>
-              <a:rPr lang="en-US" sz="2600" dirty="0">
-                <a:latin typeface="Calibri" charset="0"/>
-                <a:ea typeface="ＭＳ Ｐゴシック" charset="0"/>
-              </a:rPr>
-              <a:t>Examples of the tasks performed:</a:t>
-            </a:r>
-          </a:p>
-          <a:p>
-            <a:pPr marL="342900" lvl="1" indent="-342900">
-              <a:lnSpc>
-                <a:spcPct val="90000"/>
-              </a:lnSpc>
-            </a:pPr>
-            <a:r>
-              <a:rPr lang="en-US" sz="2200" dirty="0">
-                <a:latin typeface="Calibri" charset="0"/>
-                <a:ea typeface="ＭＳ Ｐゴシック" charset="0"/>
-              </a:rPr>
-              <a:t>Examine the expression estimates</a:t>
-            </a:r>
-          </a:p>
-          <a:p>
-            <a:pPr lvl="2">
-              <a:lnSpc>
-                <a:spcPct val="90000"/>
-              </a:lnSpc>
-            </a:pPr>
-            <a:r>
-              <a:rPr lang="en-US" sz="1900" dirty="0">
-                <a:latin typeface="Calibri" charset="0"/>
-                <a:ea typeface="ＭＳ Ｐゴシック" charset="0"/>
-              </a:rPr>
-              <a:t>How reproducible are the technical replicates?  </a:t>
-            </a:r>
-          </a:p>
-          <a:p>
-            <a:pPr lvl="2">
-              <a:lnSpc>
-                <a:spcPct val="90000"/>
-              </a:lnSpc>
-            </a:pPr>
-            <a:r>
-              <a:rPr lang="en-US" sz="1900" dirty="0">
-                <a:latin typeface="Calibri" charset="0"/>
-                <a:ea typeface="ＭＳ Ｐゴシック" charset="0"/>
-              </a:rPr>
-              <a:t>How well do the different library construction methods correlate? </a:t>
-            </a:r>
-          </a:p>
-          <a:p>
-            <a:pPr lvl="2">
-              <a:lnSpc>
-                <a:spcPct val="90000"/>
-              </a:lnSpc>
-            </a:pPr>
-            <a:r>
-              <a:rPr lang="en-US" sz="1900" dirty="0">
-                <a:latin typeface="Calibri" charset="0"/>
-                <a:ea typeface="ＭＳ Ｐゴシック" charset="0"/>
-              </a:rPr>
-              <a:t>Visualize the differences between/among replicates, library prep methods and tumor versus normal</a:t>
-            </a:r>
-          </a:p>
-          <a:p>
-            <a:pPr marL="342900" lvl="1" indent="-342900">
-              <a:lnSpc>
-                <a:spcPct val="90000"/>
-              </a:lnSpc>
-            </a:pPr>
-            <a:r>
-              <a:rPr lang="en-US" sz="2200" dirty="0">
-                <a:latin typeface="Calibri" charset="0"/>
-                <a:ea typeface="ＭＳ Ｐゴシック" charset="0"/>
-              </a:rPr>
-              <a:t>Examine the differential expression estimates</a:t>
-            </a:r>
-          </a:p>
-          <a:p>
-            <a:pPr lvl="2">
-              <a:lnSpc>
-                <a:spcPct val="90000"/>
-              </a:lnSpc>
-            </a:pPr>
-            <a:r>
-              <a:rPr lang="en-US" sz="1900" dirty="0">
-                <a:latin typeface="Calibri" charset="0"/>
-                <a:ea typeface="ＭＳ Ｐゴシック" charset="0"/>
-              </a:rPr>
-              <a:t>Visualize the expression estimates and highlight those genes that appear to be differentially expressed according to </a:t>
-            </a:r>
-            <a:r>
-              <a:rPr lang="en-US" sz="1900" dirty="0" err="1">
-                <a:latin typeface="Calibri" charset="0"/>
-                <a:ea typeface="ＭＳ Ｐゴシック" charset="0"/>
-              </a:rPr>
-              <a:t>cuffdiff</a:t>
-            </a:r>
-            <a:endParaRPr lang="en-US" sz="1900" dirty="0">
-              <a:latin typeface="Calibri" charset="0"/>
-              <a:ea typeface="ＭＳ Ｐゴシック" charset="0"/>
-            </a:endParaRPr>
-          </a:p>
-          <a:p>
-            <a:pPr lvl="2">
-              <a:lnSpc>
-                <a:spcPct val="90000"/>
-              </a:lnSpc>
-            </a:pPr>
-            <a:r>
-              <a:rPr lang="en-US" sz="1900" dirty="0">
-                <a:latin typeface="Calibri" charset="0"/>
-                <a:ea typeface="ＭＳ Ｐゴシック" charset="0"/>
-              </a:rPr>
-              <a:t>Generate a list of the top differentially expressed genes</a:t>
-            </a:r>
-          </a:p>
-          <a:p>
-            <a:pPr>
-              <a:lnSpc>
-                <a:spcPct val="90000"/>
-              </a:lnSpc>
-            </a:pPr>
-            <a:endParaRPr lang="en-US" sz="2600" dirty="0">
-              <a:latin typeface="Calibri" charset="0"/>
-              <a:ea typeface="ＭＳ Ｐゴシック" charset="0"/>
-            </a:endParaRPr>
-          </a:p>
-          <a:p>
-            <a:pPr>
-              <a:lnSpc>
-                <a:spcPct val="90000"/>
-              </a:lnSpc>
-            </a:pPr>
-            <a:endParaRPr lang="en-US" sz="2600" dirty="0">
-              <a:latin typeface="Calibri" charset="0"/>
-              <a:ea typeface="ＭＳ Ｐゴシック" charset="0"/>
-            </a:endParaRPr>
-          </a:p>
-        </p:txBody>
-      </p:sp>
-    </p:spTree>
-    <p:extLst>
-      <p:ext uri="{BB962C8B-B14F-4D97-AF65-F5344CB8AC3E}">
-        <p14:creationId xmlns:p14="http://schemas.microsoft.com/office/powerpoint/2010/main" val="3131372927"/>
       </p:ext>
     </p:extLst>
   </p:cSld>

--- a/LectureFiles/cshl/2015/RNASeq_Module3_Tutorial.pptx
+++ b/LectureFiles/cshl/2015/RNASeq_Module3_Tutorial.pptx
@@ -7767,7 +7767,7 @@
               </a:lnSpc>
             </a:pPr>
             <a:r>
-              <a:rPr lang="en-US" sz="2400">
+              <a:rPr lang="en-US" sz="2400" dirty="0">
                 <a:latin typeface="Calibri" charset="0"/>
                 <a:ea typeface="ＭＳ Ｐゴシック" charset="0"/>
               </a:rPr>
@@ -7781,7 +7781,7 @@
               </a:lnSpc>
             </a:pPr>
             <a:r>
-              <a:rPr lang="en-US" sz="2000">
+              <a:rPr lang="en-US" sz="2000" dirty="0">
                 <a:latin typeface="Calibri" charset="0"/>
                 <a:ea typeface="ＭＳ Ｐゴシック" charset="0"/>
               </a:rPr>
@@ -7795,35 +7795,35 @@
               </a:lnSpc>
             </a:pPr>
             <a:r>
-              <a:rPr lang="en-US" sz="2400">
+              <a:rPr lang="en-US" sz="2400" dirty="0">
                 <a:latin typeface="Calibri" charset="0"/>
                 <a:ea typeface="ＭＳ Ｐゴシック" charset="0"/>
               </a:rPr>
               <a:t>For this step an option, confusingly also called </a:t>
             </a:r>
             <a:r>
-              <a:rPr lang="ja-JP" altLang="en-US" sz="2400">
+              <a:rPr lang="ja-JP" altLang="en-US" sz="2400" dirty="0">
                 <a:latin typeface="Calibri" charset="0"/>
                 <a:ea typeface="ＭＳ Ｐゴシック" charset="0"/>
               </a:rPr>
               <a:t>‘</a:t>
             </a:r>
             <a:r>
-              <a:rPr lang="en-US" altLang="ja-JP" sz="2400">
+              <a:rPr lang="en-US" altLang="ja-JP" sz="2400" dirty="0">
                 <a:latin typeface="Calibri" charset="0"/>
                 <a:ea typeface="ＭＳ Ｐゴシック" charset="0"/>
               </a:rPr>
               <a:t>-G</a:t>
             </a:r>
             <a:r>
-              <a:rPr lang="ja-JP" altLang="en-US" sz="2400">
+              <a:rPr lang="ja-JP" altLang="en-US" sz="2400" dirty="0">
                 <a:latin typeface="Calibri" charset="0"/>
                 <a:ea typeface="ＭＳ Ｐゴシック" charset="0"/>
               </a:rPr>
               <a:t>’</a:t>
             </a:r>
             <a:r>
-              <a:rPr lang="en-US" altLang="ja-JP" sz="2400">
+              <a:rPr lang="en-US" altLang="ja-JP" sz="2400" dirty="0">
                 <a:latin typeface="Calibri" charset="0"/>
                 <a:ea typeface="ＭＳ Ｐゴシック" charset="0"/>
               </a:rPr>
@@ -7837,7 +7837,7 @@
               </a:lnSpc>
             </a:pPr>
             <a:r>
-              <a:rPr lang="en-US" sz="2000">
+              <a:rPr lang="en-US" sz="2000" dirty="0">
                 <a:latin typeface="Calibri" charset="0"/>
                 <a:ea typeface="ＭＳ Ｐゴシック" charset="0"/>
               </a:rPr>
@@ -7851,7 +7851,7 @@
               </a:lnSpc>
             </a:pPr>
             <a:r>
-              <a:rPr lang="en-US" sz="2000">
+              <a:rPr lang="en-US" sz="2000" dirty="0">
                 <a:latin typeface="Calibri" charset="0"/>
                 <a:ea typeface="ＭＳ Ｐゴシック" charset="0"/>
               </a:rPr>
@@ -7865,7 +7865,7 @@
               </a:lnSpc>
             </a:pPr>
             <a:r>
-              <a:rPr lang="en-US" sz="1700" b="1">
+              <a:rPr lang="en-US" sz="1700" b="1" dirty="0">
                 <a:latin typeface="Calibri" charset="0"/>
                 <a:ea typeface="ＭＳ Ｐゴシック" charset="0"/>
               </a:rPr>
@@ -7879,40 +7879,72 @@
               </a:lnSpc>
             </a:pPr>
             <a:r>
-              <a:rPr lang="en-US" sz="1700">
-                <a:latin typeface="Calibri" charset="0"/>
-                <a:ea typeface="ＭＳ Ｐゴシック" charset="0"/>
-              </a:rPr>
-              <a:t>Use the '-G' option along with the '-g' option.  Known transcripts will be used as a </a:t>
-            </a:r>
-            <a:r>
-              <a:rPr lang="ja-JP" altLang="en-US" sz="1700">
+              <a:rPr lang="en-US" sz="1700" dirty="0">
+                <a:latin typeface="Calibri" charset="0"/>
+                <a:ea typeface="ＭＳ Ｐゴシック" charset="0"/>
+              </a:rPr>
+              <a:t>Use </a:t>
+            </a:r>
+            <a:r>
+              <a:rPr lang="en-US" sz="1700" dirty="0" smtClean="0">
+                <a:latin typeface="Calibri" charset="0"/>
+                <a:ea typeface="ＭＳ Ｐゴシック" charset="0"/>
+              </a:rPr>
+              <a:t>the </a:t>
+            </a:r>
+            <a:r>
+              <a:rPr lang="en-US" sz="1700" dirty="0">
+                <a:latin typeface="Calibri" charset="0"/>
+                <a:ea typeface="ＭＳ Ｐゴシック" charset="0"/>
+              </a:rPr>
+              <a:t>'-g' option.  Known transcripts will be used as a </a:t>
+            </a:r>
+            <a:r>
+              <a:rPr lang="ja-JP" altLang="en-US" sz="1700" dirty="0">
                 <a:latin typeface="Calibri" charset="0"/>
                 <a:ea typeface="ＭＳ Ｐゴシック" charset="0"/>
               </a:rPr>
               <a:t>‘</a:t>
             </a:r>
             <a:r>
+              <a:rPr lang="en-US" altLang="ja-JP" sz="1700" dirty="0">
+                <a:latin typeface="Calibri" charset="0"/>
+                <a:ea typeface="ＭＳ Ｐゴシック" charset="0"/>
+              </a:rPr>
+              <a:t>guide</a:t>
+            </a:r>
+            <a:r>
+              <a:rPr lang="ja-JP" altLang="en-US" sz="1700" dirty="0">
+                <a:latin typeface="Calibri" charset="0"/>
+                <a:ea typeface="ＭＳ Ｐゴシック" charset="0"/>
+              </a:rPr>
+              <a:t>’</a:t>
+            </a:r>
+            <a:r>
+              <a:rPr lang="en-US" altLang="ja-JP" sz="1700" dirty="0">
+                <a:latin typeface="Calibri" charset="0"/>
+                <a:ea typeface="ＭＳ Ｐゴシック" charset="0"/>
+              </a:rPr>
+              <a:t>, but novel transcripts will also </a:t>
+            </a:r>
+            <a:r>
               <a:rPr lang="en-US" altLang="ja-JP" sz="1700">
                 <a:latin typeface="Calibri" charset="0"/>
                 <a:ea typeface="ＭＳ Ｐゴシック" charset="0"/>
               </a:rPr>
-              <a:t>guide</a:t>
-            </a:r>
-            <a:r>
-              <a:rPr lang="ja-JP" altLang="en-US" sz="1700">
-                <a:latin typeface="Calibri" charset="0"/>
-                <a:ea typeface="ＭＳ Ｐゴシック" charset="0"/>
-              </a:rPr>
-              <a:t>’</a:t>
-            </a:r>
-            <a:r>
-              <a:rPr lang="en-US" altLang="ja-JP" sz="1700">
-                <a:latin typeface="Calibri" charset="0"/>
-                <a:ea typeface="ＭＳ Ｐゴシック" charset="0"/>
-              </a:rPr>
-              <a:t>, but novel transcripts will also be predicted</a:t>
-            </a:r>
+              <a:t>be </a:t>
+            </a:r>
+            <a:r>
+              <a:rPr lang="en-US" altLang="ja-JP" sz="1700" smtClean="0">
+                <a:latin typeface="Calibri" charset="0"/>
+                <a:ea typeface="ＭＳ Ｐゴシック" charset="0"/>
+              </a:rPr>
+              <a:t>predicted.</a:t>
+            </a:r>
+            <a:endParaRPr lang="en-US" altLang="ja-JP" sz="1700" dirty="0">
+              <a:latin typeface="Calibri" charset="0"/>
+              <a:ea typeface="ＭＳ Ｐゴシック" charset="0"/>
+            </a:endParaRPr>
           </a:p>
           <a:p>
             <a:pPr>
@@ -7921,7 +7953,7 @@
               </a:lnSpc>
             </a:pPr>
             <a:r>
-              <a:rPr lang="en-US" sz="2400">
+              <a:rPr lang="en-US" sz="2400" dirty="0">
                 <a:latin typeface="Calibri" charset="0"/>
                 <a:ea typeface="ＭＳ Ｐゴシック" charset="0"/>
               </a:rPr>
@@ -7935,111 +7967,118 @@
               </a:lnSpc>
             </a:pPr>
             <a:r>
-              <a:rPr lang="en-US" sz="2000">
+              <a:rPr lang="en-US" sz="2000" dirty="0">
                 <a:latin typeface="Calibri" charset="0"/>
                 <a:ea typeface="ＭＳ Ｐゴシック" charset="0"/>
               </a:rPr>
               <a:t>Expression values are reported as </a:t>
             </a:r>
             <a:r>
-              <a:rPr lang="ja-JP" altLang="en-US" sz="2000">
+              <a:rPr lang="ja-JP" altLang="en-US" sz="2000" dirty="0">
                 <a:latin typeface="Calibri" charset="0"/>
                 <a:ea typeface="ＭＳ Ｐゴシック" charset="0"/>
               </a:rPr>
               <a:t>‘</a:t>
             </a:r>
             <a:r>
-              <a:rPr lang="en-US" altLang="ja-JP" sz="2000">
+              <a:rPr lang="en-US" altLang="ja-JP" sz="2000" dirty="0">
                 <a:latin typeface="Calibri" charset="0"/>
                 <a:ea typeface="ＭＳ Ｐゴシック" charset="0"/>
               </a:rPr>
               <a:t>FPKM</a:t>
             </a:r>
             <a:r>
-              <a:rPr lang="ja-JP" altLang="en-US" sz="2000">
+              <a:rPr lang="ja-JP" altLang="en-US" sz="2000" dirty="0">
                 <a:latin typeface="Calibri" charset="0"/>
                 <a:ea typeface="ＭＳ Ｐゴシック" charset="0"/>
               </a:rPr>
               <a:t>’</a:t>
             </a:r>
             <a:r>
-              <a:rPr lang="en-US" altLang="ja-JP" sz="2000">
+              <a:rPr lang="en-US" altLang="ja-JP" sz="2000" dirty="0">
                 <a:latin typeface="Calibri" charset="0"/>
                 <a:ea typeface="ＭＳ Ｐゴシック" charset="0"/>
               </a:rPr>
               <a:t>, or </a:t>
             </a:r>
             <a:r>
-              <a:rPr lang="ja-JP" altLang="en-US" sz="2000">
+              <a:rPr lang="ja-JP" altLang="en-US" sz="2000" dirty="0">
                 <a:latin typeface="Calibri" charset="0"/>
                 <a:ea typeface="ＭＳ Ｐゴシック" charset="0"/>
               </a:rPr>
               <a:t>‘</a:t>
             </a:r>
             <a:r>
-              <a:rPr lang="en-US" altLang="ja-JP" sz="2000" b="1">
+              <a:rPr lang="en-US" altLang="ja-JP" sz="2000" b="1" dirty="0">
                 <a:latin typeface="Calibri" charset="0"/>
                 <a:ea typeface="ＭＳ Ｐゴシック" charset="0"/>
               </a:rPr>
               <a:t>F</a:t>
             </a:r>
             <a:r>
-              <a:rPr lang="en-US" altLang="ja-JP" sz="2000">
+              <a:rPr lang="en-US" altLang="ja-JP" sz="2000" dirty="0">
                 <a:latin typeface="Calibri" charset="0"/>
                 <a:ea typeface="ＭＳ Ｐゴシック" charset="0"/>
               </a:rPr>
               <a:t>ragments </a:t>
             </a:r>
             <a:r>
-              <a:rPr lang="en-US" altLang="ja-JP" sz="2000" b="1">
+              <a:rPr lang="en-US" altLang="ja-JP" sz="2000" b="1" dirty="0">
                 <a:latin typeface="Calibri" charset="0"/>
                 <a:ea typeface="ＭＳ Ｐゴシック" charset="0"/>
               </a:rPr>
               <a:t>P</a:t>
             </a:r>
             <a:r>
-              <a:rPr lang="en-US" altLang="ja-JP" sz="2000">
+              <a:rPr lang="en-US" altLang="ja-JP" sz="2000" dirty="0">
                 <a:latin typeface="Calibri" charset="0"/>
                 <a:ea typeface="ＭＳ Ｐゴシック" charset="0"/>
               </a:rPr>
               <a:t>er </a:t>
             </a:r>
             <a:r>
-              <a:rPr lang="en-US" altLang="ja-JP" sz="2000" b="1">
+              <a:rPr lang="en-US" altLang="ja-JP" sz="2000" b="1" dirty="0" err="1">
                 <a:latin typeface="Calibri" charset="0"/>
                 <a:ea typeface="ＭＳ Ｐゴシック" charset="0"/>
               </a:rPr>
               <a:t>K</a:t>
             </a:r>
             <a:r>
-              <a:rPr lang="en-US" altLang="ja-JP" sz="2000">
-                <a:latin typeface="Calibri" charset="0"/>
-                <a:ea typeface="ＭＳ Ｐゴシック" charset="0"/>
-              </a:rPr>
-              <a:t>ilobase of exon per million fragments </a:t>
-            </a:r>
-            <a:r>
-              <a:rPr lang="en-US" altLang="ja-JP" sz="2000" b="1">
+              <a:rPr lang="en-US" altLang="ja-JP" sz="2000" dirty="0" err="1">
+                <a:latin typeface="Calibri" charset="0"/>
+                <a:ea typeface="ＭＳ Ｐゴシック" charset="0"/>
+              </a:rPr>
+              <a:t>ilobase</a:t>
+            </a:r>
+            <a:r>
+              <a:rPr lang="en-US" altLang="ja-JP" sz="2000" dirty="0">
+                <a:latin typeface="Calibri" charset="0"/>
+                <a:ea typeface="ＭＳ Ｐゴシック" charset="0"/>
+              </a:rPr>
+              <a:t> of exon per million fragments </a:t>
+            </a:r>
+            <a:r>
+              <a:rPr lang="en-US" altLang="ja-JP" sz="2000" b="1" dirty="0">
                 <a:latin typeface="Calibri" charset="0"/>
                 <a:ea typeface="ＭＳ Ｐゴシック" charset="0"/>
               </a:rPr>
               <a:t>M</a:t>
             </a:r>
             <a:r>
-              <a:rPr lang="en-US" altLang="ja-JP" sz="2000">
+              <a:rPr lang="en-US" altLang="ja-JP" sz="2000" dirty="0">
                 <a:latin typeface="Calibri" charset="0"/>
                 <a:ea typeface="ＭＳ Ｐゴシック" charset="0"/>
               </a:rPr>
               <a:t>apped</a:t>
             </a:r>
             <a:r>
-              <a:rPr lang="ja-JP" altLang="en-US" sz="2000">
+              <a:rPr lang="ja-JP" altLang="en-US" sz="2000" dirty="0">
                 <a:latin typeface="Calibri" charset="0"/>
                 <a:ea typeface="ＭＳ Ｐゴシック" charset="0"/>
               </a:rPr>
               <a:t>’</a:t>
             </a:r>
-            <a:endParaRPr lang="en-US" altLang="ja-JP" sz="2000">
+            <a:endParaRPr lang="en-US" altLang="ja-JP" sz="2000" dirty="0">
               <a:latin typeface="Calibri" charset="0"/>
               <a:ea typeface="ＭＳ Ｐゴシック" charset="0"/>
             </a:endParaRPr>
@@ -8051,41 +8090,41 @@
               </a:lnSpc>
             </a:pPr>
             <a:r>
-              <a:rPr lang="en-US" sz="2000">
+              <a:rPr lang="en-US" sz="2000" dirty="0">
                 <a:latin typeface="Calibri" charset="0"/>
                 <a:ea typeface="ＭＳ Ｐゴシック" charset="0"/>
               </a:rPr>
               <a:t>Where each </a:t>
             </a:r>
             <a:r>
-              <a:rPr lang="ja-JP" altLang="en-US" sz="2000">
+              <a:rPr lang="ja-JP" altLang="en-US" sz="2000" dirty="0">
                 <a:latin typeface="Calibri" charset="0"/>
                 <a:ea typeface="ＭＳ Ｐゴシック" charset="0"/>
               </a:rPr>
               <a:t>‘</a:t>
             </a:r>
             <a:r>
-              <a:rPr lang="en-US" altLang="ja-JP" sz="2000">
+              <a:rPr lang="en-US" altLang="ja-JP" sz="2000" dirty="0">
                 <a:latin typeface="Calibri" charset="0"/>
                 <a:ea typeface="ＭＳ Ｐゴシック" charset="0"/>
               </a:rPr>
               <a:t>fragment</a:t>
             </a:r>
             <a:r>
-              <a:rPr lang="ja-JP" altLang="en-US" sz="2000">
+              <a:rPr lang="ja-JP" altLang="en-US" sz="2000" dirty="0">
                 <a:latin typeface="Calibri" charset="0"/>
                 <a:ea typeface="ＭＳ Ｐゴシック" charset="0"/>
               </a:rPr>
               <a:t>’</a:t>
             </a:r>
             <a:r>
-              <a:rPr lang="en-US" altLang="ja-JP" sz="2000">
+              <a:rPr lang="en-US" altLang="ja-JP" sz="2000" dirty="0">
                 <a:latin typeface="Calibri" charset="0"/>
                 <a:ea typeface="ＭＳ Ｐゴシック" charset="0"/>
               </a:rPr>
               <a:t> corresponds to a read-pair mapped to the genome</a:t>
             </a:r>
-            <a:endParaRPr lang="en-US" sz="2000">
+            <a:endParaRPr lang="en-US" sz="2000" dirty="0">
               <a:latin typeface="Calibri" charset="0"/>
               <a:ea typeface="ＭＳ Ｐゴシック" charset="0"/>
             </a:endParaRPr>
